--- a/week1/glassdoor problem statement.pptx
+++ b/week1/glassdoor problem statement.pptx
@@ -1,28 +1,28 @@
 
 <file path=ppt/presentation.xml><?xml version="1.0" encoding="utf-8"?>
-<p:presentation xmlns:a="http://schemas.openxmlformats.org/drawingml/2006/main" xmlns:r="http://schemas.openxmlformats.org/officeDocument/2006/relationships" xmlns:mc="http://schemas.openxmlformats.org/markup-compatibility/2006" xmlns:mv="urn:schemas-microsoft-com:mac:vml" xmlns:p="http://schemas.openxmlformats.org/presentationml/2006/main" xmlns:c="http://schemas.openxmlformats.org/drawingml/2006/chart" xmlns:dgm="http://schemas.openxmlformats.org/drawingml/2006/diagram" xmlns:o="urn:schemas-microsoft-com:office:office" xmlns:v="urn:schemas-microsoft-com:vml" xmlns:pvml="urn:schemas-microsoft-com:office:powerpoint" xmlns:com="http://schemas.openxmlformats.org/drawingml/2006/compatibility" xmlns:p14="http://schemas.microsoft.com/office/powerpoint/2010/main" xmlns:p15="http://schemas.microsoft.com/office/powerpoint/2012/main" xmlns:ahyp="http://schemas.microsoft.com/office/drawing/2018/hyperlinkcolor" autoCompressPictures="0" embedTrueTypeFonts="1" strictFirstAndLastChars="0" saveSubsetFonts="1">
+<p:presentation xmlns:a="http://schemas.openxmlformats.org/drawingml/2006/main" xmlns:r="http://schemas.openxmlformats.org/officeDocument/2006/relationships" xmlns:p="http://schemas.openxmlformats.org/presentationml/2006/main" strictFirstAndLastChars="0" embedTrueTypeFonts="1" saveSubsetFonts="1" autoCompressPictures="0">
   <p:sldMasterIdLst>
-    <p:sldMasterId id="2147483648" r:id="rId3"/>
+    <p:sldMasterId id="2147483648" r:id="rId1"/>
   </p:sldMasterIdLst>
   <p:notesMasterIdLst>
-    <p:notesMasterId r:id="rId4"/>
+    <p:notesMasterId r:id="rId5"/>
   </p:notesMasterIdLst>
   <p:sldIdLst>
-    <p:sldId id="256" r:id="rId5"/>
-    <p:sldId id="257" r:id="rId6"/>
-    <p:sldId id="258" r:id="rId7"/>
+    <p:sldId id="256" r:id="rId2"/>
+    <p:sldId id="257" r:id="rId3"/>
+    <p:sldId id="258" r:id="rId4"/>
   </p:sldIdLst>
-  <p:sldSz cy="6858000" cx="12192000"/>
+  <p:sldSz cx="12192000" cy="6858000"/>
   <p:notesSz cx="6858000" cy="9144000"/>
   <p:embeddedFontLst>
     <p:embeddedFont>
-      <p:font typeface="Play"/>
-      <p:regular r:id="rId8"/>
-      <p:bold r:id="rId9"/>
+      <p:font typeface="Play" panose="020B0604020202020204" charset="0"/>
+      <p:regular r:id="rId6"/>
+      <p:bold r:id="rId7"/>
     </p:embeddedFont>
   </p:embeddedFontLst>
   <p:defaultTextStyle>
-    <a:defPPr lvl="0" marR="0" rtl="0" algn="l">
+    <a:defPPr marR="0" lvl="0" algn="l" rtl="0">
       <a:lnSpc>
         <a:spcPct val="100000"/>
       </a:lnSpc>
@@ -33,7 +33,7 @@
         <a:spcPts val="0"/>
       </a:spcAft>
     </a:defPPr>
-    <a:lvl1pPr lvl="0" marR="0" rtl="0" algn="l">
+    <a:lvl1pPr marR="0" lvl="0" algn="l" rtl="0">
       <a:lnSpc>
         <a:spcPct val="100000"/>
       </a:lnSpc>
@@ -47,7 +47,7 @@
         <a:srgbClr val="000000"/>
       </a:buClr>
       <a:buFont typeface="Arial"/>
-      <a:defRPr b="0" i="0" sz="1400" u="none" cap="none" strike="noStrike">
+      <a:defRPr sz="1400" b="0" i="0" u="none" strike="noStrike" cap="none">
         <a:solidFill>
           <a:srgbClr val="000000"/>
         </a:solidFill>
@@ -57,7 +57,7 @@
         <a:sym typeface="Arial"/>
       </a:defRPr>
     </a:lvl1pPr>
-    <a:lvl2pPr lvl="1" marR="0" rtl="0" algn="l">
+    <a:lvl2pPr marR="0" lvl="1" algn="l" rtl="0">
       <a:lnSpc>
         <a:spcPct val="100000"/>
       </a:lnSpc>
@@ -71,7 +71,7 @@
         <a:srgbClr val="000000"/>
       </a:buClr>
       <a:buFont typeface="Arial"/>
-      <a:defRPr b="0" i="0" sz="1400" u="none" cap="none" strike="noStrike">
+      <a:defRPr sz="1400" b="0" i="0" u="none" strike="noStrike" cap="none">
         <a:solidFill>
           <a:srgbClr val="000000"/>
         </a:solidFill>
@@ -81,7 +81,7 @@
         <a:sym typeface="Arial"/>
       </a:defRPr>
     </a:lvl2pPr>
-    <a:lvl3pPr lvl="2" marR="0" rtl="0" algn="l">
+    <a:lvl3pPr marR="0" lvl="2" algn="l" rtl="0">
       <a:lnSpc>
         <a:spcPct val="100000"/>
       </a:lnSpc>
@@ -95,7 +95,7 @@
         <a:srgbClr val="000000"/>
       </a:buClr>
       <a:buFont typeface="Arial"/>
-      <a:defRPr b="0" i="0" sz="1400" u="none" cap="none" strike="noStrike">
+      <a:defRPr sz="1400" b="0" i="0" u="none" strike="noStrike" cap="none">
         <a:solidFill>
           <a:srgbClr val="000000"/>
         </a:solidFill>
@@ -105,7 +105,7 @@
         <a:sym typeface="Arial"/>
       </a:defRPr>
     </a:lvl3pPr>
-    <a:lvl4pPr lvl="3" marR="0" rtl="0" algn="l">
+    <a:lvl4pPr marR="0" lvl="3" algn="l" rtl="0">
       <a:lnSpc>
         <a:spcPct val="100000"/>
       </a:lnSpc>
@@ -119,7 +119,7 @@
         <a:srgbClr val="000000"/>
       </a:buClr>
       <a:buFont typeface="Arial"/>
-      <a:defRPr b="0" i="0" sz="1400" u="none" cap="none" strike="noStrike">
+      <a:defRPr sz="1400" b="0" i="0" u="none" strike="noStrike" cap="none">
         <a:solidFill>
           <a:srgbClr val="000000"/>
         </a:solidFill>
@@ -129,7 +129,7 @@
         <a:sym typeface="Arial"/>
       </a:defRPr>
     </a:lvl4pPr>
-    <a:lvl5pPr lvl="4" marR="0" rtl="0" algn="l">
+    <a:lvl5pPr marR="0" lvl="4" algn="l" rtl="0">
       <a:lnSpc>
         <a:spcPct val="100000"/>
       </a:lnSpc>
@@ -143,7 +143,7 @@
         <a:srgbClr val="000000"/>
       </a:buClr>
       <a:buFont typeface="Arial"/>
-      <a:defRPr b="0" i="0" sz="1400" u="none" cap="none" strike="noStrike">
+      <a:defRPr sz="1400" b="0" i="0" u="none" strike="noStrike" cap="none">
         <a:solidFill>
           <a:srgbClr val="000000"/>
         </a:solidFill>
@@ -153,7 +153,7 @@
         <a:sym typeface="Arial"/>
       </a:defRPr>
     </a:lvl5pPr>
-    <a:lvl6pPr lvl="5" marR="0" rtl="0" algn="l">
+    <a:lvl6pPr marR="0" lvl="5" algn="l" rtl="0">
       <a:lnSpc>
         <a:spcPct val="100000"/>
       </a:lnSpc>
@@ -167,7 +167,7 @@
         <a:srgbClr val="000000"/>
       </a:buClr>
       <a:buFont typeface="Arial"/>
-      <a:defRPr b="0" i="0" sz="1400" u="none" cap="none" strike="noStrike">
+      <a:defRPr sz="1400" b="0" i="0" u="none" strike="noStrike" cap="none">
         <a:solidFill>
           <a:srgbClr val="000000"/>
         </a:solidFill>
@@ -177,7 +177,7 @@
         <a:sym typeface="Arial"/>
       </a:defRPr>
     </a:lvl6pPr>
-    <a:lvl7pPr lvl="6" marR="0" rtl="0" algn="l">
+    <a:lvl7pPr marR="0" lvl="6" algn="l" rtl="0">
       <a:lnSpc>
         <a:spcPct val="100000"/>
       </a:lnSpc>
@@ -191,7 +191,7 @@
         <a:srgbClr val="000000"/>
       </a:buClr>
       <a:buFont typeface="Arial"/>
-      <a:defRPr b="0" i="0" sz="1400" u="none" cap="none" strike="noStrike">
+      <a:defRPr sz="1400" b="0" i="0" u="none" strike="noStrike" cap="none">
         <a:solidFill>
           <a:srgbClr val="000000"/>
         </a:solidFill>
@@ -201,7 +201,7 @@
         <a:sym typeface="Arial"/>
       </a:defRPr>
     </a:lvl7pPr>
-    <a:lvl8pPr lvl="7" marR="0" rtl="0" algn="l">
+    <a:lvl8pPr marR="0" lvl="7" algn="l" rtl="0">
       <a:lnSpc>
         <a:spcPct val="100000"/>
       </a:lnSpc>
@@ -215,7 +215,7 @@
         <a:srgbClr val="000000"/>
       </a:buClr>
       <a:buFont typeface="Arial"/>
-      <a:defRPr b="0" i="0" sz="1400" u="none" cap="none" strike="noStrike">
+      <a:defRPr sz="1400" b="0" i="0" u="none" strike="noStrike" cap="none">
         <a:solidFill>
           <a:srgbClr val="000000"/>
         </a:solidFill>
@@ -225,7 +225,7 @@
         <a:sym typeface="Arial"/>
       </a:defRPr>
     </a:lvl8pPr>
-    <a:lvl9pPr lvl="8" marR="0" rtl="0" algn="l">
+    <a:lvl9pPr marR="0" lvl="8" algn="l" rtl="0">
       <a:lnSpc>
         <a:spcPct val="100000"/>
       </a:lnSpc>
@@ -239,7 +239,7 @@
         <a:srgbClr val="000000"/>
       </a:buClr>
       <a:buFont typeface="Arial"/>
-      <a:defRPr b="0" i="0" sz="1400" u="none" cap="none" strike="noStrike">
+      <a:defRPr sz="1400" b="0" i="0" u="none" strike="noStrike" cap="none">
         <a:solidFill>
           <a:srgbClr val="000000"/>
         </a:solidFill>
@@ -252,18 +252,23 @@
   </p:defaultTextStyle>
   <p:extLst>
     <p:ext uri="GoogleSlidesCustomDataVersion2">
-      <go:slidesCustomData xmlns:go="http://customooxmlschemas.google.com/" r:id="rId10" roundtripDataSignature="AMtx7mhLhfocI+PBiOKLDD9bSO2yiQ1kGg=="/>
+      <go:slidesCustomData xmlns:go="http://customooxmlschemas.google.com/" xmlns:ahyp="http://schemas.microsoft.com/office/drawing/2018/hyperlinkcolor" xmlns:p15="http://schemas.microsoft.com/office/powerpoint/2012/main" xmlns:p14="http://schemas.microsoft.com/office/powerpoint/2010/main" xmlns:com="http://schemas.openxmlformats.org/drawingml/2006/compatibility" xmlns:pvml="urn:schemas-microsoft-com:office:powerpoint" xmlns:v="urn:schemas-microsoft-com:vml" xmlns:o="urn:schemas-microsoft-com:office:office" xmlns:dgm="http://schemas.openxmlformats.org/drawingml/2006/diagram" xmlns:c="http://schemas.openxmlformats.org/drawingml/2006/chart" xmlns:mv="urn:schemas-microsoft-com:mac:vml" xmlns:mc="http://schemas.openxmlformats.org/markup-compatibility/2006" xmlns="" r:id="rId10" roundtripDataSignature="AMtx7mhLhfocI+PBiOKLDD9bSO2yiQ1kGg=="/>
     </p:ext>
   </p:extLst>
 </p:presentation>
 </file>
 
 <file path=ppt/notesMasters/notesMaster1.xml><?xml version="1.0" encoding="utf-8"?>
-<p:notesMaster xmlns:a="http://schemas.openxmlformats.org/drawingml/2006/main" xmlns:r="http://schemas.openxmlformats.org/officeDocument/2006/relationships" xmlns:mc="http://schemas.openxmlformats.org/markup-compatibility/2006" xmlns:mv="urn:schemas-microsoft-com:mac:vml" xmlns:p="http://schemas.openxmlformats.org/presentationml/2006/main" xmlns:c="http://schemas.openxmlformats.org/drawingml/2006/chart" xmlns:dgm="http://schemas.openxmlformats.org/drawingml/2006/diagram" xmlns:o="urn:schemas-microsoft-com:office:office" xmlns:v="urn:schemas-microsoft-com:vml" xmlns:pvml="urn:schemas-microsoft-com:office:powerpoint" xmlns:com="http://schemas.openxmlformats.org/drawingml/2006/compatibility" xmlns:p14="http://schemas.microsoft.com/office/powerpoint/2010/main" xmlns:p15="http://schemas.microsoft.com/office/powerpoint/2012/main" xmlns:ahyp="http://schemas.microsoft.com/office/drawing/2018/hyperlinkcolor">
+<p:notesMaster xmlns:a="http://schemas.openxmlformats.org/drawingml/2006/main" xmlns:r="http://schemas.openxmlformats.org/officeDocument/2006/relationships" xmlns:p="http://schemas.openxmlformats.org/presentationml/2006/main">
   <p:cSld>
+    <p:bg>
+      <p:bgRef idx="1001">
+        <a:schemeClr val="bg1"/>
+      </p:bgRef>
+    </p:bg>
     <p:spTree>
       <p:nvGrpSpPr>
-        <p:cNvPr id="2" name="Shape 2"/>
+        <p:cNvPr id="1" name="Shape 2"/>
         <p:cNvGrpSpPr/>
         <p:nvPr/>
       </p:nvGrpSpPr>
@@ -278,9 +283,11 @@
       <p:sp>
         <p:nvSpPr>
           <p:cNvPr id="3" name="Google Shape;3;n"/>
-          <p:cNvSpPr/>
+          <p:cNvSpPr>
+            <a:spLocks noGrp="1" noRot="1" noChangeAspect="1"/>
+          </p:cNvSpPr>
           <p:nvPr>
-            <p:ph idx="2" type="sldImg"/>
+            <p:ph type="sldImg" idx="2"/>
           </p:nvPr>
         </p:nvSpPr>
         <p:spPr>
@@ -289,9 +296,13 @@
             <a:ext cx="4572225" cy="3429000"/>
           </a:xfrm>
           <a:custGeom>
-            <a:rect b="b" l="l" r="r" t="t"/>
+            <a:avLst/>
+            <a:gdLst/>
+            <a:ahLst/>
+            <a:cxnLst/>
+            <a:rect l="l" t="t" r="r" b="b"/>
             <a:pathLst>
-              <a:path extrusionOk="0" h="120000" w="120000">
+              <a:path w="120000" h="120000" extrusionOk="0">
                 <a:moveTo>
                   <a:pt x="0" y="0"/>
                 </a:moveTo>
@@ -309,23 +320,25 @@
             </a:pathLst>
           </a:custGeom>
           <a:noFill/>
-          <a:ln cap="flat" cmpd="sng" w="9525">
+          <a:ln w="9525" cap="flat" cmpd="sng">
             <a:solidFill>
               <a:srgbClr val="000000"/>
             </a:solidFill>
             <a:prstDash val="solid"/>
             <a:round/>
-            <a:headEnd len="sm" w="sm" type="none"/>
-            <a:tailEnd len="sm" w="sm" type="none"/>
+            <a:headEnd type="none" w="sm" len="sm"/>
+            <a:tailEnd type="none" w="sm" len="sm"/>
           </a:ln>
         </p:spPr>
       </p:sp>
       <p:sp>
         <p:nvSpPr>
           <p:cNvPr id="4" name="Google Shape;4;n"/>
-          <p:cNvSpPr txBox="1"/>
+          <p:cNvSpPr txBox="1">
+            <a:spLocks noGrp="1"/>
+          </p:cNvSpPr>
           <p:nvPr>
-            <p:ph idx="1" type="body"/>
+            <p:ph type="body" idx="1"/>
           </p:nvPr>
         </p:nvSpPr>
         <p:spPr>
@@ -342,11 +355,11 @@
           </a:ln>
         </p:spPr>
         <p:txBody>
-          <a:bodyPr anchorCtr="0" anchor="t" bIns="91425" lIns="91425" spcFirstLastPara="1" rIns="91425" wrap="square" tIns="91425">
+          <a:bodyPr spcFirstLastPara="1" wrap="square" lIns="91425" tIns="91425" rIns="91425" bIns="91425" anchor="t" anchorCtr="0">
             <a:noAutofit/>
           </a:bodyPr>
           <a:lstStyle>
-            <a:lvl1pPr indent="-298450" lvl="0" marL="457200">
+            <a:lvl1pPr marL="457200" lvl="0" indent="-298450">
               <a:spcBef>
                 <a:spcPts val="0"/>
               </a:spcBef>
@@ -357,7 +370,7 @@
               <a:buChar char="●"/>
               <a:defRPr sz="1100"/>
             </a:lvl1pPr>
-            <a:lvl2pPr indent="-298450" lvl="1" marL="914400">
+            <a:lvl2pPr marL="914400" lvl="1" indent="-298450">
               <a:spcBef>
                 <a:spcPts val="0"/>
               </a:spcBef>
@@ -368,7 +381,7 @@
               <a:buChar char="○"/>
               <a:defRPr sz="1100"/>
             </a:lvl2pPr>
-            <a:lvl3pPr indent="-298450" lvl="2" marL="1371600">
+            <a:lvl3pPr marL="1371600" lvl="2" indent="-298450">
               <a:spcBef>
                 <a:spcPts val="0"/>
               </a:spcBef>
@@ -379,7 +392,7 @@
               <a:buChar char="■"/>
               <a:defRPr sz="1100"/>
             </a:lvl3pPr>
-            <a:lvl4pPr indent="-298450" lvl="3" marL="1828800">
+            <a:lvl4pPr marL="1828800" lvl="3" indent="-298450">
               <a:spcBef>
                 <a:spcPts val="0"/>
               </a:spcBef>
@@ -390,7 +403,7 @@
               <a:buChar char="●"/>
               <a:defRPr sz="1100"/>
             </a:lvl4pPr>
-            <a:lvl5pPr indent="-298450" lvl="4" marL="2286000">
+            <a:lvl5pPr marL="2286000" lvl="4" indent="-298450">
               <a:spcBef>
                 <a:spcPts val="0"/>
               </a:spcBef>
@@ -401,7 +414,7 @@
               <a:buChar char="○"/>
               <a:defRPr sz="1100"/>
             </a:lvl5pPr>
-            <a:lvl6pPr indent="-298450" lvl="5" marL="2743200">
+            <a:lvl6pPr marL="2743200" lvl="5" indent="-298450">
               <a:spcBef>
                 <a:spcPts val="0"/>
               </a:spcBef>
@@ -412,7 +425,7 @@
               <a:buChar char="■"/>
               <a:defRPr sz="1100"/>
             </a:lvl6pPr>
-            <a:lvl7pPr indent="-298450" lvl="6" marL="3200400">
+            <a:lvl7pPr marL="3200400" lvl="6" indent="-298450">
               <a:spcBef>
                 <a:spcPts val="0"/>
               </a:spcBef>
@@ -423,7 +436,7 @@
               <a:buChar char="●"/>
               <a:defRPr sz="1100"/>
             </a:lvl7pPr>
-            <a:lvl8pPr indent="-298450" lvl="7" marL="3657600">
+            <a:lvl8pPr marL="3657600" lvl="7" indent="-298450">
               <a:spcBef>
                 <a:spcPts val="0"/>
               </a:spcBef>
@@ -434,7 +447,7 @@
               <a:buChar char="○"/>
               <a:defRPr sz="1100"/>
             </a:lvl8pPr>
-            <a:lvl9pPr indent="-298450" lvl="8" marL="4114800">
+            <a:lvl9pPr marL="4114800" lvl="8" indent="-298450">
               <a:spcBef>
                 <a:spcPts val="0"/>
               </a:spcBef>
@@ -446,14 +459,16 @@
               <a:defRPr sz="1100"/>
             </a:lvl9pPr>
           </a:lstStyle>
-          <a:p/>
+          <a:p>
+            <a:endParaRPr/>
+          </a:p>
         </p:txBody>
       </p:sp>
     </p:spTree>
   </p:cSld>
-  <p:clrMap accent1="accent1" accent2="accent2" accent3="accent3" accent4="accent4" accent5="accent5" accent6="accent6" bg1="lt1" bg2="dk2" tx1="dk1" tx2="lt2" folHlink="folHlink" hlink="hlink"/>
+  <p:clrMap bg1="lt1" tx1="dk1" bg2="dk2" tx2="lt2" accent1="accent1" accent2="accent2" accent3="accent3" accent4="accent4" accent5="accent5" accent6="accent6" hlink="hlink" folHlink="folHlink"/>
   <p:notesStyle>
-    <a:defPPr lvl="0" marR="0" rtl="0" algn="l">
+    <a:defPPr marR="0" lvl="0" algn="l" rtl="0">
       <a:lnSpc>
         <a:spcPct val="100000"/>
       </a:lnSpc>
@@ -464,7 +479,7 @@
         <a:spcPts val="0"/>
       </a:spcAft>
     </a:defPPr>
-    <a:lvl1pPr lvl="0" marR="0" rtl="0" algn="l">
+    <a:lvl1pPr marR="0" lvl="0" algn="l" rtl="0">
       <a:lnSpc>
         <a:spcPct val="100000"/>
       </a:lnSpc>
@@ -478,7 +493,7 @@
         <a:srgbClr val="000000"/>
       </a:buClr>
       <a:buFont typeface="Arial"/>
-      <a:defRPr b="0" i="0" sz="1400" u="none" cap="none" strike="noStrike">
+      <a:defRPr sz="1400" b="0" i="0" u="none" strike="noStrike" cap="none">
         <a:solidFill>
           <a:srgbClr val="000000"/>
         </a:solidFill>
@@ -488,7 +503,7 @@
         <a:sym typeface="Arial"/>
       </a:defRPr>
     </a:lvl1pPr>
-    <a:lvl2pPr lvl="1" marR="0" rtl="0" algn="l">
+    <a:lvl2pPr marR="0" lvl="1" algn="l" rtl="0">
       <a:lnSpc>
         <a:spcPct val="100000"/>
       </a:lnSpc>
@@ -502,7 +517,7 @@
         <a:srgbClr val="000000"/>
       </a:buClr>
       <a:buFont typeface="Arial"/>
-      <a:defRPr b="0" i="0" sz="1400" u="none" cap="none" strike="noStrike">
+      <a:defRPr sz="1400" b="0" i="0" u="none" strike="noStrike" cap="none">
         <a:solidFill>
           <a:srgbClr val="000000"/>
         </a:solidFill>
@@ -512,7 +527,7 @@
         <a:sym typeface="Arial"/>
       </a:defRPr>
     </a:lvl2pPr>
-    <a:lvl3pPr lvl="2" marR="0" rtl="0" algn="l">
+    <a:lvl3pPr marR="0" lvl="2" algn="l" rtl="0">
       <a:lnSpc>
         <a:spcPct val="100000"/>
       </a:lnSpc>
@@ -526,7 +541,7 @@
         <a:srgbClr val="000000"/>
       </a:buClr>
       <a:buFont typeface="Arial"/>
-      <a:defRPr b="0" i="0" sz="1400" u="none" cap="none" strike="noStrike">
+      <a:defRPr sz="1400" b="0" i="0" u="none" strike="noStrike" cap="none">
         <a:solidFill>
           <a:srgbClr val="000000"/>
         </a:solidFill>
@@ -536,7 +551,7 @@
         <a:sym typeface="Arial"/>
       </a:defRPr>
     </a:lvl3pPr>
-    <a:lvl4pPr lvl="3" marR="0" rtl="0" algn="l">
+    <a:lvl4pPr marR="0" lvl="3" algn="l" rtl="0">
       <a:lnSpc>
         <a:spcPct val="100000"/>
       </a:lnSpc>
@@ -550,7 +565,7 @@
         <a:srgbClr val="000000"/>
       </a:buClr>
       <a:buFont typeface="Arial"/>
-      <a:defRPr b="0" i="0" sz="1400" u="none" cap="none" strike="noStrike">
+      <a:defRPr sz="1400" b="0" i="0" u="none" strike="noStrike" cap="none">
         <a:solidFill>
           <a:srgbClr val="000000"/>
         </a:solidFill>
@@ -560,7 +575,7 @@
         <a:sym typeface="Arial"/>
       </a:defRPr>
     </a:lvl4pPr>
-    <a:lvl5pPr lvl="4" marR="0" rtl="0" algn="l">
+    <a:lvl5pPr marR="0" lvl="4" algn="l" rtl="0">
       <a:lnSpc>
         <a:spcPct val="100000"/>
       </a:lnSpc>
@@ -574,7 +589,7 @@
         <a:srgbClr val="000000"/>
       </a:buClr>
       <a:buFont typeface="Arial"/>
-      <a:defRPr b="0" i="0" sz="1400" u="none" cap="none" strike="noStrike">
+      <a:defRPr sz="1400" b="0" i="0" u="none" strike="noStrike" cap="none">
         <a:solidFill>
           <a:srgbClr val="000000"/>
         </a:solidFill>
@@ -584,7 +599,7 @@
         <a:sym typeface="Arial"/>
       </a:defRPr>
     </a:lvl5pPr>
-    <a:lvl6pPr lvl="5" marR="0" rtl="0" algn="l">
+    <a:lvl6pPr marR="0" lvl="5" algn="l" rtl="0">
       <a:lnSpc>
         <a:spcPct val="100000"/>
       </a:lnSpc>
@@ -598,7 +613,7 @@
         <a:srgbClr val="000000"/>
       </a:buClr>
       <a:buFont typeface="Arial"/>
-      <a:defRPr b="0" i="0" sz="1400" u="none" cap="none" strike="noStrike">
+      <a:defRPr sz="1400" b="0" i="0" u="none" strike="noStrike" cap="none">
         <a:solidFill>
           <a:srgbClr val="000000"/>
         </a:solidFill>
@@ -608,7 +623,7 @@
         <a:sym typeface="Arial"/>
       </a:defRPr>
     </a:lvl6pPr>
-    <a:lvl7pPr lvl="6" marR="0" rtl="0" algn="l">
+    <a:lvl7pPr marR="0" lvl="6" algn="l" rtl="0">
       <a:lnSpc>
         <a:spcPct val="100000"/>
       </a:lnSpc>
@@ -622,7 +637,7 @@
         <a:srgbClr val="000000"/>
       </a:buClr>
       <a:buFont typeface="Arial"/>
-      <a:defRPr b="0" i="0" sz="1400" u="none" cap="none" strike="noStrike">
+      <a:defRPr sz="1400" b="0" i="0" u="none" strike="noStrike" cap="none">
         <a:solidFill>
           <a:srgbClr val="000000"/>
         </a:solidFill>
@@ -632,7 +647,7 @@
         <a:sym typeface="Arial"/>
       </a:defRPr>
     </a:lvl7pPr>
-    <a:lvl8pPr lvl="7" marR="0" rtl="0" algn="l">
+    <a:lvl8pPr marR="0" lvl="7" algn="l" rtl="0">
       <a:lnSpc>
         <a:spcPct val="100000"/>
       </a:lnSpc>
@@ -646,7 +661,7 @@
         <a:srgbClr val="000000"/>
       </a:buClr>
       <a:buFont typeface="Arial"/>
-      <a:defRPr b="0" i="0" sz="1400" u="none" cap="none" strike="noStrike">
+      <a:defRPr sz="1400" b="0" i="0" u="none" strike="noStrike" cap="none">
         <a:solidFill>
           <a:srgbClr val="000000"/>
         </a:solidFill>
@@ -656,7 +671,7 @@
         <a:sym typeface="Arial"/>
       </a:defRPr>
     </a:lvl8pPr>
-    <a:lvl9pPr lvl="8" marR="0" rtl="0" algn="l">
+    <a:lvl9pPr marR="0" lvl="8" algn="l" rtl="0">
       <a:lnSpc>
         <a:spcPct val="100000"/>
       </a:lnSpc>
@@ -670,7 +685,7 @@
         <a:srgbClr val="000000"/>
       </a:buClr>
       <a:buFont typeface="Arial"/>
-      <a:defRPr b="0" i="0" sz="1400" u="none" cap="none" strike="noStrike">
+      <a:defRPr sz="1400" b="0" i="0" u="none" strike="noStrike" cap="none">
         <a:solidFill>
           <a:srgbClr val="000000"/>
         </a:solidFill>
@@ -685,11 +700,11 @@
 </file>
 
 <file path=ppt/notesSlides/notesSlide1.xml><?xml version="1.0" encoding="utf-8"?>
-<p:notes xmlns:a="http://schemas.openxmlformats.org/drawingml/2006/main" xmlns:r="http://schemas.openxmlformats.org/officeDocument/2006/relationships" xmlns:mc="http://schemas.openxmlformats.org/markup-compatibility/2006" xmlns:mv="urn:schemas-microsoft-com:mac:vml" xmlns:p="http://schemas.openxmlformats.org/presentationml/2006/main" xmlns:c="http://schemas.openxmlformats.org/drawingml/2006/chart" xmlns:dgm="http://schemas.openxmlformats.org/drawingml/2006/diagram" xmlns:o="urn:schemas-microsoft-com:office:office" xmlns:v="urn:schemas-microsoft-com:vml" xmlns:pvml="urn:schemas-microsoft-com:office:powerpoint" xmlns:com="http://schemas.openxmlformats.org/drawingml/2006/compatibility" xmlns:p14="http://schemas.microsoft.com/office/powerpoint/2010/main" xmlns:p15="http://schemas.microsoft.com/office/powerpoint/2012/main" xmlns:ahyp="http://schemas.microsoft.com/office/drawing/2018/hyperlinkcolor" showMasterPhAnim="0" showMasterSp="0">
+<p:notes xmlns:a="http://schemas.openxmlformats.org/drawingml/2006/main" xmlns:r="http://schemas.openxmlformats.org/officeDocument/2006/relationships" xmlns:p="http://schemas.openxmlformats.org/presentationml/2006/main" showMasterSp="0" showMasterPhAnim="0">
   <p:cSld>
     <p:spTree>
       <p:nvGrpSpPr>
-        <p:cNvPr id="80" name="Shape 80"/>
+        <p:cNvPr id="1" name="Shape 80"/>
         <p:cNvGrpSpPr/>
         <p:nvPr/>
       </p:nvGrpSpPr>
@@ -704,9 +719,11 @@
       <p:sp>
         <p:nvSpPr>
           <p:cNvPr id="81" name="Google Shape;81;p1:notes"/>
-          <p:cNvSpPr txBox="1"/>
+          <p:cNvSpPr txBox="1">
+            <a:spLocks noGrp="1"/>
+          </p:cNvSpPr>
           <p:nvPr>
-            <p:ph idx="1" type="body"/>
+            <p:ph type="body" idx="1"/>
           </p:nvPr>
         </p:nvSpPr>
         <p:spPr>
@@ -719,12 +736,12 @@
           </a:prstGeom>
         </p:spPr>
         <p:txBody>
-          <a:bodyPr anchorCtr="0" anchor="t" bIns="91425" lIns="91425" spcFirstLastPara="1" rIns="91425" wrap="square" tIns="91425">
+          <a:bodyPr spcFirstLastPara="1" wrap="square" lIns="91425" tIns="91425" rIns="91425" bIns="91425" anchor="t" anchorCtr="0">
             <a:noAutofit/>
           </a:bodyPr>
           <a:lstStyle/>
           <a:p>
-            <a:pPr indent="0" lvl="0" marL="0" rtl="0" algn="l">
+            <a:pPr marL="0" lvl="0" indent="0" algn="l" rtl="0">
               <a:spcBef>
                 <a:spcPts val="0"/>
               </a:spcBef>
@@ -733,9 +750,6 @@
               </a:spcAft>
               <a:buNone/>
             </a:pPr>
-            <a:r>
-              <a:t/>
-            </a:r>
             <a:endParaRPr/>
           </a:p>
         </p:txBody>
@@ -743,20 +757,26 @@
       <p:sp>
         <p:nvSpPr>
           <p:cNvPr id="82" name="Google Shape;82;p1:notes"/>
-          <p:cNvSpPr/>
+          <p:cNvSpPr>
+            <a:spLocks noGrp="1" noRot="1" noChangeAspect="1"/>
+          </p:cNvSpPr>
           <p:nvPr>
-            <p:ph idx="2" type="sldImg"/>
+            <p:ph type="sldImg" idx="2"/>
           </p:nvPr>
         </p:nvSpPr>
         <p:spPr>
           <a:xfrm>
-            <a:off x="1143225" y="685800"/>
-            <a:ext cx="4572225" cy="3429000"/>
+            <a:off x="381000" y="685800"/>
+            <a:ext cx="6096000" cy="3429000"/>
           </a:xfrm>
           <a:custGeom>
-            <a:rect b="b" l="l" r="r" t="t"/>
+            <a:avLst/>
+            <a:gdLst/>
+            <a:ahLst/>
+            <a:cxnLst/>
+            <a:rect l="l" t="t" r="r" b="b"/>
             <a:pathLst>
-              <a:path extrusionOk="0" h="120000" w="120000">
+              <a:path w="120000" h="120000" extrusionOk="0">
                 <a:moveTo>
                   <a:pt x="0" y="0"/>
                 </a:moveTo>
@@ -784,11 +804,11 @@
 </file>
 
 <file path=ppt/notesSlides/notesSlide2.xml><?xml version="1.0" encoding="utf-8"?>
-<p:notes xmlns:a="http://schemas.openxmlformats.org/drawingml/2006/main" xmlns:r="http://schemas.openxmlformats.org/officeDocument/2006/relationships" xmlns:mc="http://schemas.openxmlformats.org/markup-compatibility/2006" xmlns:mv="urn:schemas-microsoft-com:mac:vml" xmlns:p="http://schemas.openxmlformats.org/presentationml/2006/main" xmlns:c="http://schemas.openxmlformats.org/drawingml/2006/chart" xmlns:dgm="http://schemas.openxmlformats.org/drawingml/2006/diagram" xmlns:o="urn:schemas-microsoft-com:office:office" xmlns:v="urn:schemas-microsoft-com:vml" xmlns:pvml="urn:schemas-microsoft-com:office:powerpoint" xmlns:com="http://schemas.openxmlformats.org/drawingml/2006/compatibility" xmlns:p14="http://schemas.microsoft.com/office/powerpoint/2010/main" xmlns:p15="http://schemas.microsoft.com/office/powerpoint/2012/main" xmlns:ahyp="http://schemas.microsoft.com/office/drawing/2018/hyperlinkcolor" showMasterPhAnim="0" showMasterSp="0">
+<p:notes xmlns:a="http://schemas.openxmlformats.org/drawingml/2006/main" xmlns:r="http://schemas.openxmlformats.org/officeDocument/2006/relationships" xmlns:p="http://schemas.openxmlformats.org/presentationml/2006/main" showMasterSp="0" showMasterPhAnim="0">
   <p:cSld>
     <p:spTree>
       <p:nvGrpSpPr>
-        <p:cNvPr id="86" name="Shape 86"/>
+        <p:cNvPr id="1" name="Shape 86"/>
         <p:cNvGrpSpPr/>
         <p:nvPr/>
       </p:nvGrpSpPr>
@@ -803,9 +823,11 @@
       <p:sp>
         <p:nvSpPr>
           <p:cNvPr id="87" name="Google Shape;87;p2:notes"/>
-          <p:cNvSpPr txBox="1"/>
+          <p:cNvSpPr txBox="1">
+            <a:spLocks noGrp="1"/>
+          </p:cNvSpPr>
           <p:nvPr>
-            <p:ph idx="1" type="body"/>
+            <p:ph type="body" idx="1"/>
           </p:nvPr>
         </p:nvSpPr>
         <p:spPr>
@@ -818,12 +840,12 @@
           </a:prstGeom>
         </p:spPr>
         <p:txBody>
-          <a:bodyPr anchorCtr="0" anchor="t" bIns="91425" lIns="91425" spcFirstLastPara="1" rIns="91425" wrap="square" tIns="91425">
+          <a:bodyPr spcFirstLastPara="1" wrap="square" lIns="91425" tIns="91425" rIns="91425" bIns="91425" anchor="t" anchorCtr="0">
             <a:noAutofit/>
           </a:bodyPr>
           <a:lstStyle/>
           <a:p>
-            <a:pPr indent="0" lvl="0" marL="0" rtl="0" algn="l">
+            <a:pPr marL="0" lvl="0" indent="0" algn="l" rtl="0">
               <a:spcBef>
                 <a:spcPts val="0"/>
               </a:spcBef>
@@ -832,9 +854,6 @@
               </a:spcAft>
               <a:buNone/>
             </a:pPr>
-            <a:r>
-              <a:t/>
-            </a:r>
             <a:endParaRPr/>
           </a:p>
         </p:txBody>
@@ -842,20 +861,26 @@
       <p:sp>
         <p:nvSpPr>
           <p:cNvPr id="88" name="Google Shape;88;p2:notes"/>
-          <p:cNvSpPr/>
+          <p:cNvSpPr>
+            <a:spLocks noGrp="1" noRot="1" noChangeAspect="1"/>
+          </p:cNvSpPr>
           <p:nvPr>
-            <p:ph idx="2" type="sldImg"/>
+            <p:ph type="sldImg" idx="2"/>
           </p:nvPr>
         </p:nvSpPr>
         <p:spPr>
           <a:xfrm>
-            <a:off x="1143225" y="685800"/>
-            <a:ext cx="4572225" cy="3429000"/>
+            <a:off x="381000" y="685800"/>
+            <a:ext cx="6096000" cy="3429000"/>
           </a:xfrm>
           <a:custGeom>
-            <a:rect b="b" l="l" r="r" t="t"/>
+            <a:avLst/>
+            <a:gdLst/>
+            <a:ahLst/>
+            <a:cxnLst/>
+            <a:rect l="l" t="t" r="r" b="b"/>
             <a:pathLst>
-              <a:path extrusionOk="0" h="120000" w="120000">
+              <a:path w="120000" h="120000" extrusionOk="0">
                 <a:moveTo>
                   <a:pt x="0" y="0"/>
                 </a:moveTo>
@@ -883,11 +908,11 @@
 </file>
 
 <file path=ppt/notesSlides/notesSlide3.xml><?xml version="1.0" encoding="utf-8"?>
-<p:notes xmlns:a="http://schemas.openxmlformats.org/drawingml/2006/main" xmlns:r="http://schemas.openxmlformats.org/officeDocument/2006/relationships" xmlns:mc="http://schemas.openxmlformats.org/markup-compatibility/2006" xmlns:mv="urn:schemas-microsoft-com:mac:vml" xmlns:p="http://schemas.openxmlformats.org/presentationml/2006/main" xmlns:c="http://schemas.openxmlformats.org/drawingml/2006/chart" xmlns:dgm="http://schemas.openxmlformats.org/drawingml/2006/diagram" xmlns:o="urn:schemas-microsoft-com:office:office" xmlns:v="urn:schemas-microsoft-com:vml" xmlns:pvml="urn:schemas-microsoft-com:office:powerpoint" xmlns:com="http://schemas.openxmlformats.org/drawingml/2006/compatibility" xmlns:p14="http://schemas.microsoft.com/office/powerpoint/2010/main" xmlns:p15="http://schemas.microsoft.com/office/powerpoint/2012/main" xmlns:ahyp="http://schemas.microsoft.com/office/drawing/2018/hyperlinkcolor" showMasterPhAnim="0" showMasterSp="0">
+<p:notes xmlns:a="http://schemas.openxmlformats.org/drawingml/2006/main" xmlns:r="http://schemas.openxmlformats.org/officeDocument/2006/relationships" xmlns:p="http://schemas.openxmlformats.org/presentationml/2006/main" showMasterSp="0" showMasterPhAnim="0">
   <p:cSld>
     <p:spTree>
       <p:nvGrpSpPr>
-        <p:cNvPr id="92" name="Shape 92"/>
+        <p:cNvPr id="1" name="Shape 92"/>
         <p:cNvGrpSpPr/>
         <p:nvPr/>
       </p:nvGrpSpPr>
@@ -902,9 +927,11 @@
       <p:sp>
         <p:nvSpPr>
           <p:cNvPr id="93" name="Google Shape;93;p3:notes"/>
-          <p:cNvSpPr txBox="1"/>
+          <p:cNvSpPr txBox="1">
+            <a:spLocks noGrp="1"/>
+          </p:cNvSpPr>
           <p:nvPr>
-            <p:ph idx="1" type="body"/>
+            <p:ph type="body" idx="1"/>
           </p:nvPr>
         </p:nvSpPr>
         <p:spPr>
@@ -917,12 +944,12 @@
           </a:prstGeom>
         </p:spPr>
         <p:txBody>
-          <a:bodyPr anchorCtr="0" anchor="t" bIns="91425" lIns="91425" spcFirstLastPara="1" rIns="91425" wrap="square" tIns="91425">
+          <a:bodyPr spcFirstLastPara="1" wrap="square" lIns="91425" tIns="91425" rIns="91425" bIns="91425" anchor="t" anchorCtr="0">
             <a:noAutofit/>
           </a:bodyPr>
           <a:lstStyle/>
           <a:p>
-            <a:pPr indent="0" lvl="0" marL="0" rtl="0" algn="l">
+            <a:pPr marL="0" lvl="0" indent="0" algn="l" rtl="0">
               <a:spcBef>
                 <a:spcPts val="0"/>
               </a:spcBef>
@@ -931,9 +958,6 @@
               </a:spcAft>
               <a:buNone/>
             </a:pPr>
-            <a:r>
-              <a:t/>
-            </a:r>
             <a:endParaRPr/>
           </a:p>
         </p:txBody>
@@ -941,20 +965,26 @@
       <p:sp>
         <p:nvSpPr>
           <p:cNvPr id="94" name="Google Shape;94;p3:notes"/>
-          <p:cNvSpPr/>
+          <p:cNvSpPr>
+            <a:spLocks noGrp="1" noRot="1" noChangeAspect="1"/>
+          </p:cNvSpPr>
           <p:nvPr>
-            <p:ph idx="2" type="sldImg"/>
+            <p:ph type="sldImg" idx="2"/>
           </p:nvPr>
         </p:nvSpPr>
         <p:spPr>
           <a:xfrm>
-            <a:off x="1143225" y="685800"/>
-            <a:ext cx="4572225" cy="3429000"/>
+            <a:off x="381000" y="685800"/>
+            <a:ext cx="6096000" cy="3429000"/>
           </a:xfrm>
           <a:custGeom>
-            <a:rect b="b" l="l" r="r" t="t"/>
+            <a:avLst/>
+            <a:gdLst/>
+            <a:ahLst/>
+            <a:cxnLst/>
+            <a:rect l="l" t="t" r="r" b="b"/>
             <a:pathLst>
-              <a:path extrusionOk="0" h="120000" w="120000">
+              <a:path w="120000" h="120000" extrusionOk="0">
                 <a:moveTo>
                   <a:pt x="0" y="0"/>
                 </a:moveTo>
@@ -982,11 +1012,11 @@
 </file>
 
 <file path=ppt/slideLayouts/slideLayout1.xml><?xml version="1.0" encoding="utf-8"?>
-<p:sldLayout xmlns:a="http://schemas.openxmlformats.org/drawingml/2006/main" xmlns:r="http://schemas.openxmlformats.org/officeDocument/2006/relationships" xmlns:mc="http://schemas.openxmlformats.org/markup-compatibility/2006" xmlns:mv="urn:schemas-microsoft-com:mac:vml" xmlns:p="http://schemas.openxmlformats.org/presentationml/2006/main" xmlns:c="http://schemas.openxmlformats.org/drawingml/2006/chart" xmlns:dgm="http://schemas.openxmlformats.org/drawingml/2006/diagram" xmlns:o="urn:schemas-microsoft-com:office:office" xmlns:v="urn:schemas-microsoft-com:vml" xmlns:pvml="urn:schemas-microsoft-com:office:powerpoint" xmlns:com="http://schemas.openxmlformats.org/drawingml/2006/compatibility" xmlns:p14="http://schemas.microsoft.com/office/powerpoint/2010/main" xmlns:p15="http://schemas.microsoft.com/office/powerpoint/2012/main" xmlns:ahyp="http://schemas.microsoft.com/office/drawing/2018/hyperlinkcolor" matchingName="Title and Content" type="obj">
+<p:sldLayout xmlns:a="http://schemas.openxmlformats.org/drawingml/2006/main" xmlns:r="http://schemas.openxmlformats.org/officeDocument/2006/relationships" xmlns:p="http://schemas.openxmlformats.org/presentationml/2006/main" matchingName="Title and Content" type="obj">
   <p:cSld name="OBJECT">
     <p:spTree>
       <p:nvGrpSpPr>
-        <p:cNvPr id="11" name="Shape 11"/>
+        <p:cNvPr id="1" name="Shape 11"/>
         <p:cNvGrpSpPr/>
         <p:nvPr/>
       </p:nvGrpSpPr>
@@ -1001,7 +1031,9 @@
       <p:sp>
         <p:nvSpPr>
           <p:cNvPr id="12" name="Google Shape;12;p5"/>
-          <p:cNvSpPr txBox="1"/>
+          <p:cNvSpPr txBox="1">
+            <a:spLocks noGrp="1"/>
+          </p:cNvSpPr>
           <p:nvPr>
             <p:ph type="title"/>
           </p:nvPr>
@@ -1020,7 +1052,7 @@
           </a:ln>
         </p:spPr>
         <p:txBody>
-          <a:bodyPr anchorCtr="0" anchor="ctr" bIns="45700" lIns="91425" spcFirstLastPara="1" rIns="91425" wrap="square" tIns="45700">
+          <a:bodyPr spcFirstLastPara="1" wrap="square" lIns="91425" tIns="45700" rIns="91425" bIns="45700" anchor="ctr" anchorCtr="0">
             <a:normAutofit/>
           </a:bodyPr>
           <a:lstStyle>
@@ -1130,15 +1162,19 @@
               <a:defRPr/>
             </a:lvl9pPr>
           </a:lstStyle>
-          <a:p/>
+          <a:p>
+            <a:endParaRPr/>
+          </a:p>
         </p:txBody>
       </p:sp>
       <p:sp>
         <p:nvSpPr>
           <p:cNvPr id="13" name="Google Shape;13;p5"/>
-          <p:cNvSpPr txBox="1"/>
+          <p:cNvSpPr txBox="1">
+            <a:spLocks noGrp="1"/>
+          </p:cNvSpPr>
           <p:nvPr>
-            <p:ph idx="1" type="body"/>
+            <p:ph type="body" idx="1"/>
           </p:nvPr>
         </p:nvSpPr>
         <p:spPr>
@@ -1155,11 +1191,11 @@
           </a:ln>
         </p:spPr>
         <p:txBody>
-          <a:bodyPr anchorCtr="0" anchor="t" bIns="45700" lIns="91425" spcFirstLastPara="1" rIns="91425" wrap="square" tIns="45700">
+          <a:bodyPr spcFirstLastPara="1" wrap="square" lIns="91425" tIns="45700" rIns="91425" bIns="45700" anchor="t" anchorCtr="0">
             <a:normAutofit/>
           </a:bodyPr>
           <a:lstStyle>
-            <a:lvl1pPr indent="-342900" lvl="0" marL="457200" algn="l">
+            <a:lvl1pPr marL="457200" lvl="0" indent="-342900" algn="l">
               <a:lnSpc>
                 <a:spcPct val="90000"/>
               </a:lnSpc>
@@ -1176,7 +1212,7 @@
               <a:buChar char="•"/>
               <a:defRPr/>
             </a:lvl1pPr>
-            <a:lvl2pPr indent="-342900" lvl="1" marL="914400" algn="l">
+            <a:lvl2pPr marL="914400" lvl="1" indent="-342900" algn="l">
               <a:lnSpc>
                 <a:spcPct val="90000"/>
               </a:lnSpc>
@@ -1193,7 +1229,7 @@
               <a:buChar char="•"/>
               <a:defRPr/>
             </a:lvl2pPr>
-            <a:lvl3pPr indent="-342900" lvl="2" marL="1371600" algn="l">
+            <a:lvl3pPr marL="1371600" lvl="2" indent="-342900" algn="l">
               <a:lnSpc>
                 <a:spcPct val="90000"/>
               </a:lnSpc>
@@ -1210,7 +1246,7 @@
               <a:buChar char="•"/>
               <a:defRPr/>
             </a:lvl3pPr>
-            <a:lvl4pPr indent="-342900" lvl="3" marL="1828800" algn="l">
+            <a:lvl4pPr marL="1828800" lvl="3" indent="-342900" algn="l">
               <a:lnSpc>
                 <a:spcPct val="90000"/>
               </a:lnSpc>
@@ -1227,7 +1263,7 @@
               <a:buChar char="•"/>
               <a:defRPr/>
             </a:lvl4pPr>
-            <a:lvl5pPr indent="-342900" lvl="4" marL="2286000" algn="l">
+            <a:lvl5pPr marL="2286000" lvl="4" indent="-342900" algn="l">
               <a:lnSpc>
                 <a:spcPct val="90000"/>
               </a:lnSpc>
@@ -1244,7 +1280,7 @@
               <a:buChar char="•"/>
               <a:defRPr/>
             </a:lvl5pPr>
-            <a:lvl6pPr indent="-342900" lvl="5" marL="2743200" algn="l">
+            <a:lvl6pPr marL="2743200" lvl="5" indent="-342900" algn="l">
               <a:lnSpc>
                 <a:spcPct val="90000"/>
               </a:lnSpc>
@@ -1261,7 +1297,7 @@
               <a:buChar char="•"/>
               <a:defRPr/>
             </a:lvl6pPr>
-            <a:lvl7pPr indent="-342900" lvl="6" marL="3200400" algn="l">
+            <a:lvl7pPr marL="3200400" lvl="6" indent="-342900" algn="l">
               <a:lnSpc>
                 <a:spcPct val="90000"/>
               </a:lnSpc>
@@ -1278,7 +1314,7 @@
               <a:buChar char="•"/>
               <a:defRPr/>
             </a:lvl7pPr>
-            <a:lvl8pPr indent="-342900" lvl="7" marL="3657600" algn="l">
+            <a:lvl8pPr marL="3657600" lvl="7" indent="-342900" algn="l">
               <a:lnSpc>
                 <a:spcPct val="90000"/>
               </a:lnSpc>
@@ -1295,7 +1331,7 @@
               <a:buChar char="•"/>
               <a:defRPr/>
             </a:lvl8pPr>
-            <a:lvl9pPr indent="-342900" lvl="8" marL="4114800" algn="l">
+            <a:lvl9pPr marL="4114800" lvl="8" indent="-342900" algn="l">
               <a:lnSpc>
                 <a:spcPct val="90000"/>
               </a:lnSpc>
@@ -1313,15 +1349,19 @@
               <a:defRPr/>
             </a:lvl9pPr>
           </a:lstStyle>
-          <a:p/>
+          <a:p>
+            <a:endParaRPr/>
+          </a:p>
         </p:txBody>
       </p:sp>
       <p:sp>
         <p:nvSpPr>
           <p:cNvPr id="14" name="Google Shape;14;p5"/>
-          <p:cNvSpPr txBox="1"/>
+          <p:cNvSpPr txBox="1">
+            <a:spLocks noGrp="1"/>
+          </p:cNvSpPr>
           <p:nvPr>
-            <p:ph idx="10" type="dt"/>
+            <p:ph type="dt" idx="10"/>
           </p:nvPr>
         </p:nvSpPr>
         <p:spPr>
@@ -1338,7 +1378,7 @@
           </a:ln>
         </p:spPr>
         <p:txBody>
-          <a:bodyPr anchorCtr="0" anchor="ctr" bIns="45700" lIns="91425" spcFirstLastPara="1" rIns="91425" wrap="square" tIns="45700">
+          <a:bodyPr spcFirstLastPara="1" wrap="square" lIns="91425" tIns="45700" rIns="91425" bIns="45700" anchor="ctr" anchorCtr="0">
             <a:noAutofit/>
           </a:bodyPr>
           <a:lstStyle>
@@ -1442,15 +1482,19 @@
               <a:defRPr/>
             </a:lvl9pPr>
           </a:lstStyle>
-          <a:p/>
+          <a:p>
+            <a:endParaRPr/>
+          </a:p>
         </p:txBody>
       </p:sp>
       <p:sp>
         <p:nvSpPr>
           <p:cNvPr id="15" name="Google Shape;15;p5"/>
-          <p:cNvSpPr txBox="1"/>
+          <p:cNvSpPr txBox="1">
+            <a:spLocks noGrp="1"/>
+          </p:cNvSpPr>
           <p:nvPr>
-            <p:ph idx="11" type="ftr"/>
+            <p:ph type="ftr" idx="11"/>
           </p:nvPr>
         </p:nvSpPr>
         <p:spPr>
@@ -1467,7 +1511,7 @@
           </a:ln>
         </p:spPr>
         <p:txBody>
-          <a:bodyPr anchorCtr="0" anchor="ctr" bIns="45700" lIns="91425" spcFirstLastPara="1" rIns="91425" wrap="square" tIns="45700">
+          <a:bodyPr spcFirstLastPara="1" wrap="square" lIns="91425" tIns="45700" rIns="91425" bIns="45700" anchor="ctr" anchorCtr="0">
             <a:noAutofit/>
           </a:bodyPr>
           <a:lstStyle>
@@ -1571,15 +1615,19 @@
               <a:defRPr/>
             </a:lvl9pPr>
           </a:lstStyle>
-          <a:p/>
+          <a:p>
+            <a:endParaRPr/>
+          </a:p>
         </p:txBody>
       </p:sp>
       <p:sp>
         <p:nvSpPr>
           <p:cNvPr id="16" name="Google Shape;16;p5"/>
-          <p:cNvSpPr txBox="1"/>
+          <p:cNvSpPr txBox="1">
+            <a:spLocks noGrp="1"/>
+          </p:cNvSpPr>
           <p:nvPr>
-            <p:ph idx="12" type="sldNum"/>
+            <p:ph type="sldNum" idx="12"/>
           </p:nvPr>
         </p:nvSpPr>
         <p:spPr>
@@ -1596,67 +1644,67 @@
           </a:ln>
         </p:spPr>
         <p:txBody>
-          <a:bodyPr anchorCtr="0" anchor="ctr" bIns="45700" lIns="91425" spcFirstLastPara="1" rIns="91425" wrap="square" tIns="45700">
+          <a:bodyPr spcFirstLastPara="1" wrap="square" lIns="91425" tIns="45700" rIns="91425" bIns="45700" anchor="ctr" anchorCtr="0">
             <a:noAutofit/>
           </a:bodyPr>
           <a:lstStyle>
-            <a:lvl1pPr indent="0" lvl="0" marL="0" algn="r">
+            <a:lvl1pPr marL="0" lvl="0" indent="0" algn="r">
               <a:spcBef>
                 <a:spcPts val="0"/>
               </a:spcBef>
               <a:buNone/>
               <a:defRPr/>
             </a:lvl1pPr>
-            <a:lvl2pPr indent="0" lvl="1" marL="0" algn="r">
+            <a:lvl2pPr marL="0" lvl="1" indent="0" algn="r">
               <a:spcBef>
                 <a:spcPts val="0"/>
               </a:spcBef>
               <a:buNone/>
               <a:defRPr/>
             </a:lvl2pPr>
-            <a:lvl3pPr indent="0" lvl="2" marL="0" algn="r">
+            <a:lvl3pPr marL="0" lvl="2" indent="0" algn="r">
               <a:spcBef>
                 <a:spcPts val="0"/>
               </a:spcBef>
               <a:buNone/>
               <a:defRPr/>
             </a:lvl3pPr>
-            <a:lvl4pPr indent="0" lvl="3" marL="0" algn="r">
+            <a:lvl4pPr marL="0" lvl="3" indent="0" algn="r">
               <a:spcBef>
                 <a:spcPts val="0"/>
               </a:spcBef>
               <a:buNone/>
               <a:defRPr/>
             </a:lvl4pPr>
-            <a:lvl5pPr indent="0" lvl="4" marL="0" algn="r">
+            <a:lvl5pPr marL="0" lvl="4" indent="0" algn="r">
               <a:spcBef>
                 <a:spcPts val="0"/>
               </a:spcBef>
               <a:buNone/>
               <a:defRPr/>
             </a:lvl5pPr>
-            <a:lvl6pPr indent="0" lvl="5" marL="0" algn="r">
+            <a:lvl6pPr marL="0" lvl="5" indent="0" algn="r">
               <a:spcBef>
                 <a:spcPts val="0"/>
               </a:spcBef>
               <a:buNone/>
               <a:defRPr/>
             </a:lvl6pPr>
-            <a:lvl7pPr indent="0" lvl="6" marL="0" algn="r">
+            <a:lvl7pPr marL="0" lvl="6" indent="0" algn="r">
               <a:spcBef>
                 <a:spcPts val="0"/>
               </a:spcBef>
               <a:buNone/>
               <a:defRPr/>
             </a:lvl7pPr>
-            <a:lvl8pPr indent="0" lvl="7" marL="0" algn="r">
+            <a:lvl8pPr marL="0" lvl="7" indent="0" algn="r">
               <a:spcBef>
                 <a:spcPts val="0"/>
               </a:spcBef>
               <a:buNone/>
               <a:defRPr/>
             </a:lvl8pPr>
-            <a:lvl9pPr indent="0" lvl="8" marL="0" algn="r">
+            <a:lvl9pPr marL="0" lvl="8" indent="0" algn="r">
               <a:spcBef>
                 <a:spcPts val="0"/>
               </a:spcBef>
@@ -1665,7 +1713,7 @@
             </a:lvl9pPr>
           </a:lstStyle>
           <a:p>
-            <a:pPr indent="0" lvl="0" marL="0" rtl="0" algn="r">
+            <a:pPr marL="0" lvl="0" indent="0" algn="r" rtl="0">
               <a:spcBef>
                 <a:spcPts val="0"/>
               </a:spcBef>
@@ -1691,11 +1739,11 @@
 </file>
 
 <file path=ppt/slideLayouts/slideLayout10.xml><?xml version="1.0" encoding="utf-8"?>
-<p:sldLayout xmlns:a="http://schemas.openxmlformats.org/drawingml/2006/main" xmlns:r="http://schemas.openxmlformats.org/officeDocument/2006/relationships" xmlns:mc="http://schemas.openxmlformats.org/markup-compatibility/2006" xmlns:mv="urn:schemas-microsoft-com:mac:vml" xmlns:p="http://schemas.openxmlformats.org/presentationml/2006/main" xmlns:c="http://schemas.openxmlformats.org/drawingml/2006/chart" xmlns:dgm="http://schemas.openxmlformats.org/drawingml/2006/diagram" xmlns:o="urn:schemas-microsoft-com:office:office" xmlns:v="urn:schemas-microsoft-com:vml" xmlns:pvml="urn:schemas-microsoft-com:office:powerpoint" xmlns:com="http://schemas.openxmlformats.org/drawingml/2006/compatibility" xmlns:p14="http://schemas.microsoft.com/office/powerpoint/2010/main" xmlns:p15="http://schemas.microsoft.com/office/powerpoint/2012/main" xmlns:ahyp="http://schemas.microsoft.com/office/drawing/2018/hyperlinkcolor" matchingName="Title and Vertical Text" type="vertTx">
+<p:sldLayout xmlns:a="http://schemas.openxmlformats.org/drawingml/2006/main" xmlns:r="http://schemas.openxmlformats.org/officeDocument/2006/relationships" xmlns:p="http://schemas.openxmlformats.org/presentationml/2006/main" matchingName="Title and Vertical Text" type="vertTx">
   <p:cSld name="VERTICAL_TEXT">
     <p:spTree>
       <p:nvGrpSpPr>
-        <p:cNvPr id="68" name="Shape 68"/>
+        <p:cNvPr id="1" name="Shape 68"/>
         <p:cNvGrpSpPr/>
         <p:nvPr/>
       </p:nvGrpSpPr>
@@ -1710,7 +1758,9 @@
       <p:sp>
         <p:nvSpPr>
           <p:cNvPr id="69" name="Google Shape;69;p14"/>
-          <p:cNvSpPr txBox="1"/>
+          <p:cNvSpPr txBox="1">
+            <a:spLocks noGrp="1"/>
+          </p:cNvSpPr>
           <p:nvPr>
             <p:ph type="title"/>
           </p:nvPr>
@@ -1729,7 +1779,7 @@
           </a:ln>
         </p:spPr>
         <p:txBody>
-          <a:bodyPr anchorCtr="0" anchor="ctr" bIns="45700" lIns="91425" spcFirstLastPara="1" rIns="91425" wrap="square" tIns="45700">
+          <a:bodyPr spcFirstLastPara="1" wrap="square" lIns="91425" tIns="45700" rIns="91425" bIns="45700" anchor="ctr" anchorCtr="0">
             <a:normAutofit/>
           </a:bodyPr>
           <a:lstStyle>
@@ -1839,15 +1889,19 @@
               <a:defRPr/>
             </a:lvl9pPr>
           </a:lstStyle>
-          <a:p/>
+          <a:p>
+            <a:endParaRPr/>
+          </a:p>
         </p:txBody>
       </p:sp>
       <p:sp>
         <p:nvSpPr>
           <p:cNvPr id="70" name="Google Shape;70;p14"/>
-          <p:cNvSpPr txBox="1"/>
+          <p:cNvSpPr txBox="1">
+            <a:spLocks noGrp="1"/>
+          </p:cNvSpPr>
           <p:nvPr>
-            <p:ph idx="1" type="body"/>
+            <p:ph type="body" idx="1"/>
           </p:nvPr>
         </p:nvSpPr>
         <p:spPr>
@@ -1864,11 +1918,11 @@
           </a:ln>
         </p:spPr>
         <p:txBody>
-          <a:bodyPr anchorCtr="0" anchor="t" bIns="45700" lIns="91425" spcFirstLastPara="1" rIns="91425" wrap="square" tIns="45700">
+          <a:bodyPr spcFirstLastPara="1" wrap="square" lIns="91425" tIns="45700" rIns="91425" bIns="45700" anchor="t" anchorCtr="0">
             <a:normAutofit/>
           </a:bodyPr>
           <a:lstStyle>
-            <a:lvl1pPr indent="-342900" lvl="0" marL="457200" algn="l">
+            <a:lvl1pPr marL="457200" lvl="0" indent="-342900" algn="l">
               <a:lnSpc>
                 <a:spcPct val="90000"/>
               </a:lnSpc>
@@ -1885,7 +1939,7 @@
               <a:buChar char="•"/>
               <a:defRPr/>
             </a:lvl1pPr>
-            <a:lvl2pPr indent="-342900" lvl="1" marL="914400" algn="l">
+            <a:lvl2pPr marL="914400" lvl="1" indent="-342900" algn="l">
               <a:lnSpc>
                 <a:spcPct val="90000"/>
               </a:lnSpc>
@@ -1902,7 +1956,7 @@
               <a:buChar char="•"/>
               <a:defRPr/>
             </a:lvl2pPr>
-            <a:lvl3pPr indent="-342900" lvl="2" marL="1371600" algn="l">
+            <a:lvl3pPr marL="1371600" lvl="2" indent="-342900" algn="l">
               <a:lnSpc>
                 <a:spcPct val="90000"/>
               </a:lnSpc>
@@ -1919,7 +1973,7 @@
               <a:buChar char="•"/>
               <a:defRPr/>
             </a:lvl3pPr>
-            <a:lvl4pPr indent="-342900" lvl="3" marL="1828800" algn="l">
+            <a:lvl4pPr marL="1828800" lvl="3" indent="-342900" algn="l">
               <a:lnSpc>
                 <a:spcPct val="90000"/>
               </a:lnSpc>
@@ -1936,7 +1990,7 @@
               <a:buChar char="•"/>
               <a:defRPr/>
             </a:lvl4pPr>
-            <a:lvl5pPr indent="-342900" lvl="4" marL="2286000" algn="l">
+            <a:lvl5pPr marL="2286000" lvl="4" indent="-342900" algn="l">
               <a:lnSpc>
                 <a:spcPct val="90000"/>
               </a:lnSpc>
@@ -1953,7 +2007,7 @@
               <a:buChar char="•"/>
               <a:defRPr/>
             </a:lvl5pPr>
-            <a:lvl6pPr indent="-342900" lvl="5" marL="2743200" algn="l">
+            <a:lvl6pPr marL="2743200" lvl="5" indent="-342900" algn="l">
               <a:lnSpc>
                 <a:spcPct val="90000"/>
               </a:lnSpc>
@@ -1970,7 +2024,7 @@
               <a:buChar char="•"/>
               <a:defRPr/>
             </a:lvl6pPr>
-            <a:lvl7pPr indent="-342900" lvl="6" marL="3200400" algn="l">
+            <a:lvl7pPr marL="3200400" lvl="6" indent="-342900" algn="l">
               <a:lnSpc>
                 <a:spcPct val="90000"/>
               </a:lnSpc>
@@ -1987,7 +2041,7 @@
               <a:buChar char="•"/>
               <a:defRPr/>
             </a:lvl7pPr>
-            <a:lvl8pPr indent="-342900" lvl="7" marL="3657600" algn="l">
+            <a:lvl8pPr marL="3657600" lvl="7" indent="-342900" algn="l">
               <a:lnSpc>
                 <a:spcPct val="90000"/>
               </a:lnSpc>
@@ -2004,7 +2058,7 @@
               <a:buChar char="•"/>
               <a:defRPr/>
             </a:lvl8pPr>
-            <a:lvl9pPr indent="-342900" lvl="8" marL="4114800" algn="l">
+            <a:lvl9pPr marL="4114800" lvl="8" indent="-342900" algn="l">
               <a:lnSpc>
                 <a:spcPct val="90000"/>
               </a:lnSpc>
@@ -2022,15 +2076,19 @@
               <a:defRPr/>
             </a:lvl9pPr>
           </a:lstStyle>
-          <a:p/>
+          <a:p>
+            <a:endParaRPr/>
+          </a:p>
         </p:txBody>
       </p:sp>
       <p:sp>
         <p:nvSpPr>
           <p:cNvPr id="71" name="Google Shape;71;p14"/>
-          <p:cNvSpPr txBox="1"/>
+          <p:cNvSpPr txBox="1">
+            <a:spLocks noGrp="1"/>
+          </p:cNvSpPr>
           <p:nvPr>
-            <p:ph idx="10" type="dt"/>
+            <p:ph type="dt" idx="10"/>
           </p:nvPr>
         </p:nvSpPr>
         <p:spPr>
@@ -2047,7 +2105,7 @@
           </a:ln>
         </p:spPr>
         <p:txBody>
-          <a:bodyPr anchorCtr="0" anchor="ctr" bIns="45700" lIns="91425" spcFirstLastPara="1" rIns="91425" wrap="square" tIns="45700">
+          <a:bodyPr spcFirstLastPara="1" wrap="square" lIns="91425" tIns="45700" rIns="91425" bIns="45700" anchor="ctr" anchorCtr="0">
             <a:noAutofit/>
           </a:bodyPr>
           <a:lstStyle>
@@ -2151,15 +2209,19 @@
               <a:defRPr/>
             </a:lvl9pPr>
           </a:lstStyle>
-          <a:p/>
+          <a:p>
+            <a:endParaRPr/>
+          </a:p>
         </p:txBody>
       </p:sp>
       <p:sp>
         <p:nvSpPr>
           <p:cNvPr id="72" name="Google Shape;72;p14"/>
-          <p:cNvSpPr txBox="1"/>
+          <p:cNvSpPr txBox="1">
+            <a:spLocks noGrp="1"/>
+          </p:cNvSpPr>
           <p:nvPr>
-            <p:ph idx="11" type="ftr"/>
+            <p:ph type="ftr" idx="11"/>
           </p:nvPr>
         </p:nvSpPr>
         <p:spPr>
@@ -2176,7 +2238,7 @@
           </a:ln>
         </p:spPr>
         <p:txBody>
-          <a:bodyPr anchorCtr="0" anchor="ctr" bIns="45700" lIns="91425" spcFirstLastPara="1" rIns="91425" wrap="square" tIns="45700">
+          <a:bodyPr spcFirstLastPara="1" wrap="square" lIns="91425" tIns="45700" rIns="91425" bIns="45700" anchor="ctr" anchorCtr="0">
             <a:noAutofit/>
           </a:bodyPr>
           <a:lstStyle>
@@ -2280,15 +2342,19 @@
               <a:defRPr/>
             </a:lvl9pPr>
           </a:lstStyle>
-          <a:p/>
+          <a:p>
+            <a:endParaRPr/>
+          </a:p>
         </p:txBody>
       </p:sp>
       <p:sp>
         <p:nvSpPr>
           <p:cNvPr id="73" name="Google Shape;73;p14"/>
-          <p:cNvSpPr txBox="1"/>
+          <p:cNvSpPr txBox="1">
+            <a:spLocks noGrp="1"/>
+          </p:cNvSpPr>
           <p:nvPr>
-            <p:ph idx="12" type="sldNum"/>
+            <p:ph type="sldNum" idx="12"/>
           </p:nvPr>
         </p:nvSpPr>
         <p:spPr>
@@ -2305,67 +2371,67 @@
           </a:ln>
         </p:spPr>
         <p:txBody>
-          <a:bodyPr anchorCtr="0" anchor="ctr" bIns="45700" lIns="91425" spcFirstLastPara="1" rIns="91425" wrap="square" tIns="45700">
+          <a:bodyPr spcFirstLastPara="1" wrap="square" lIns="91425" tIns="45700" rIns="91425" bIns="45700" anchor="ctr" anchorCtr="0">
             <a:noAutofit/>
           </a:bodyPr>
           <a:lstStyle>
-            <a:lvl1pPr indent="0" lvl="0" marL="0" algn="r">
+            <a:lvl1pPr marL="0" lvl="0" indent="0" algn="r">
               <a:spcBef>
                 <a:spcPts val="0"/>
               </a:spcBef>
               <a:buNone/>
               <a:defRPr/>
             </a:lvl1pPr>
-            <a:lvl2pPr indent="0" lvl="1" marL="0" algn="r">
+            <a:lvl2pPr marL="0" lvl="1" indent="0" algn="r">
               <a:spcBef>
                 <a:spcPts val="0"/>
               </a:spcBef>
               <a:buNone/>
               <a:defRPr/>
             </a:lvl2pPr>
-            <a:lvl3pPr indent="0" lvl="2" marL="0" algn="r">
+            <a:lvl3pPr marL="0" lvl="2" indent="0" algn="r">
               <a:spcBef>
                 <a:spcPts val="0"/>
               </a:spcBef>
               <a:buNone/>
               <a:defRPr/>
             </a:lvl3pPr>
-            <a:lvl4pPr indent="0" lvl="3" marL="0" algn="r">
+            <a:lvl4pPr marL="0" lvl="3" indent="0" algn="r">
               <a:spcBef>
                 <a:spcPts val="0"/>
               </a:spcBef>
               <a:buNone/>
               <a:defRPr/>
             </a:lvl4pPr>
-            <a:lvl5pPr indent="0" lvl="4" marL="0" algn="r">
+            <a:lvl5pPr marL="0" lvl="4" indent="0" algn="r">
               <a:spcBef>
                 <a:spcPts val="0"/>
               </a:spcBef>
               <a:buNone/>
               <a:defRPr/>
             </a:lvl5pPr>
-            <a:lvl6pPr indent="0" lvl="5" marL="0" algn="r">
+            <a:lvl6pPr marL="0" lvl="5" indent="0" algn="r">
               <a:spcBef>
                 <a:spcPts val="0"/>
               </a:spcBef>
               <a:buNone/>
               <a:defRPr/>
             </a:lvl6pPr>
-            <a:lvl7pPr indent="0" lvl="6" marL="0" algn="r">
+            <a:lvl7pPr marL="0" lvl="6" indent="0" algn="r">
               <a:spcBef>
                 <a:spcPts val="0"/>
               </a:spcBef>
               <a:buNone/>
               <a:defRPr/>
             </a:lvl7pPr>
-            <a:lvl8pPr indent="0" lvl="7" marL="0" algn="r">
+            <a:lvl8pPr marL="0" lvl="7" indent="0" algn="r">
               <a:spcBef>
                 <a:spcPts val="0"/>
               </a:spcBef>
               <a:buNone/>
               <a:defRPr/>
             </a:lvl8pPr>
-            <a:lvl9pPr indent="0" lvl="8" marL="0" algn="r">
+            <a:lvl9pPr marL="0" lvl="8" indent="0" algn="r">
               <a:spcBef>
                 <a:spcPts val="0"/>
               </a:spcBef>
@@ -2374,7 +2440,7 @@
             </a:lvl9pPr>
           </a:lstStyle>
           <a:p>
-            <a:pPr indent="0" lvl="0" marL="0" rtl="0" algn="r">
+            <a:pPr marL="0" lvl="0" indent="0" algn="r" rtl="0">
               <a:spcBef>
                 <a:spcPts val="0"/>
               </a:spcBef>
@@ -2400,11 +2466,11 @@
 </file>
 
 <file path=ppt/slideLayouts/slideLayout11.xml><?xml version="1.0" encoding="utf-8"?>
-<p:sldLayout xmlns:a="http://schemas.openxmlformats.org/drawingml/2006/main" xmlns:r="http://schemas.openxmlformats.org/officeDocument/2006/relationships" xmlns:mc="http://schemas.openxmlformats.org/markup-compatibility/2006" xmlns:mv="urn:schemas-microsoft-com:mac:vml" xmlns:p="http://schemas.openxmlformats.org/presentationml/2006/main" xmlns:c="http://schemas.openxmlformats.org/drawingml/2006/chart" xmlns:dgm="http://schemas.openxmlformats.org/drawingml/2006/diagram" xmlns:o="urn:schemas-microsoft-com:office:office" xmlns:v="urn:schemas-microsoft-com:vml" xmlns:pvml="urn:schemas-microsoft-com:office:powerpoint" xmlns:com="http://schemas.openxmlformats.org/drawingml/2006/compatibility" xmlns:p14="http://schemas.microsoft.com/office/powerpoint/2010/main" xmlns:p15="http://schemas.microsoft.com/office/powerpoint/2012/main" xmlns:ahyp="http://schemas.microsoft.com/office/drawing/2018/hyperlinkcolor" matchingName="Vertical Title and Text" type="vertTitleAndTx">
+<p:sldLayout xmlns:a="http://schemas.openxmlformats.org/drawingml/2006/main" xmlns:r="http://schemas.openxmlformats.org/officeDocument/2006/relationships" xmlns:p="http://schemas.openxmlformats.org/presentationml/2006/main" matchingName="Vertical Title and Text" type="vertTitleAndTx">
   <p:cSld name="VERTICAL_TITLE_AND_VERTICAL_TEXT">
     <p:spTree>
       <p:nvGrpSpPr>
-        <p:cNvPr id="74" name="Shape 74"/>
+        <p:cNvPr id="1" name="Shape 74"/>
         <p:cNvGrpSpPr/>
         <p:nvPr/>
       </p:nvGrpSpPr>
@@ -2419,7 +2485,9 @@
       <p:sp>
         <p:nvSpPr>
           <p:cNvPr id="75" name="Google Shape;75;p15"/>
-          <p:cNvSpPr txBox="1"/>
+          <p:cNvSpPr txBox="1">
+            <a:spLocks noGrp="1"/>
+          </p:cNvSpPr>
           <p:nvPr>
             <p:ph type="title"/>
           </p:nvPr>
@@ -2438,7 +2506,7 @@
           </a:ln>
         </p:spPr>
         <p:txBody>
-          <a:bodyPr anchorCtr="0" anchor="ctr" bIns="45700" lIns="91425" spcFirstLastPara="1" rIns="91425" wrap="square" tIns="45700">
+          <a:bodyPr spcFirstLastPara="1" wrap="square" lIns="91425" tIns="45700" rIns="91425" bIns="45700" anchor="ctr" anchorCtr="0">
             <a:normAutofit/>
           </a:bodyPr>
           <a:lstStyle>
@@ -2548,15 +2616,19 @@
               <a:defRPr/>
             </a:lvl9pPr>
           </a:lstStyle>
-          <a:p/>
+          <a:p>
+            <a:endParaRPr/>
+          </a:p>
         </p:txBody>
       </p:sp>
       <p:sp>
         <p:nvSpPr>
           <p:cNvPr id="76" name="Google Shape;76;p15"/>
-          <p:cNvSpPr txBox="1"/>
+          <p:cNvSpPr txBox="1">
+            <a:spLocks noGrp="1"/>
+          </p:cNvSpPr>
           <p:nvPr>
-            <p:ph idx="1" type="body"/>
+            <p:ph type="body" idx="1"/>
           </p:nvPr>
         </p:nvSpPr>
         <p:spPr>
@@ -2573,11 +2645,11 @@
           </a:ln>
         </p:spPr>
         <p:txBody>
-          <a:bodyPr anchorCtr="0" anchor="t" bIns="45700" lIns="91425" spcFirstLastPara="1" rIns="91425" wrap="square" tIns="45700">
+          <a:bodyPr spcFirstLastPara="1" wrap="square" lIns="91425" tIns="45700" rIns="91425" bIns="45700" anchor="t" anchorCtr="0">
             <a:normAutofit/>
           </a:bodyPr>
           <a:lstStyle>
-            <a:lvl1pPr indent="-342900" lvl="0" marL="457200" algn="l">
+            <a:lvl1pPr marL="457200" lvl="0" indent="-342900" algn="l">
               <a:lnSpc>
                 <a:spcPct val="90000"/>
               </a:lnSpc>
@@ -2594,7 +2666,7 @@
               <a:buChar char="•"/>
               <a:defRPr/>
             </a:lvl1pPr>
-            <a:lvl2pPr indent="-342900" lvl="1" marL="914400" algn="l">
+            <a:lvl2pPr marL="914400" lvl="1" indent="-342900" algn="l">
               <a:lnSpc>
                 <a:spcPct val="90000"/>
               </a:lnSpc>
@@ -2611,7 +2683,7 @@
               <a:buChar char="•"/>
               <a:defRPr/>
             </a:lvl2pPr>
-            <a:lvl3pPr indent="-342900" lvl="2" marL="1371600" algn="l">
+            <a:lvl3pPr marL="1371600" lvl="2" indent="-342900" algn="l">
               <a:lnSpc>
                 <a:spcPct val="90000"/>
               </a:lnSpc>
@@ -2628,7 +2700,7 @@
               <a:buChar char="•"/>
               <a:defRPr/>
             </a:lvl3pPr>
-            <a:lvl4pPr indent="-342900" lvl="3" marL="1828800" algn="l">
+            <a:lvl4pPr marL="1828800" lvl="3" indent="-342900" algn="l">
               <a:lnSpc>
                 <a:spcPct val="90000"/>
               </a:lnSpc>
@@ -2645,7 +2717,7 @@
               <a:buChar char="•"/>
               <a:defRPr/>
             </a:lvl4pPr>
-            <a:lvl5pPr indent="-342900" lvl="4" marL="2286000" algn="l">
+            <a:lvl5pPr marL="2286000" lvl="4" indent="-342900" algn="l">
               <a:lnSpc>
                 <a:spcPct val="90000"/>
               </a:lnSpc>
@@ -2662,7 +2734,7 @@
               <a:buChar char="•"/>
               <a:defRPr/>
             </a:lvl5pPr>
-            <a:lvl6pPr indent="-342900" lvl="5" marL="2743200" algn="l">
+            <a:lvl6pPr marL="2743200" lvl="5" indent="-342900" algn="l">
               <a:lnSpc>
                 <a:spcPct val="90000"/>
               </a:lnSpc>
@@ -2679,7 +2751,7 @@
               <a:buChar char="•"/>
               <a:defRPr/>
             </a:lvl6pPr>
-            <a:lvl7pPr indent="-342900" lvl="6" marL="3200400" algn="l">
+            <a:lvl7pPr marL="3200400" lvl="6" indent="-342900" algn="l">
               <a:lnSpc>
                 <a:spcPct val="90000"/>
               </a:lnSpc>
@@ -2696,7 +2768,7 @@
               <a:buChar char="•"/>
               <a:defRPr/>
             </a:lvl7pPr>
-            <a:lvl8pPr indent="-342900" lvl="7" marL="3657600" algn="l">
+            <a:lvl8pPr marL="3657600" lvl="7" indent="-342900" algn="l">
               <a:lnSpc>
                 <a:spcPct val="90000"/>
               </a:lnSpc>
@@ -2713,7 +2785,7 @@
               <a:buChar char="•"/>
               <a:defRPr/>
             </a:lvl8pPr>
-            <a:lvl9pPr indent="-342900" lvl="8" marL="4114800" algn="l">
+            <a:lvl9pPr marL="4114800" lvl="8" indent="-342900" algn="l">
               <a:lnSpc>
                 <a:spcPct val="90000"/>
               </a:lnSpc>
@@ -2731,15 +2803,19 @@
               <a:defRPr/>
             </a:lvl9pPr>
           </a:lstStyle>
-          <a:p/>
+          <a:p>
+            <a:endParaRPr/>
+          </a:p>
         </p:txBody>
       </p:sp>
       <p:sp>
         <p:nvSpPr>
           <p:cNvPr id="77" name="Google Shape;77;p15"/>
-          <p:cNvSpPr txBox="1"/>
+          <p:cNvSpPr txBox="1">
+            <a:spLocks noGrp="1"/>
+          </p:cNvSpPr>
           <p:nvPr>
-            <p:ph idx="10" type="dt"/>
+            <p:ph type="dt" idx="10"/>
           </p:nvPr>
         </p:nvSpPr>
         <p:spPr>
@@ -2756,7 +2832,7 @@
           </a:ln>
         </p:spPr>
         <p:txBody>
-          <a:bodyPr anchorCtr="0" anchor="ctr" bIns="45700" lIns="91425" spcFirstLastPara="1" rIns="91425" wrap="square" tIns="45700">
+          <a:bodyPr spcFirstLastPara="1" wrap="square" lIns="91425" tIns="45700" rIns="91425" bIns="45700" anchor="ctr" anchorCtr="0">
             <a:noAutofit/>
           </a:bodyPr>
           <a:lstStyle>
@@ -2860,15 +2936,19 @@
               <a:defRPr/>
             </a:lvl9pPr>
           </a:lstStyle>
-          <a:p/>
+          <a:p>
+            <a:endParaRPr/>
+          </a:p>
         </p:txBody>
       </p:sp>
       <p:sp>
         <p:nvSpPr>
           <p:cNvPr id="78" name="Google Shape;78;p15"/>
-          <p:cNvSpPr txBox="1"/>
+          <p:cNvSpPr txBox="1">
+            <a:spLocks noGrp="1"/>
+          </p:cNvSpPr>
           <p:nvPr>
-            <p:ph idx="11" type="ftr"/>
+            <p:ph type="ftr" idx="11"/>
           </p:nvPr>
         </p:nvSpPr>
         <p:spPr>
@@ -2885,7 +2965,7 @@
           </a:ln>
         </p:spPr>
         <p:txBody>
-          <a:bodyPr anchorCtr="0" anchor="ctr" bIns="45700" lIns="91425" spcFirstLastPara="1" rIns="91425" wrap="square" tIns="45700">
+          <a:bodyPr spcFirstLastPara="1" wrap="square" lIns="91425" tIns="45700" rIns="91425" bIns="45700" anchor="ctr" anchorCtr="0">
             <a:noAutofit/>
           </a:bodyPr>
           <a:lstStyle>
@@ -2989,15 +3069,19 @@
               <a:defRPr/>
             </a:lvl9pPr>
           </a:lstStyle>
-          <a:p/>
+          <a:p>
+            <a:endParaRPr/>
+          </a:p>
         </p:txBody>
       </p:sp>
       <p:sp>
         <p:nvSpPr>
           <p:cNvPr id="79" name="Google Shape;79;p15"/>
-          <p:cNvSpPr txBox="1"/>
+          <p:cNvSpPr txBox="1">
+            <a:spLocks noGrp="1"/>
+          </p:cNvSpPr>
           <p:nvPr>
-            <p:ph idx="12" type="sldNum"/>
+            <p:ph type="sldNum" idx="12"/>
           </p:nvPr>
         </p:nvSpPr>
         <p:spPr>
@@ -3014,67 +3098,67 @@
           </a:ln>
         </p:spPr>
         <p:txBody>
-          <a:bodyPr anchorCtr="0" anchor="ctr" bIns="45700" lIns="91425" spcFirstLastPara="1" rIns="91425" wrap="square" tIns="45700">
+          <a:bodyPr spcFirstLastPara="1" wrap="square" lIns="91425" tIns="45700" rIns="91425" bIns="45700" anchor="ctr" anchorCtr="0">
             <a:noAutofit/>
           </a:bodyPr>
           <a:lstStyle>
-            <a:lvl1pPr indent="0" lvl="0" marL="0" algn="r">
+            <a:lvl1pPr marL="0" lvl="0" indent="0" algn="r">
               <a:spcBef>
                 <a:spcPts val="0"/>
               </a:spcBef>
               <a:buNone/>
               <a:defRPr/>
             </a:lvl1pPr>
-            <a:lvl2pPr indent="0" lvl="1" marL="0" algn="r">
+            <a:lvl2pPr marL="0" lvl="1" indent="0" algn="r">
               <a:spcBef>
                 <a:spcPts val="0"/>
               </a:spcBef>
               <a:buNone/>
               <a:defRPr/>
             </a:lvl2pPr>
-            <a:lvl3pPr indent="0" lvl="2" marL="0" algn="r">
+            <a:lvl3pPr marL="0" lvl="2" indent="0" algn="r">
               <a:spcBef>
                 <a:spcPts val="0"/>
               </a:spcBef>
               <a:buNone/>
               <a:defRPr/>
             </a:lvl3pPr>
-            <a:lvl4pPr indent="0" lvl="3" marL="0" algn="r">
+            <a:lvl4pPr marL="0" lvl="3" indent="0" algn="r">
               <a:spcBef>
                 <a:spcPts val="0"/>
               </a:spcBef>
               <a:buNone/>
               <a:defRPr/>
             </a:lvl4pPr>
-            <a:lvl5pPr indent="0" lvl="4" marL="0" algn="r">
+            <a:lvl5pPr marL="0" lvl="4" indent="0" algn="r">
               <a:spcBef>
                 <a:spcPts val="0"/>
               </a:spcBef>
               <a:buNone/>
               <a:defRPr/>
             </a:lvl5pPr>
-            <a:lvl6pPr indent="0" lvl="5" marL="0" algn="r">
+            <a:lvl6pPr marL="0" lvl="5" indent="0" algn="r">
               <a:spcBef>
                 <a:spcPts val="0"/>
               </a:spcBef>
               <a:buNone/>
               <a:defRPr/>
             </a:lvl6pPr>
-            <a:lvl7pPr indent="0" lvl="6" marL="0" algn="r">
+            <a:lvl7pPr marL="0" lvl="6" indent="0" algn="r">
               <a:spcBef>
                 <a:spcPts val="0"/>
               </a:spcBef>
               <a:buNone/>
               <a:defRPr/>
             </a:lvl7pPr>
-            <a:lvl8pPr indent="0" lvl="7" marL="0" algn="r">
+            <a:lvl8pPr marL="0" lvl="7" indent="0" algn="r">
               <a:spcBef>
                 <a:spcPts val="0"/>
               </a:spcBef>
               <a:buNone/>
               <a:defRPr/>
             </a:lvl8pPr>
-            <a:lvl9pPr indent="0" lvl="8" marL="0" algn="r">
+            <a:lvl9pPr marL="0" lvl="8" indent="0" algn="r">
               <a:spcBef>
                 <a:spcPts val="0"/>
               </a:spcBef>
@@ -3083,7 +3167,7 @@
             </a:lvl9pPr>
           </a:lstStyle>
           <a:p>
-            <a:pPr indent="0" lvl="0" marL="0" rtl="0" algn="r">
+            <a:pPr marL="0" lvl="0" indent="0" algn="r" rtl="0">
               <a:spcBef>
                 <a:spcPts val="0"/>
               </a:spcBef>
@@ -3109,11 +3193,11 @@
 </file>
 
 <file path=ppt/slideLayouts/slideLayout2.xml><?xml version="1.0" encoding="utf-8"?>
-<p:sldLayout xmlns:a="http://schemas.openxmlformats.org/drawingml/2006/main" xmlns:r="http://schemas.openxmlformats.org/officeDocument/2006/relationships" xmlns:mc="http://schemas.openxmlformats.org/markup-compatibility/2006" xmlns:mv="urn:schemas-microsoft-com:mac:vml" xmlns:p="http://schemas.openxmlformats.org/presentationml/2006/main" xmlns:c="http://schemas.openxmlformats.org/drawingml/2006/chart" xmlns:dgm="http://schemas.openxmlformats.org/drawingml/2006/diagram" xmlns:o="urn:schemas-microsoft-com:office:office" xmlns:v="urn:schemas-microsoft-com:vml" xmlns:pvml="urn:schemas-microsoft-com:office:powerpoint" xmlns:com="http://schemas.openxmlformats.org/drawingml/2006/compatibility" xmlns:p14="http://schemas.microsoft.com/office/powerpoint/2010/main" xmlns:p15="http://schemas.microsoft.com/office/powerpoint/2012/main" xmlns:ahyp="http://schemas.microsoft.com/office/drawing/2018/hyperlinkcolor" matchingName="Title Slide" type="title">
+<p:sldLayout xmlns:a="http://schemas.openxmlformats.org/drawingml/2006/main" xmlns:r="http://schemas.openxmlformats.org/officeDocument/2006/relationships" xmlns:p="http://schemas.openxmlformats.org/presentationml/2006/main" matchingName="Title Slide" type="title">
   <p:cSld name="TITLE">
     <p:spTree>
       <p:nvGrpSpPr>
-        <p:cNvPr id="17" name="Shape 17"/>
+        <p:cNvPr id="1" name="Shape 17"/>
         <p:cNvGrpSpPr/>
         <p:nvPr/>
       </p:nvGrpSpPr>
@@ -3128,7 +3212,9 @@
       <p:sp>
         <p:nvSpPr>
           <p:cNvPr id="18" name="Google Shape;18;p6"/>
-          <p:cNvSpPr txBox="1"/>
+          <p:cNvSpPr txBox="1">
+            <a:spLocks noGrp="1"/>
+          </p:cNvSpPr>
           <p:nvPr>
             <p:ph type="ctrTitle"/>
           </p:nvPr>
@@ -3147,7 +3233,7 @@
           </a:ln>
         </p:spPr>
         <p:txBody>
-          <a:bodyPr anchorCtr="0" anchor="b" bIns="45700" lIns="91425" spcFirstLastPara="1" rIns="91425" wrap="square" tIns="45700">
+          <a:bodyPr spcFirstLastPara="1" wrap="square" lIns="91425" tIns="45700" rIns="91425" bIns="45700" anchor="b" anchorCtr="0">
             <a:normAutofit/>
           </a:bodyPr>
           <a:lstStyle>
@@ -3258,15 +3344,19 @@
               <a:defRPr/>
             </a:lvl9pPr>
           </a:lstStyle>
-          <a:p/>
+          <a:p>
+            <a:endParaRPr/>
+          </a:p>
         </p:txBody>
       </p:sp>
       <p:sp>
         <p:nvSpPr>
           <p:cNvPr id="19" name="Google Shape;19;p6"/>
-          <p:cNvSpPr txBox="1"/>
+          <p:cNvSpPr txBox="1">
+            <a:spLocks noGrp="1"/>
+          </p:cNvSpPr>
           <p:nvPr>
-            <p:ph idx="1" type="subTitle"/>
+            <p:ph type="subTitle" idx="1"/>
           </p:nvPr>
         </p:nvSpPr>
         <p:spPr>
@@ -3283,7 +3373,7 @@
           </a:ln>
         </p:spPr>
         <p:txBody>
-          <a:bodyPr anchorCtr="0" anchor="t" bIns="45700" lIns="91425" spcFirstLastPara="1" rIns="91425" wrap="square" tIns="45700">
+          <a:bodyPr spcFirstLastPara="1" wrap="square" lIns="91425" tIns="45700" rIns="91425" bIns="45700" anchor="t" anchorCtr="0">
             <a:normAutofit/>
           </a:bodyPr>
           <a:lstStyle>
@@ -3441,15 +3531,19 @@
               <a:defRPr sz="1600"/>
             </a:lvl9pPr>
           </a:lstStyle>
-          <a:p/>
+          <a:p>
+            <a:endParaRPr/>
+          </a:p>
         </p:txBody>
       </p:sp>
       <p:sp>
         <p:nvSpPr>
           <p:cNvPr id="20" name="Google Shape;20;p6"/>
-          <p:cNvSpPr txBox="1"/>
+          <p:cNvSpPr txBox="1">
+            <a:spLocks noGrp="1"/>
+          </p:cNvSpPr>
           <p:nvPr>
-            <p:ph idx="10" type="dt"/>
+            <p:ph type="dt" idx="10"/>
           </p:nvPr>
         </p:nvSpPr>
         <p:spPr>
@@ -3466,7 +3560,7 @@
           </a:ln>
         </p:spPr>
         <p:txBody>
-          <a:bodyPr anchorCtr="0" anchor="ctr" bIns="45700" lIns="91425" spcFirstLastPara="1" rIns="91425" wrap="square" tIns="45700">
+          <a:bodyPr spcFirstLastPara="1" wrap="square" lIns="91425" tIns="45700" rIns="91425" bIns="45700" anchor="ctr" anchorCtr="0">
             <a:noAutofit/>
           </a:bodyPr>
           <a:lstStyle>
@@ -3570,15 +3664,19 @@
               <a:defRPr/>
             </a:lvl9pPr>
           </a:lstStyle>
-          <a:p/>
+          <a:p>
+            <a:endParaRPr/>
+          </a:p>
         </p:txBody>
       </p:sp>
       <p:sp>
         <p:nvSpPr>
           <p:cNvPr id="21" name="Google Shape;21;p6"/>
-          <p:cNvSpPr txBox="1"/>
+          <p:cNvSpPr txBox="1">
+            <a:spLocks noGrp="1"/>
+          </p:cNvSpPr>
           <p:nvPr>
-            <p:ph idx="11" type="ftr"/>
+            <p:ph type="ftr" idx="11"/>
           </p:nvPr>
         </p:nvSpPr>
         <p:spPr>
@@ -3595,7 +3693,7 @@
           </a:ln>
         </p:spPr>
         <p:txBody>
-          <a:bodyPr anchorCtr="0" anchor="ctr" bIns="45700" lIns="91425" spcFirstLastPara="1" rIns="91425" wrap="square" tIns="45700">
+          <a:bodyPr spcFirstLastPara="1" wrap="square" lIns="91425" tIns="45700" rIns="91425" bIns="45700" anchor="ctr" anchorCtr="0">
             <a:noAutofit/>
           </a:bodyPr>
           <a:lstStyle>
@@ -3699,15 +3797,19 @@
               <a:defRPr/>
             </a:lvl9pPr>
           </a:lstStyle>
-          <a:p/>
+          <a:p>
+            <a:endParaRPr/>
+          </a:p>
         </p:txBody>
       </p:sp>
       <p:sp>
         <p:nvSpPr>
           <p:cNvPr id="22" name="Google Shape;22;p6"/>
-          <p:cNvSpPr txBox="1"/>
+          <p:cNvSpPr txBox="1">
+            <a:spLocks noGrp="1"/>
+          </p:cNvSpPr>
           <p:nvPr>
-            <p:ph idx="12" type="sldNum"/>
+            <p:ph type="sldNum" idx="12"/>
           </p:nvPr>
         </p:nvSpPr>
         <p:spPr>
@@ -3724,67 +3826,67 @@
           </a:ln>
         </p:spPr>
         <p:txBody>
-          <a:bodyPr anchorCtr="0" anchor="ctr" bIns="45700" lIns="91425" spcFirstLastPara="1" rIns="91425" wrap="square" tIns="45700">
+          <a:bodyPr spcFirstLastPara="1" wrap="square" lIns="91425" tIns="45700" rIns="91425" bIns="45700" anchor="ctr" anchorCtr="0">
             <a:noAutofit/>
           </a:bodyPr>
           <a:lstStyle>
-            <a:lvl1pPr indent="0" lvl="0" marL="0" algn="r">
+            <a:lvl1pPr marL="0" lvl="0" indent="0" algn="r">
               <a:spcBef>
                 <a:spcPts val="0"/>
               </a:spcBef>
               <a:buNone/>
               <a:defRPr/>
             </a:lvl1pPr>
-            <a:lvl2pPr indent="0" lvl="1" marL="0" algn="r">
+            <a:lvl2pPr marL="0" lvl="1" indent="0" algn="r">
               <a:spcBef>
                 <a:spcPts val="0"/>
               </a:spcBef>
               <a:buNone/>
               <a:defRPr/>
             </a:lvl2pPr>
-            <a:lvl3pPr indent="0" lvl="2" marL="0" algn="r">
+            <a:lvl3pPr marL="0" lvl="2" indent="0" algn="r">
               <a:spcBef>
                 <a:spcPts val="0"/>
               </a:spcBef>
               <a:buNone/>
               <a:defRPr/>
             </a:lvl3pPr>
-            <a:lvl4pPr indent="0" lvl="3" marL="0" algn="r">
+            <a:lvl4pPr marL="0" lvl="3" indent="0" algn="r">
               <a:spcBef>
                 <a:spcPts val="0"/>
               </a:spcBef>
               <a:buNone/>
               <a:defRPr/>
             </a:lvl4pPr>
-            <a:lvl5pPr indent="0" lvl="4" marL="0" algn="r">
+            <a:lvl5pPr marL="0" lvl="4" indent="0" algn="r">
               <a:spcBef>
                 <a:spcPts val="0"/>
               </a:spcBef>
               <a:buNone/>
               <a:defRPr/>
             </a:lvl5pPr>
-            <a:lvl6pPr indent="0" lvl="5" marL="0" algn="r">
+            <a:lvl6pPr marL="0" lvl="5" indent="0" algn="r">
               <a:spcBef>
                 <a:spcPts val="0"/>
               </a:spcBef>
               <a:buNone/>
               <a:defRPr/>
             </a:lvl6pPr>
-            <a:lvl7pPr indent="0" lvl="6" marL="0" algn="r">
+            <a:lvl7pPr marL="0" lvl="6" indent="0" algn="r">
               <a:spcBef>
                 <a:spcPts val="0"/>
               </a:spcBef>
               <a:buNone/>
               <a:defRPr/>
             </a:lvl7pPr>
-            <a:lvl8pPr indent="0" lvl="7" marL="0" algn="r">
+            <a:lvl8pPr marL="0" lvl="7" indent="0" algn="r">
               <a:spcBef>
                 <a:spcPts val="0"/>
               </a:spcBef>
               <a:buNone/>
               <a:defRPr/>
             </a:lvl8pPr>
-            <a:lvl9pPr indent="0" lvl="8" marL="0" algn="r">
+            <a:lvl9pPr marL="0" lvl="8" indent="0" algn="r">
               <a:spcBef>
                 <a:spcPts val="0"/>
               </a:spcBef>
@@ -3793,7 +3895,7 @@
             </a:lvl9pPr>
           </a:lstStyle>
           <a:p>
-            <a:pPr indent="0" lvl="0" marL="0" rtl="0" algn="r">
+            <a:pPr marL="0" lvl="0" indent="0" algn="r" rtl="0">
               <a:spcBef>
                 <a:spcPts val="0"/>
               </a:spcBef>
@@ -3819,11 +3921,11 @@
 </file>
 
 <file path=ppt/slideLayouts/slideLayout3.xml><?xml version="1.0" encoding="utf-8"?>
-<p:sldLayout xmlns:a="http://schemas.openxmlformats.org/drawingml/2006/main" xmlns:r="http://schemas.openxmlformats.org/officeDocument/2006/relationships" xmlns:mc="http://schemas.openxmlformats.org/markup-compatibility/2006" xmlns:mv="urn:schemas-microsoft-com:mac:vml" xmlns:p="http://schemas.openxmlformats.org/presentationml/2006/main" xmlns:c="http://schemas.openxmlformats.org/drawingml/2006/chart" xmlns:dgm="http://schemas.openxmlformats.org/drawingml/2006/diagram" xmlns:o="urn:schemas-microsoft-com:office:office" xmlns:v="urn:schemas-microsoft-com:vml" xmlns:pvml="urn:schemas-microsoft-com:office:powerpoint" xmlns:com="http://schemas.openxmlformats.org/drawingml/2006/compatibility" xmlns:p14="http://schemas.microsoft.com/office/powerpoint/2010/main" xmlns:p15="http://schemas.microsoft.com/office/powerpoint/2012/main" xmlns:ahyp="http://schemas.microsoft.com/office/drawing/2018/hyperlinkcolor" matchingName="Section Header" type="secHead">
+<p:sldLayout xmlns:a="http://schemas.openxmlformats.org/drawingml/2006/main" xmlns:r="http://schemas.openxmlformats.org/officeDocument/2006/relationships" xmlns:p="http://schemas.openxmlformats.org/presentationml/2006/main" matchingName="Section Header" type="secHead">
   <p:cSld name="SECTION_HEADER">
     <p:spTree>
       <p:nvGrpSpPr>
-        <p:cNvPr id="23" name="Shape 23"/>
+        <p:cNvPr id="1" name="Shape 23"/>
         <p:cNvGrpSpPr/>
         <p:nvPr/>
       </p:nvGrpSpPr>
@@ -3838,7 +3940,9 @@
       <p:sp>
         <p:nvSpPr>
           <p:cNvPr id="24" name="Google Shape;24;p7"/>
-          <p:cNvSpPr txBox="1"/>
+          <p:cNvSpPr txBox="1">
+            <a:spLocks noGrp="1"/>
+          </p:cNvSpPr>
           <p:nvPr>
             <p:ph type="title"/>
           </p:nvPr>
@@ -3857,7 +3961,7 @@
           </a:ln>
         </p:spPr>
         <p:txBody>
-          <a:bodyPr anchorCtr="0" anchor="b" bIns="45700" lIns="91425" spcFirstLastPara="1" rIns="91425" wrap="square" tIns="45700">
+          <a:bodyPr spcFirstLastPara="1" wrap="square" lIns="91425" tIns="45700" rIns="91425" bIns="45700" anchor="b" anchorCtr="0">
             <a:normAutofit/>
           </a:bodyPr>
           <a:lstStyle>
@@ -3968,15 +4072,19 @@
               <a:defRPr/>
             </a:lvl9pPr>
           </a:lstStyle>
-          <a:p/>
+          <a:p>
+            <a:endParaRPr/>
+          </a:p>
         </p:txBody>
       </p:sp>
       <p:sp>
         <p:nvSpPr>
           <p:cNvPr id="25" name="Google Shape;25;p7"/>
-          <p:cNvSpPr txBox="1"/>
+          <p:cNvSpPr txBox="1">
+            <a:spLocks noGrp="1"/>
+          </p:cNvSpPr>
           <p:nvPr>
-            <p:ph idx="1" type="body"/>
+            <p:ph type="body" idx="1"/>
           </p:nvPr>
         </p:nvSpPr>
         <p:spPr>
@@ -3993,11 +4101,11 @@
           </a:ln>
         </p:spPr>
         <p:txBody>
-          <a:bodyPr anchorCtr="0" anchor="t" bIns="45700" lIns="91425" spcFirstLastPara="1" rIns="91425" wrap="square" tIns="45700">
+          <a:bodyPr spcFirstLastPara="1" wrap="square" lIns="91425" tIns="45700" rIns="91425" bIns="45700" anchor="t" anchorCtr="0">
             <a:normAutofit/>
           </a:bodyPr>
           <a:lstStyle>
-            <a:lvl1pPr indent="-228600" lvl="0" marL="457200" algn="l">
+            <a:lvl1pPr marL="457200" lvl="0" indent="-228600" algn="l">
               <a:lnSpc>
                 <a:spcPct val="90000"/>
               </a:lnSpc>
@@ -4018,7 +4126,7 @@
                 </a:solidFill>
               </a:defRPr>
             </a:lvl1pPr>
-            <a:lvl2pPr indent="-228600" lvl="1" marL="914400" algn="l">
+            <a:lvl2pPr marL="914400" lvl="1" indent="-228600" algn="l">
               <a:lnSpc>
                 <a:spcPct val="90000"/>
               </a:lnSpc>
@@ -4039,7 +4147,7 @@
                 </a:solidFill>
               </a:defRPr>
             </a:lvl2pPr>
-            <a:lvl3pPr indent="-228600" lvl="2" marL="1371600" algn="l">
+            <a:lvl3pPr marL="1371600" lvl="2" indent="-228600" algn="l">
               <a:lnSpc>
                 <a:spcPct val="90000"/>
               </a:lnSpc>
@@ -4060,7 +4168,7 @@
                 </a:solidFill>
               </a:defRPr>
             </a:lvl3pPr>
-            <a:lvl4pPr indent="-228600" lvl="3" marL="1828800" algn="l">
+            <a:lvl4pPr marL="1828800" lvl="3" indent="-228600" algn="l">
               <a:lnSpc>
                 <a:spcPct val="90000"/>
               </a:lnSpc>
@@ -4081,7 +4189,7 @@
                 </a:solidFill>
               </a:defRPr>
             </a:lvl4pPr>
-            <a:lvl5pPr indent="-228600" lvl="4" marL="2286000" algn="l">
+            <a:lvl5pPr marL="2286000" lvl="4" indent="-228600" algn="l">
               <a:lnSpc>
                 <a:spcPct val="90000"/>
               </a:lnSpc>
@@ -4102,7 +4210,7 @@
                 </a:solidFill>
               </a:defRPr>
             </a:lvl5pPr>
-            <a:lvl6pPr indent="-228600" lvl="5" marL="2743200" algn="l">
+            <a:lvl6pPr marL="2743200" lvl="5" indent="-228600" algn="l">
               <a:lnSpc>
                 <a:spcPct val="90000"/>
               </a:lnSpc>
@@ -4123,7 +4231,7 @@
                 </a:solidFill>
               </a:defRPr>
             </a:lvl6pPr>
-            <a:lvl7pPr indent="-228600" lvl="6" marL="3200400" algn="l">
+            <a:lvl7pPr marL="3200400" lvl="6" indent="-228600" algn="l">
               <a:lnSpc>
                 <a:spcPct val="90000"/>
               </a:lnSpc>
@@ -4144,7 +4252,7 @@
                 </a:solidFill>
               </a:defRPr>
             </a:lvl7pPr>
-            <a:lvl8pPr indent="-228600" lvl="7" marL="3657600" algn="l">
+            <a:lvl8pPr marL="3657600" lvl="7" indent="-228600" algn="l">
               <a:lnSpc>
                 <a:spcPct val="90000"/>
               </a:lnSpc>
@@ -4165,7 +4273,7 @@
                 </a:solidFill>
               </a:defRPr>
             </a:lvl8pPr>
-            <a:lvl9pPr indent="-228600" lvl="8" marL="4114800" algn="l">
+            <a:lvl9pPr marL="4114800" lvl="8" indent="-228600" algn="l">
               <a:lnSpc>
                 <a:spcPct val="90000"/>
               </a:lnSpc>
@@ -4187,15 +4295,19 @@
               </a:defRPr>
             </a:lvl9pPr>
           </a:lstStyle>
-          <a:p/>
+          <a:p>
+            <a:endParaRPr/>
+          </a:p>
         </p:txBody>
       </p:sp>
       <p:sp>
         <p:nvSpPr>
           <p:cNvPr id="26" name="Google Shape;26;p7"/>
-          <p:cNvSpPr txBox="1"/>
+          <p:cNvSpPr txBox="1">
+            <a:spLocks noGrp="1"/>
+          </p:cNvSpPr>
           <p:nvPr>
-            <p:ph idx="10" type="dt"/>
+            <p:ph type="dt" idx="10"/>
           </p:nvPr>
         </p:nvSpPr>
         <p:spPr>
@@ -4212,7 +4324,7 @@
           </a:ln>
         </p:spPr>
         <p:txBody>
-          <a:bodyPr anchorCtr="0" anchor="ctr" bIns="45700" lIns="91425" spcFirstLastPara="1" rIns="91425" wrap="square" tIns="45700">
+          <a:bodyPr spcFirstLastPara="1" wrap="square" lIns="91425" tIns="45700" rIns="91425" bIns="45700" anchor="ctr" anchorCtr="0">
             <a:noAutofit/>
           </a:bodyPr>
           <a:lstStyle>
@@ -4316,15 +4428,19 @@
               <a:defRPr/>
             </a:lvl9pPr>
           </a:lstStyle>
-          <a:p/>
+          <a:p>
+            <a:endParaRPr/>
+          </a:p>
         </p:txBody>
       </p:sp>
       <p:sp>
         <p:nvSpPr>
           <p:cNvPr id="27" name="Google Shape;27;p7"/>
-          <p:cNvSpPr txBox="1"/>
+          <p:cNvSpPr txBox="1">
+            <a:spLocks noGrp="1"/>
+          </p:cNvSpPr>
           <p:nvPr>
-            <p:ph idx="11" type="ftr"/>
+            <p:ph type="ftr" idx="11"/>
           </p:nvPr>
         </p:nvSpPr>
         <p:spPr>
@@ -4341,7 +4457,7 @@
           </a:ln>
         </p:spPr>
         <p:txBody>
-          <a:bodyPr anchorCtr="0" anchor="ctr" bIns="45700" lIns="91425" spcFirstLastPara="1" rIns="91425" wrap="square" tIns="45700">
+          <a:bodyPr spcFirstLastPara="1" wrap="square" lIns="91425" tIns="45700" rIns="91425" bIns="45700" anchor="ctr" anchorCtr="0">
             <a:noAutofit/>
           </a:bodyPr>
           <a:lstStyle>
@@ -4445,15 +4561,19 @@
               <a:defRPr/>
             </a:lvl9pPr>
           </a:lstStyle>
-          <a:p/>
+          <a:p>
+            <a:endParaRPr/>
+          </a:p>
         </p:txBody>
       </p:sp>
       <p:sp>
         <p:nvSpPr>
           <p:cNvPr id="28" name="Google Shape;28;p7"/>
-          <p:cNvSpPr txBox="1"/>
+          <p:cNvSpPr txBox="1">
+            <a:spLocks noGrp="1"/>
+          </p:cNvSpPr>
           <p:nvPr>
-            <p:ph idx="12" type="sldNum"/>
+            <p:ph type="sldNum" idx="12"/>
           </p:nvPr>
         </p:nvSpPr>
         <p:spPr>
@@ -4470,67 +4590,67 @@
           </a:ln>
         </p:spPr>
         <p:txBody>
-          <a:bodyPr anchorCtr="0" anchor="ctr" bIns="45700" lIns="91425" spcFirstLastPara="1" rIns="91425" wrap="square" tIns="45700">
+          <a:bodyPr spcFirstLastPara="1" wrap="square" lIns="91425" tIns="45700" rIns="91425" bIns="45700" anchor="ctr" anchorCtr="0">
             <a:noAutofit/>
           </a:bodyPr>
           <a:lstStyle>
-            <a:lvl1pPr indent="0" lvl="0" marL="0" algn="r">
+            <a:lvl1pPr marL="0" lvl="0" indent="0" algn="r">
               <a:spcBef>
                 <a:spcPts val="0"/>
               </a:spcBef>
               <a:buNone/>
               <a:defRPr/>
             </a:lvl1pPr>
-            <a:lvl2pPr indent="0" lvl="1" marL="0" algn="r">
+            <a:lvl2pPr marL="0" lvl="1" indent="0" algn="r">
               <a:spcBef>
                 <a:spcPts val="0"/>
               </a:spcBef>
               <a:buNone/>
               <a:defRPr/>
             </a:lvl2pPr>
-            <a:lvl3pPr indent="0" lvl="2" marL="0" algn="r">
+            <a:lvl3pPr marL="0" lvl="2" indent="0" algn="r">
               <a:spcBef>
                 <a:spcPts val="0"/>
               </a:spcBef>
               <a:buNone/>
               <a:defRPr/>
             </a:lvl3pPr>
-            <a:lvl4pPr indent="0" lvl="3" marL="0" algn="r">
+            <a:lvl4pPr marL="0" lvl="3" indent="0" algn="r">
               <a:spcBef>
                 <a:spcPts val="0"/>
               </a:spcBef>
               <a:buNone/>
               <a:defRPr/>
             </a:lvl4pPr>
-            <a:lvl5pPr indent="0" lvl="4" marL="0" algn="r">
+            <a:lvl5pPr marL="0" lvl="4" indent="0" algn="r">
               <a:spcBef>
                 <a:spcPts val="0"/>
               </a:spcBef>
               <a:buNone/>
               <a:defRPr/>
             </a:lvl5pPr>
-            <a:lvl6pPr indent="0" lvl="5" marL="0" algn="r">
+            <a:lvl6pPr marL="0" lvl="5" indent="0" algn="r">
               <a:spcBef>
                 <a:spcPts val="0"/>
               </a:spcBef>
               <a:buNone/>
               <a:defRPr/>
             </a:lvl6pPr>
-            <a:lvl7pPr indent="0" lvl="6" marL="0" algn="r">
+            <a:lvl7pPr marL="0" lvl="6" indent="0" algn="r">
               <a:spcBef>
                 <a:spcPts val="0"/>
               </a:spcBef>
               <a:buNone/>
               <a:defRPr/>
             </a:lvl7pPr>
-            <a:lvl8pPr indent="0" lvl="7" marL="0" algn="r">
+            <a:lvl8pPr marL="0" lvl="7" indent="0" algn="r">
               <a:spcBef>
                 <a:spcPts val="0"/>
               </a:spcBef>
               <a:buNone/>
               <a:defRPr/>
             </a:lvl8pPr>
-            <a:lvl9pPr indent="0" lvl="8" marL="0" algn="r">
+            <a:lvl9pPr marL="0" lvl="8" indent="0" algn="r">
               <a:spcBef>
                 <a:spcPts val="0"/>
               </a:spcBef>
@@ -4539,7 +4659,7 @@
             </a:lvl9pPr>
           </a:lstStyle>
           <a:p>
-            <a:pPr indent="0" lvl="0" marL="0" rtl="0" algn="r">
+            <a:pPr marL="0" lvl="0" indent="0" algn="r" rtl="0">
               <a:spcBef>
                 <a:spcPts val="0"/>
               </a:spcBef>
@@ -4565,11 +4685,11 @@
 </file>
 
 <file path=ppt/slideLayouts/slideLayout4.xml><?xml version="1.0" encoding="utf-8"?>
-<p:sldLayout xmlns:a="http://schemas.openxmlformats.org/drawingml/2006/main" xmlns:r="http://schemas.openxmlformats.org/officeDocument/2006/relationships" xmlns:mc="http://schemas.openxmlformats.org/markup-compatibility/2006" xmlns:mv="urn:schemas-microsoft-com:mac:vml" xmlns:p="http://schemas.openxmlformats.org/presentationml/2006/main" xmlns:c="http://schemas.openxmlformats.org/drawingml/2006/chart" xmlns:dgm="http://schemas.openxmlformats.org/drawingml/2006/diagram" xmlns:o="urn:schemas-microsoft-com:office:office" xmlns:v="urn:schemas-microsoft-com:vml" xmlns:pvml="urn:schemas-microsoft-com:office:powerpoint" xmlns:com="http://schemas.openxmlformats.org/drawingml/2006/compatibility" xmlns:p14="http://schemas.microsoft.com/office/powerpoint/2010/main" xmlns:p15="http://schemas.microsoft.com/office/powerpoint/2012/main" xmlns:ahyp="http://schemas.microsoft.com/office/drawing/2018/hyperlinkcolor" matchingName="Two Content" type="twoObj">
+<p:sldLayout xmlns:a="http://schemas.openxmlformats.org/drawingml/2006/main" xmlns:r="http://schemas.openxmlformats.org/officeDocument/2006/relationships" xmlns:p="http://schemas.openxmlformats.org/presentationml/2006/main" matchingName="Two Content" type="twoObj">
   <p:cSld name="TWO_OBJECTS">
     <p:spTree>
       <p:nvGrpSpPr>
-        <p:cNvPr id="29" name="Shape 29"/>
+        <p:cNvPr id="1" name="Shape 29"/>
         <p:cNvGrpSpPr/>
         <p:nvPr/>
       </p:nvGrpSpPr>
@@ -4584,7 +4704,9 @@
       <p:sp>
         <p:nvSpPr>
           <p:cNvPr id="30" name="Google Shape;30;p8"/>
-          <p:cNvSpPr txBox="1"/>
+          <p:cNvSpPr txBox="1">
+            <a:spLocks noGrp="1"/>
+          </p:cNvSpPr>
           <p:nvPr>
             <p:ph type="title"/>
           </p:nvPr>
@@ -4603,7 +4725,7 @@
           </a:ln>
         </p:spPr>
         <p:txBody>
-          <a:bodyPr anchorCtr="0" anchor="ctr" bIns="45700" lIns="91425" spcFirstLastPara="1" rIns="91425" wrap="square" tIns="45700">
+          <a:bodyPr spcFirstLastPara="1" wrap="square" lIns="91425" tIns="45700" rIns="91425" bIns="45700" anchor="ctr" anchorCtr="0">
             <a:normAutofit/>
           </a:bodyPr>
           <a:lstStyle>
@@ -4713,15 +4835,19 @@
               <a:defRPr/>
             </a:lvl9pPr>
           </a:lstStyle>
-          <a:p/>
+          <a:p>
+            <a:endParaRPr/>
+          </a:p>
         </p:txBody>
       </p:sp>
       <p:sp>
         <p:nvSpPr>
           <p:cNvPr id="31" name="Google Shape;31;p8"/>
-          <p:cNvSpPr txBox="1"/>
+          <p:cNvSpPr txBox="1">
+            <a:spLocks noGrp="1"/>
+          </p:cNvSpPr>
           <p:nvPr>
-            <p:ph idx="1" type="body"/>
+            <p:ph type="body" idx="1"/>
           </p:nvPr>
         </p:nvSpPr>
         <p:spPr>
@@ -4738,11 +4864,11 @@
           </a:ln>
         </p:spPr>
         <p:txBody>
-          <a:bodyPr anchorCtr="0" anchor="t" bIns="45700" lIns="91425" spcFirstLastPara="1" rIns="91425" wrap="square" tIns="45700">
+          <a:bodyPr spcFirstLastPara="1" wrap="square" lIns="91425" tIns="45700" rIns="91425" bIns="45700" anchor="t" anchorCtr="0">
             <a:normAutofit/>
           </a:bodyPr>
           <a:lstStyle>
-            <a:lvl1pPr indent="-342900" lvl="0" marL="457200" algn="l">
+            <a:lvl1pPr marL="457200" lvl="0" indent="-342900" algn="l">
               <a:lnSpc>
                 <a:spcPct val="90000"/>
               </a:lnSpc>
@@ -4759,7 +4885,7 @@
               <a:buChar char="•"/>
               <a:defRPr/>
             </a:lvl1pPr>
-            <a:lvl2pPr indent="-342900" lvl="1" marL="914400" algn="l">
+            <a:lvl2pPr marL="914400" lvl="1" indent="-342900" algn="l">
               <a:lnSpc>
                 <a:spcPct val="90000"/>
               </a:lnSpc>
@@ -4776,7 +4902,7 @@
               <a:buChar char="•"/>
               <a:defRPr/>
             </a:lvl2pPr>
-            <a:lvl3pPr indent="-342900" lvl="2" marL="1371600" algn="l">
+            <a:lvl3pPr marL="1371600" lvl="2" indent="-342900" algn="l">
               <a:lnSpc>
                 <a:spcPct val="90000"/>
               </a:lnSpc>
@@ -4793,7 +4919,7 @@
               <a:buChar char="•"/>
               <a:defRPr/>
             </a:lvl3pPr>
-            <a:lvl4pPr indent="-342900" lvl="3" marL="1828800" algn="l">
+            <a:lvl4pPr marL="1828800" lvl="3" indent="-342900" algn="l">
               <a:lnSpc>
                 <a:spcPct val="90000"/>
               </a:lnSpc>
@@ -4810,7 +4936,7 @@
               <a:buChar char="•"/>
               <a:defRPr/>
             </a:lvl4pPr>
-            <a:lvl5pPr indent="-342900" lvl="4" marL="2286000" algn="l">
+            <a:lvl5pPr marL="2286000" lvl="4" indent="-342900" algn="l">
               <a:lnSpc>
                 <a:spcPct val="90000"/>
               </a:lnSpc>
@@ -4827,7 +4953,7 @@
               <a:buChar char="•"/>
               <a:defRPr/>
             </a:lvl5pPr>
-            <a:lvl6pPr indent="-342900" lvl="5" marL="2743200" algn="l">
+            <a:lvl6pPr marL="2743200" lvl="5" indent="-342900" algn="l">
               <a:lnSpc>
                 <a:spcPct val="90000"/>
               </a:lnSpc>
@@ -4844,7 +4970,7 @@
               <a:buChar char="•"/>
               <a:defRPr/>
             </a:lvl6pPr>
-            <a:lvl7pPr indent="-342900" lvl="6" marL="3200400" algn="l">
+            <a:lvl7pPr marL="3200400" lvl="6" indent="-342900" algn="l">
               <a:lnSpc>
                 <a:spcPct val="90000"/>
               </a:lnSpc>
@@ -4861,7 +4987,7 @@
               <a:buChar char="•"/>
               <a:defRPr/>
             </a:lvl7pPr>
-            <a:lvl8pPr indent="-342900" lvl="7" marL="3657600" algn="l">
+            <a:lvl8pPr marL="3657600" lvl="7" indent="-342900" algn="l">
               <a:lnSpc>
                 <a:spcPct val="90000"/>
               </a:lnSpc>
@@ -4878,7 +5004,7 @@
               <a:buChar char="•"/>
               <a:defRPr/>
             </a:lvl8pPr>
-            <a:lvl9pPr indent="-342900" lvl="8" marL="4114800" algn="l">
+            <a:lvl9pPr marL="4114800" lvl="8" indent="-342900" algn="l">
               <a:lnSpc>
                 <a:spcPct val="90000"/>
               </a:lnSpc>
@@ -4896,15 +5022,19 @@
               <a:defRPr/>
             </a:lvl9pPr>
           </a:lstStyle>
-          <a:p/>
+          <a:p>
+            <a:endParaRPr/>
+          </a:p>
         </p:txBody>
       </p:sp>
       <p:sp>
         <p:nvSpPr>
           <p:cNvPr id="32" name="Google Shape;32;p8"/>
-          <p:cNvSpPr txBox="1"/>
+          <p:cNvSpPr txBox="1">
+            <a:spLocks noGrp="1"/>
+          </p:cNvSpPr>
           <p:nvPr>
-            <p:ph idx="2" type="body"/>
+            <p:ph type="body" idx="2"/>
           </p:nvPr>
         </p:nvSpPr>
         <p:spPr>
@@ -4921,11 +5051,11 @@
           </a:ln>
         </p:spPr>
         <p:txBody>
-          <a:bodyPr anchorCtr="0" anchor="t" bIns="45700" lIns="91425" spcFirstLastPara="1" rIns="91425" wrap="square" tIns="45700">
+          <a:bodyPr spcFirstLastPara="1" wrap="square" lIns="91425" tIns="45700" rIns="91425" bIns="45700" anchor="t" anchorCtr="0">
             <a:normAutofit/>
           </a:bodyPr>
           <a:lstStyle>
-            <a:lvl1pPr indent="-342900" lvl="0" marL="457200" algn="l">
+            <a:lvl1pPr marL="457200" lvl="0" indent="-342900" algn="l">
               <a:lnSpc>
                 <a:spcPct val="90000"/>
               </a:lnSpc>
@@ -4942,7 +5072,7 @@
               <a:buChar char="•"/>
               <a:defRPr/>
             </a:lvl1pPr>
-            <a:lvl2pPr indent="-342900" lvl="1" marL="914400" algn="l">
+            <a:lvl2pPr marL="914400" lvl="1" indent="-342900" algn="l">
               <a:lnSpc>
                 <a:spcPct val="90000"/>
               </a:lnSpc>
@@ -4959,7 +5089,7 @@
               <a:buChar char="•"/>
               <a:defRPr/>
             </a:lvl2pPr>
-            <a:lvl3pPr indent="-342900" lvl="2" marL="1371600" algn="l">
+            <a:lvl3pPr marL="1371600" lvl="2" indent="-342900" algn="l">
               <a:lnSpc>
                 <a:spcPct val="90000"/>
               </a:lnSpc>
@@ -4976,7 +5106,7 @@
               <a:buChar char="•"/>
               <a:defRPr/>
             </a:lvl3pPr>
-            <a:lvl4pPr indent="-342900" lvl="3" marL="1828800" algn="l">
+            <a:lvl4pPr marL="1828800" lvl="3" indent="-342900" algn="l">
               <a:lnSpc>
                 <a:spcPct val="90000"/>
               </a:lnSpc>
@@ -4993,7 +5123,7 @@
               <a:buChar char="•"/>
               <a:defRPr/>
             </a:lvl4pPr>
-            <a:lvl5pPr indent="-342900" lvl="4" marL="2286000" algn="l">
+            <a:lvl5pPr marL="2286000" lvl="4" indent="-342900" algn="l">
               <a:lnSpc>
                 <a:spcPct val="90000"/>
               </a:lnSpc>
@@ -5010,7 +5140,7 @@
               <a:buChar char="•"/>
               <a:defRPr/>
             </a:lvl5pPr>
-            <a:lvl6pPr indent="-342900" lvl="5" marL="2743200" algn="l">
+            <a:lvl6pPr marL="2743200" lvl="5" indent="-342900" algn="l">
               <a:lnSpc>
                 <a:spcPct val="90000"/>
               </a:lnSpc>
@@ -5027,7 +5157,7 @@
               <a:buChar char="•"/>
               <a:defRPr/>
             </a:lvl6pPr>
-            <a:lvl7pPr indent="-342900" lvl="6" marL="3200400" algn="l">
+            <a:lvl7pPr marL="3200400" lvl="6" indent="-342900" algn="l">
               <a:lnSpc>
                 <a:spcPct val="90000"/>
               </a:lnSpc>
@@ -5044,7 +5174,7 @@
               <a:buChar char="•"/>
               <a:defRPr/>
             </a:lvl7pPr>
-            <a:lvl8pPr indent="-342900" lvl="7" marL="3657600" algn="l">
+            <a:lvl8pPr marL="3657600" lvl="7" indent="-342900" algn="l">
               <a:lnSpc>
                 <a:spcPct val="90000"/>
               </a:lnSpc>
@@ -5061,7 +5191,7 @@
               <a:buChar char="•"/>
               <a:defRPr/>
             </a:lvl8pPr>
-            <a:lvl9pPr indent="-342900" lvl="8" marL="4114800" algn="l">
+            <a:lvl9pPr marL="4114800" lvl="8" indent="-342900" algn="l">
               <a:lnSpc>
                 <a:spcPct val="90000"/>
               </a:lnSpc>
@@ -5079,15 +5209,19 @@
               <a:defRPr/>
             </a:lvl9pPr>
           </a:lstStyle>
-          <a:p/>
+          <a:p>
+            <a:endParaRPr/>
+          </a:p>
         </p:txBody>
       </p:sp>
       <p:sp>
         <p:nvSpPr>
           <p:cNvPr id="33" name="Google Shape;33;p8"/>
-          <p:cNvSpPr txBox="1"/>
+          <p:cNvSpPr txBox="1">
+            <a:spLocks noGrp="1"/>
+          </p:cNvSpPr>
           <p:nvPr>
-            <p:ph idx="10" type="dt"/>
+            <p:ph type="dt" idx="10"/>
           </p:nvPr>
         </p:nvSpPr>
         <p:spPr>
@@ -5104,7 +5238,7 @@
           </a:ln>
         </p:spPr>
         <p:txBody>
-          <a:bodyPr anchorCtr="0" anchor="ctr" bIns="45700" lIns="91425" spcFirstLastPara="1" rIns="91425" wrap="square" tIns="45700">
+          <a:bodyPr spcFirstLastPara="1" wrap="square" lIns="91425" tIns="45700" rIns="91425" bIns="45700" anchor="ctr" anchorCtr="0">
             <a:noAutofit/>
           </a:bodyPr>
           <a:lstStyle>
@@ -5208,15 +5342,19 @@
               <a:defRPr/>
             </a:lvl9pPr>
           </a:lstStyle>
-          <a:p/>
+          <a:p>
+            <a:endParaRPr/>
+          </a:p>
         </p:txBody>
       </p:sp>
       <p:sp>
         <p:nvSpPr>
           <p:cNvPr id="34" name="Google Shape;34;p8"/>
-          <p:cNvSpPr txBox="1"/>
+          <p:cNvSpPr txBox="1">
+            <a:spLocks noGrp="1"/>
+          </p:cNvSpPr>
           <p:nvPr>
-            <p:ph idx="11" type="ftr"/>
+            <p:ph type="ftr" idx="11"/>
           </p:nvPr>
         </p:nvSpPr>
         <p:spPr>
@@ -5233,7 +5371,7 @@
           </a:ln>
         </p:spPr>
         <p:txBody>
-          <a:bodyPr anchorCtr="0" anchor="ctr" bIns="45700" lIns="91425" spcFirstLastPara="1" rIns="91425" wrap="square" tIns="45700">
+          <a:bodyPr spcFirstLastPara="1" wrap="square" lIns="91425" tIns="45700" rIns="91425" bIns="45700" anchor="ctr" anchorCtr="0">
             <a:noAutofit/>
           </a:bodyPr>
           <a:lstStyle>
@@ -5337,15 +5475,19 @@
               <a:defRPr/>
             </a:lvl9pPr>
           </a:lstStyle>
-          <a:p/>
+          <a:p>
+            <a:endParaRPr/>
+          </a:p>
         </p:txBody>
       </p:sp>
       <p:sp>
         <p:nvSpPr>
           <p:cNvPr id="35" name="Google Shape;35;p8"/>
-          <p:cNvSpPr txBox="1"/>
+          <p:cNvSpPr txBox="1">
+            <a:spLocks noGrp="1"/>
+          </p:cNvSpPr>
           <p:nvPr>
-            <p:ph idx="12" type="sldNum"/>
+            <p:ph type="sldNum" idx="12"/>
           </p:nvPr>
         </p:nvSpPr>
         <p:spPr>
@@ -5362,67 +5504,67 @@
           </a:ln>
         </p:spPr>
         <p:txBody>
-          <a:bodyPr anchorCtr="0" anchor="ctr" bIns="45700" lIns="91425" spcFirstLastPara="1" rIns="91425" wrap="square" tIns="45700">
+          <a:bodyPr spcFirstLastPara="1" wrap="square" lIns="91425" tIns="45700" rIns="91425" bIns="45700" anchor="ctr" anchorCtr="0">
             <a:noAutofit/>
           </a:bodyPr>
           <a:lstStyle>
-            <a:lvl1pPr indent="0" lvl="0" marL="0" algn="r">
+            <a:lvl1pPr marL="0" lvl="0" indent="0" algn="r">
               <a:spcBef>
                 <a:spcPts val="0"/>
               </a:spcBef>
               <a:buNone/>
               <a:defRPr/>
             </a:lvl1pPr>
-            <a:lvl2pPr indent="0" lvl="1" marL="0" algn="r">
+            <a:lvl2pPr marL="0" lvl="1" indent="0" algn="r">
               <a:spcBef>
                 <a:spcPts val="0"/>
               </a:spcBef>
               <a:buNone/>
               <a:defRPr/>
             </a:lvl2pPr>
-            <a:lvl3pPr indent="0" lvl="2" marL="0" algn="r">
+            <a:lvl3pPr marL="0" lvl="2" indent="0" algn="r">
               <a:spcBef>
                 <a:spcPts val="0"/>
               </a:spcBef>
               <a:buNone/>
               <a:defRPr/>
             </a:lvl3pPr>
-            <a:lvl4pPr indent="0" lvl="3" marL="0" algn="r">
+            <a:lvl4pPr marL="0" lvl="3" indent="0" algn="r">
               <a:spcBef>
                 <a:spcPts val="0"/>
               </a:spcBef>
               <a:buNone/>
               <a:defRPr/>
             </a:lvl4pPr>
-            <a:lvl5pPr indent="0" lvl="4" marL="0" algn="r">
+            <a:lvl5pPr marL="0" lvl="4" indent="0" algn="r">
               <a:spcBef>
                 <a:spcPts val="0"/>
               </a:spcBef>
               <a:buNone/>
               <a:defRPr/>
             </a:lvl5pPr>
-            <a:lvl6pPr indent="0" lvl="5" marL="0" algn="r">
+            <a:lvl6pPr marL="0" lvl="5" indent="0" algn="r">
               <a:spcBef>
                 <a:spcPts val="0"/>
               </a:spcBef>
               <a:buNone/>
               <a:defRPr/>
             </a:lvl6pPr>
-            <a:lvl7pPr indent="0" lvl="6" marL="0" algn="r">
+            <a:lvl7pPr marL="0" lvl="6" indent="0" algn="r">
               <a:spcBef>
                 <a:spcPts val="0"/>
               </a:spcBef>
               <a:buNone/>
               <a:defRPr/>
             </a:lvl7pPr>
-            <a:lvl8pPr indent="0" lvl="7" marL="0" algn="r">
+            <a:lvl8pPr marL="0" lvl="7" indent="0" algn="r">
               <a:spcBef>
                 <a:spcPts val="0"/>
               </a:spcBef>
               <a:buNone/>
               <a:defRPr/>
             </a:lvl8pPr>
-            <a:lvl9pPr indent="0" lvl="8" marL="0" algn="r">
+            <a:lvl9pPr marL="0" lvl="8" indent="0" algn="r">
               <a:spcBef>
                 <a:spcPts val="0"/>
               </a:spcBef>
@@ -5431,7 +5573,7 @@
             </a:lvl9pPr>
           </a:lstStyle>
           <a:p>
-            <a:pPr indent="0" lvl="0" marL="0" rtl="0" algn="r">
+            <a:pPr marL="0" lvl="0" indent="0" algn="r" rtl="0">
               <a:spcBef>
                 <a:spcPts val="0"/>
               </a:spcBef>
@@ -5457,11 +5599,11 @@
 </file>
 
 <file path=ppt/slideLayouts/slideLayout5.xml><?xml version="1.0" encoding="utf-8"?>
-<p:sldLayout xmlns:a="http://schemas.openxmlformats.org/drawingml/2006/main" xmlns:r="http://schemas.openxmlformats.org/officeDocument/2006/relationships" xmlns:mc="http://schemas.openxmlformats.org/markup-compatibility/2006" xmlns:mv="urn:schemas-microsoft-com:mac:vml" xmlns:p="http://schemas.openxmlformats.org/presentationml/2006/main" xmlns:c="http://schemas.openxmlformats.org/drawingml/2006/chart" xmlns:dgm="http://schemas.openxmlformats.org/drawingml/2006/diagram" xmlns:o="urn:schemas-microsoft-com:office:office" xmlns:v="urn:schemas-microsoft-com:vml" xmlns:pvml="urn:schemas-microsoft-com:office:powerpoint" xmlns:com="http://schemas.openxmlformats.org/drawingml/2006/compatibility" xmlns:p14="http://schemas.microsoft.com/office/powerpoint/2010/main" xmlns:p15="http://schemas.microsoft.com/office/powerpoint/2012/main" xmlns:ahyp="http://schemas.microsoft.com/office/drawing/2018/hyperlinkcolor" matchingName="Comparison" type="twoTxTwoObj">
+<p:sldLayout xmlns:a="http://schemas.openxmlformats.org/drawingml/2006/main" xmlns:r="http://schemas.openxmlformats.org/officeDocument/2006/relationships" xmlns:p="http://schemas.openxmlformats.org/presentationml/2006/main" matchingName="Comparison" type="twoTxTwoObj">
   <p:cSld name="TWO_OBJECTS_WITH_TEXT">
     <p:spTree>
       <p:nvGrpSpPr>
-        <p:cNvPr id="36" name="Shape 36"/>
+        <p:cNvPr id="1" name="Shape 36"/>
         <p:cNvGrpSpPr/>
         <p:nvPr/>
       </p:nvGrpSpPr>
@@ -5476,7 +5618,9 @@
       <p:sp>
         <p:nvSpPr>
           <p:cNvPr id="37" name="Google Shape;37;p9"/>
-          <p:cNvSpPr txBox="1"/>
+          <p:cNvSpPr txBox="1">
+            <a:spLocks noGrp="1"/>
+          </p:cNvSpPr>
           <p:nvPr>
             <p:ph type="title"/>
           </p:nvPr>
@@ -5495,7 +5639,7 @@
           </a:ln>
         </p:spPr>
         <p:txBody>
-          <a:bodyPr anchorCtr="0" anchor="ctr" bIns="45700" lIns="91425" spcFirstLastPara="1" rIns="91425" wrap="square" tIns="45700">
+          <a:bodyPr spcFirstLastPara="1" wrap="square" lIns="91425" tIns="45700" rIns="91425" bIns="45700" anchor="ctr" anchorCtr="0">
             <a:normAutofit/>
           </a:bodyPr>
           <a:lstStyle>
@@ -5605,15 +5749,19 @@
               <a:defRPr/>
             </a:lvl9pPr>
           </a:lstStyle>
-          <a:p/>
+          <a:p>
+            <a:endParaRPr/>
+          </a:p>
         </p:txBody>
       </p:sp>
       <p:sp>
         <p:nvSpPr>
           <p:cNvPr id="38" name="Google Shape;38;p9"/>
-          <p:cNvSpPr txBox="1"/>
+          <p:cNvSpPr txBox="1">
+            <a:spLocks noGrp="1"/>
+          </p:cNvSpPr>
           <p:nvPr>
-            <p:ph idx="1" type="body"/>
+            <p:ph type="body" idx="1"/>
           </p:nvPr>
         </p:nvSpPr>
         <p:spPr>
@@ -5630,11 +5778,11 @@
           </a:ln>
         </p:spPr>
         <p:txBody>
-          <a:bodyPr anchorCtr="0" anchor="b" bIns="45700" lIns="91425" spcFirstLastPara="1" rIns="91425" wrap="square" tIns="45700">
+          <a:bodyPr spcFirstLastPara="1" wrap="square" lIns="91425" tIns="45700" rIns="91425" bIns="45700" anchor="b" anchorCtr="0">
             <a:normAutofit/>
           </a:bodyPr>
           <a:lstStyle>
-            <a:lvl1pPr indent="-228600" lvl="0" marL="457200" algn="l">
+            <a:lvl1pPr marL="457200" lvl="0" indent="-228600" algn="l">
               <a:lnSpc>
                 <a:spcPct val="90000"/>
               </a:lnSpc>
@@ -5649,9 +5797,9 @@
               </a:buClr>
               <a:buSzPts val="2400"/>
               <a:buNone/>
-              <a:defRPr b="1" sz="2400"/>
+              <a:defRPr sz="2400" b="1"/>
             </a:lvl1pPr>
-            <a:lvl2pPr indent="-228600" lvl="1" marL="914400" algn="l">
+            <a:lvl2pPr marL="914400" lvl="1" indent="-228600" algn="l">
               <a:lnSpc>
                 <a:spcPct val="90000"/>
               </a:lnSpc>
@@ -5666,9 +5814,9 @@
               </a:buClr>
               <a:buSzPts val="2000"/>
               <a:buNone/>
-              <a:defRPr b="1" sz="2000"/>
+              <a:defRPr sz="2000" b="1"/>
             </a:lvl2pPr>
-            <a:lvl3pPr indent="-228600" lvl="2" marL="1371600" algn="l">
+            <a:lvl3pPr marL="1371600" lvl="2" indent="-228600" algn="l">
               <a:lnSpc>
                 <a:spcPct val="90000"/>
               </a:lnSpc>
@@ -5683,9 +5831,9 @@
               </a:buClr>
               <a:buSzPts val="1800"/>
               <a:buNone/>
-              <a:defRPr b="1" sz="1800"/>
+              <a:defRPr sz="1800" b="1"/>
             </a:lvl3pPr>
-            <a:lvl4pPr indent="-228600" lvl="3" marL="1828800" algn="l">
+            <a:lvl4pPr marL="1828800" lvl="3" indent="-228600" algn="l">
               <a:lnSpc>
                 <a:spcPct val="90000"/>
               </a:lnSpc>
@@ -5700,9 +5848,9 @@
               </a:buClr>
               <a:buSzPts val="1600"/>
               <a:buNone/>
-              <a:defRPr b="1" sz="1600"/>
+              <a:defRPr sz="1600" b="1"/>
             </a:lvl4pPr>
-            <a:lvl5pPr indent="-228600" lvl="4" marL="2286000" algn="l">
+            <a:lvl5pPr marL="2286000" lvl="4" indent="-228600" algn="l">
               <a:lnSpc>
                 <a:spcPct val="90000"/>
               </a:lnSpc>
@@ -5717,9 +5865,9 @@
               </a:buClr>
               <a:buSzPts val="1600"/>
               <a:buNone/>
-              <a:defRPr b="1" sz="1600"/>
+              <a:defRPr sz="1600" b="1"/>
             </a:lvl5pPr>
-            <a:lvl6pPr indent="-228600" lvl="5" marL="2743200" algn="l">
+            <a:lvl6pPr marL="2743200" lvl="5" indent="-228600" algn="l">
               <a:lnSpc>
                 <a:spcPct val="90000"/>
               </a:lnSpc>
@@ -5734,9 +5882,9 @@
               </a:buClr>
               <a:buSzPts val="1600"/>
               <a:buNone/>
-              <a:defRPr b="1" sz="1600"/>
+              <a:defRPr sz="1600" b="1"/>
             </a:lvl6pPr>
-            <a:lvl7pPr indent="-228600" lvl="6" marL="3200400" algn="l">
+            <a:lvl7pPr marL="3200400" lvl="6" indent="-228600" algn="l">
               <a:lnSpc>
                 <a:spcPct val="90000"/>
               </a:lnSpc>
@@ -5751,9 +5899,9 @@
               </a:buClr>
               <a:buSzPts val="1600"/>
               <a:buNone/>
-              <a:defRPr b="1" sz="1600"/>
+              <a:defRPr sz="1600" b="1"/>
             </a:lvl7pPr>
-            <a:lvl8pPr indent="-228600" lvl="7" marL="3657600" algn="l">
+            <a:lvl8pPr marL="3657600" lvl="7" indent="-228600" algn="l">
               <a:lnSpc>
                 <a:spcPct val="90000"/>
               </a:lnSpc>
@@ -5768,9 +5916,9 @@
               </a:buClr>
               <a:buSzPts val="1600"/>
               <a:buNone/>
-              <a:defRPr b="1" sz="1600"/>
+              <a:defRPr sz="1600" b="1"/>
             </a:lvl8pPr>
-            <a:lvl9pPr indent="-228600" lvl="8" marL="4114800" algn="l">
+            <a:lvl9pPr marL="4114800" lvl="8" indent="-228600" algn="l">
               <a:lnSpc>
                 <a:spcPct val="90000"/>
               </a:lnSpc>
@@ -5785,18 +5933,22 @@
               </a:buClr>
               <a:buSzPts val="1600"/>
               <a:buNone/>
-              <a:defRPr b="1" sz="1600"/>
+              <a:defRPr sz="1600" b="1"/>
             </a:lvl9pPr>
           </a:lstStyle>
-          <a:p/>
+          <a:p>
+            <a:endParaRPr/>
+          </a:p>
         </p:txBody>
       </p:sp>
       <p:sp>
         <p:nvSpPr>
           <p:cNvPr id="39" name="Google Shape;39;p9"/>
-          <p:cNvSpPr txBox="1"/>
+          <p:cNvSpPr txBox="1">
+            <a:spLocks noGrp="1"/>
+          </p:cNvSpPr>
           <p:nvPr>
-            <p:ph idx="2" type="body"/>
+            <p:ph type="body" idx="2"/>
           </p:nvPr>
         </p:nvSpPr>
         <p:spPr>
@@ -5813,11 +5965,11 @@
           </a:ln>
         </p:spPr>
         <p:txBody>
-          <a:bodyPr anchorCtr="0" anchor="t" bIns="45700" lIns="91425" spcFirstLastPara="1" rIns="91425" wrap="square" tIns="45700">
+          <a:bodyPr spcFirstLastPara="1" wrap="square" lIns="91425" tIns="45700" rIns="91425" bIns="45700" anchor="t" anchorCtr="0">
             <a:normAutofit/>
           </a:bodyPr>
           <a:lstStyle>
-            <a:lvl1pPr indent="-342900" lvl="0" marL="457200" algn="l">
+            <a:lvl1pPr marL="457200" lvl="0" indent="-342900" algn="l">
               <a:lnSpc>
                 <a:spcPct val="90000"/>
               </a:lnSpc>
@@ -5834,7 +5986,7 @@
               <a:buChar char="•"/>
               <a:defRPr/>
             </a:lvl1pPr>
-            <a:lvl2pPr indent="-342900" lvl="1" marL="914400" algn="l">
+            <a:lvl2pPr marL="914400" lvl="1" indent="-342900" algn="l">
               <a:lnSpc>
                 <a:spcPct val="90000"/>
               </a:lnSpc>
@@ -5851,7 +6003,7 @@
               <a:buChar char="•"/>
               <a:defRPr/>
             </a:lvl2pPr>
-            <a:lvl3pPr indent="-342900" lvl="2" marL="1371600" algn="l">
+            <a:lvl3pPr marL="1371600" lvl="2" indent="-342900" algn="l">
               <a:lnSpc>
                 <a:spcPct val="90000"/>
               </a:lnSpc>
@@ -5868,7 +6020,7 @@
               <a:buChar char="•"/>
               <a:defRPr/>
             </a:lvl3pPr>
-            <a:lvl4pPr indent="-342900" lvl="3" marL="1828800" algn="l">
+            <a:lvl4pPr marL="1828800" lvl="3" indent="-342900" algn="l">
               <a:lnSpc>
                 <a:spcPct val="90000"/>
               </a:lnSpc>
@@ -5885,7 +6037,7 @@
               <a:buChar char="•"/>
               <a:defRPr/>
             </a:lvl4pPr>
-            <a:lvl5pPr indent="-342900" lvl="4" marL="2286000" algn="l">
+            <a:lvl5pPr marL="2286000" lvl="4" indent="-342900" algn="l">
               <a:lnSpc>
                 <a:spcPct val="90000"/>
               </a:lnSpc>
@@ -5902,7 +6054,7 @@
               <a:buChar char="•"/>
               <a:defRPr/>
             </a:lvl5pPr>
-            <a:lvl6pPr indent="-342900" lvl="5" marL="2743200" algn="l">
+            <a:lvl6pPr marL="2743200" lvl="5" indent="-342900" algn="l">
               <a:lnSpc>
                 <a:spcPct val="90000"/>
               </a:lnSpc>
@@ -5919,7 +6071,7 @@
               <a:buChar char="•"/>
               <a:defRPr/>
             </a:lvl6pPr>
-            <a:lvl7pPr indent="-342900" lvl="6" marL="3200400" algn="l">
+            <a:lvl7pPr marL="3200400" lvl="6" indent="-342900" algn="l">
               <a:lnSpc>
                 <a:spcPct val="90000"/>
               </a:lnSpc>
@@ -5936,7 +6088,7 @@
               <a:buChar char="•"/>
               <a:defRPr/>
             </a:lvl7pPr>
-            <a:lvl8pPr indent="-342900" lvl="7" marL="3657600" algn="l">
+            <a:lvl8pPr marL="3657600" lvl="7" indent="-342900" algn="l">
               <a:lnSpc>
                 <a:spcPct val="90000"/>
               </a:lnSpc>
@@ -5953,7 +6105,7 @@
               <a:buChar char="•"/>
               <a:defRPr/>
             </a:lvl8pPr>
-            <a:lvl9pPr indent="-342900" lvl="8" marL="4114800" algn="l">
+            <a:lvl9pPr marL="4114800" lvl="8" indent="-342900" algn="l">
               <a:lnSpc>
                 <a:spcPct val="90000"/>
               </a:lnSpc>
@@ -5971,15 +6123,19 @@
               <a:defRPr/>
             </a:lvl9pPr>
           </a:lstStyle>
-          <a:p/>
+          <a:p>
+            <a:endParaRPr/>
+          </a:p>
         </p:txBody>
       </p:sp>
       <p:sp>
         <p:nvSpPr>
           <p:cNvPr id="40" name="Google Shape;40;p9"/>
-          <p:cNvSpPr txBox="1"/>
+          <p:cNvSpPr txBox="1">
+            <a:spLocks noGrp="1"/>
+          </p:cNvSpPr>
           <p:nvPr>
-            <p:ph idx="3" type="body"/>
+            <p:ph type="body" idx="3"/>
           </p:nvPr>
         </p:nvSpPr>
         <p:spPr>
@@ -5996,11 +6152,11 @@
           </a:ln>
         </p:spPr>
         <p:txBody>
-          <a:bodyPr anchorCtr="0" anchor="b" bIns="45700" lIns="91425" spcFirstLastPara="1" rIns="91425" wrap="square" tIns="45700">
+          <a:bodyPr spcFirstLastPara="1" wrap="square" lIns="91425" tIns="45700" rIns="91425" bIns="45700" anchor="b" anchorCtr="0">
             <a:normAutofit/>
           </a:bodyPr>
           <a:lstStyle>
-            <a:lvl1pPr indent="-228600" lvl="0" marL="457200" algn="l">
+            <a:lvl1pPr marL="457200" lvl="0" indent="-228600" algn="l">
               <a:lnSpc>
                 <a:spcPct val="90000"/>
               </a:lnSpc>
@@ -6015,9 +6171,9 @@
               </a:buClr>
               <a:buSzPts val="2400"/>
               <a:buNone/>
-              <a:defRPr b="1" sz="2400"/>
+              <a:defRPr sz="2400" b="1"/>
             </a:lvl1pPr>
-            <a:lvl2pPr indent="-228600" lvl="1" marL="914400" algn="l">
+            <a:lvl2pPr marL="914400" lvl="1" indent="-228600" algn="l">
               <a:lnSpc>
                 <a:spcPct val="90000"/>
               </a:lnSpc>
@@ -6032,9 +6188,9 @@
               </a:buClr>
               <a:buSzPts val="2000"/>
               <a:buNone/>
-              <a:defRPr b="1" sz="2000"/>
+              <a:defRPr sz="2000" b="1"/>
             </a:lvl2pPr>
-            <a:lvl3pPr indent="-228600" lvl="2" marL="1371600" algn="l">
+            <a:lvl3pPr marL="1371600" lvl="2" indent="-228600" algn="l">
               <a:lnSpc>
                 <a:spcPct val="90000"/>
               </a:lnSpc>
@@ -6049,9 +6205,9 @@
               </a:buClr>
               <a:buSzPts val="1800"/>
               <a:buNone/>
-              <a:defRPr b="1" sz="1800"/>
+              <a:defRPr sz="1800" b="1"/>
             </a:lvl3pPr>
-            <a:lvl4pPr indent="-228600" lvl="3" marL="1828800" algn="l">
+            <a:lvl4pPr marL="1828800" lvl="3" indent="-228600" algn="l">
               <a:lnSpc>
                 <a:spcPct val="90000"/>
               </a:lnSpc>
@@ -6066,9 +6222,9 @@
               </a:buClr>
               <a:buSzPts val="1600"/>
               <a:buNone/>
-              <a:defRPr b="1" sz="1600"/>
+              <a:defRPr sz="1600" b="1"/>
             </a:lvl4pPr>
-            <a:lvl5pPr indent="-228600" lvl="4" marL="2286000" algn="l">
+            <a:lvl5pPr marL="2286000" lvl="4" indent="-228600" algn="l">
               <a:lnSpc>
                 <a:spcPct val="90000"/>
               </a:lnSpc>
@@ -6083,9 +6239,9 @@
               </a:buClr>
               <a:buSzPts val="1600"/>
               <a:buNone/>
-              <a:defRPr b="1" sz="1600"/>
+              <a:defRPr sz="1600" b="1"/>
             </a:lvl5pPr>
-            <a:lvl6pPr indent="-228600" lvl="5" marL="2743200" algn="l">
+            <a:lvl6pPr marL="2743200" lvl="5" indent="-228600" algn="l">
               <a:lnSpc>
                 <a:spcPct val="90000"/>
               </a:lnSpc>
@@ -6100,9 +6256,9 @@
               </a:buClr>
               <a:buSzPts val="1600"/>
               <a:buNone/>
-              <a:defRPr b="1" sz="1600"/>
+              <a:defRPr sz="1600" b="1"/>
             </a:lvl6pPr>
-            <a:lvl7pPr indent="-228600" lvl="6" marL="3200400" algn="l">
+            <a:lvl7pPr marL="3200400" lvl="6" indent="-228600" algn="l">
               <a:lnSpc>
                 <a:spcPct val="90000"/>
               </a:lnSpc>
@@ -6117,9 +6273,9 @@
               </a:buClr>
               <a:buSzPts val="1600"/>
               <a:buNone/>
-              <a:defRPr b="1" sz="1600"/>
+              <a:defRPr sz="1600" b="1"/>
             </a:lvl7pPr>
-            <a:lvl8pPr indent="-228600" lvl="7" marL="3657600" algn="l">
+            <a:lvl8pPr marL="3657600" lvl="7" indent="-228600" algn="l">
               <a:lnSpc>
                 <a:spcPct val="90000"/>
               </a:lnSpc>
@@ -6134,9 +6290,9 @@
               </a:buClr>
               <a:buSzPts val="1600"/>
               <a:buNone/>
-              <a:defRPr b="1" sz="1600"/>
+              <a:defRPr sz="1600" b="1"/>
             </a:lvl8pPr>
-            <a:lvl9pPr indent="-228600" lvl="8" marL="4114800" algn="l">
+            <a:lvl9pPr marL="4114800" lvl="8" indent="-228600" algn="l">
               <a:lnSpc>
                 <a:spcPct val="90000"/>
               </a:lnSpc>
@@ -6151,18 +6307,22 @@
               </a:buClr>
               <a:buSzPts val="1600"/>
               <a:buNone/>
-              <a:defRPr b="1" sz="1600"/>
+              <a:defRPr sz="1600" b="1"/>
             </a:lvl9pPr>
           </a:lstStyle>
-          <a:p/>
+          <a:p>
+            <a:endParaRPr/>
+          </a:p>
         </p:txBody>
       </p:sp>
       <p:sp>
         <p:nvSpPr>
           <p:cNvPr id="41" name="Google Shape;41;p9"/>
-          <p:cNvSpPr txBox="1"/>
+          <p:cNvSpPr txBox="1">
+            <a:spLocks noGrp="1"/>
+          </p:cNvSpPr>
           <p:nvPr>
-            <p:ph idx="4" type="body"/>
+            <p:ph type="body" idx="4"/>
           </p:nvPr>
         </p:nvSpPr>
         <p:spPr>
@@ -6179,11 +6339,11 @@
           </a:ln>
         </p:spPr>
         <p:txBody>
-          <a:bodyPr anchorCtr="0" anchor="t" bIns="45700" lIns="91425" spcFirstLastPara="1" rIns="91425" wrap="square" tIns="45700">
+          <a:bodyPr spcFirstLastPara="1" wrap="square" lIns="91425" tIns="45700" rIns="91425" bIns="45700" anchor="t" anchorCtr="0">
             <a:normAutofit/>
           </a:bodyPr>
           <a:lstStyle>
-            <a:lvl1pPr indent="-342900" lvl="0" marL="457200" algn="l">
+            <a:lvl1pPr marL="457200" lvl="0" indent="-342900" algn="l">
               <a:lnSpc>
                 <a:spcPct val="90000"/>
               </a:lnSpc>
@@ -6200,7 +6360,7 @@
               <a:buChar char="•"/>
               <a:defRPr/>
             </a:lvl1pPr>
-            <a:lvl2pPr indent="-342900" lvl="1" marL="914400" algn="l">
+            <a:lvl2pPr marL="914400" lvl="1" indent="-342900" algn="l">
               <a:lnSpc>
                 <a:spcPct val="90000"/>
               </a:lnSpc>
@@ -6217,7 +6377,7 @@
               <a:buChar char="•"/>
               <a:defRPr/>
             </a:lvl2pPr>
-            <a:lvl3pPr indent="-342900" lvl="2" marL="1371600" algn="l">
+            <a:lvl3pPr marL="1371600" lvl="2" indent="-342900" algn="l">
               <a:lnSpc>
                 <a:spcPct val="90000"/>
               </a:lnSpc>
@@ -6234,7 +6394,7 @@
               <a:buChar char="•"/>
               <a:defRPr/>
             </a:lvl3pPr>
-            <a:lvl4pPr indent="-342900" lvl="3" marL="1828800" algn="l">
+            <a:lvl4pPr marL="1828800" lvl="3" indent="-342900" algn="l">
               <a:lnSpc>
                 <a:spcPct val="90000"/>
               </a:lnSpc>
@@ -6251,7 +6411,7 @@
               <a:buChar char="•"/>
               <a:defRPr/>
             </a:lvl4pPr>
-            <a:lvl5pPr indent="-342900" lvl="4" marL="2286000" algn="l">
+            <a:lvl5pPr marL="2286000" lvl="4" indent="-342900" algn="l">
               <a:lnSpc>
                 <a:spcPct val="90000"/>
               </a:lnSpc>
@@ -6268,7 +6428,7 @@
               <a:buChar char="•"/>
               <a:defRPr/>
             </a:lvl5pPr>
-            <a:lvl6pPr indent="-342900" lvl="5" marL="2743200" algn="l">
+            <a:lvl6pPr marL="2743200" lvl="5" indent="-342900" algn="l">
               <a:lnSpc>
                 <a:spcPct val="90000"/>
               </a:lnSpc>
@@ -6285,7 +6445,7 @@
               <a:buChar char="•"/>
               <a:defRPr/>
             </a:lvl6pPr>
-            <a:lvl7pPr indent="-342900" lvl="6" marL="3200400" algn="l">
+            <a:lvl7pPr marL="3200400" lvl="6" indent="-342900" algn="l">
               <a:lnSpc>
                 <a:spcPct val="90000"/>
               </a:lnSpc>
@@ -6302,7 +6462,7 @@
               <a:buChar char="•"/>
               <a:defRPr/>
             </a:lvl7pPr>
-            <a:lvl8pPr indent="-342900" lvl="7" marL="3657600" algn="l">
+            <a:lvl8pPr marL="3657600" lvl="7" indent="-342900" algn="l">
               <a:lnSpc>
                 <a:spcPct val="90000"/>
               </a:lnSpc>
@@ -6319,7 +6479,7 @@
               <a:buChar char="•"/>
               <a:defRPr/>
             </a:lvl8pPr>
-            <a:lvl9pPr indent="-342900" lvl="8" marL="4114800" algn="l">
+            <a:lvl9pPr marL="4114800" lvl="8" indent="-342900" algn="l">
               <a:lnSpc>
                 <a:spcPct val="90000"/>
               </a:lnSpc>
@@ -6337,15 +6497,19 @@
               <a:defRPr/>
             </a:lvl9pPr>
           </a:lstStyle>
-          <a:p/>
+          <a:p>
+            <a:endParaRPr/>
+          </a:p>
         </p:txBody>
       </p:sp>
       <p:sp>
         <p:nvSpPr>
           <p:cNvPr id="42" name="Google Shape;42;p9"/>
-          <p:cNvSpPr txBox="1"/>
+          <p:cNvSpPr txBox="1">
+            <a:spLocks noGrp="1"/>
+          </p:cNvSpPr>
           <p:nvPr>
-            <p:ph idx="10" type="dt"/>
+            <p:ph type="dt" idx="10"/>
           </p:nvPr>
         </p:nvSpPr>
         <p:spPr>
@@ -6362,7 +6526,7 @@
           </a:ln>
         </p:spPr>
         <p:txBody>
-          <a:bodyPr anchorCtr="0" anchor="ctr" bIns="45700" lIns="91425" spcFirstLastPara="1" rIns="91425" wrap="square" tIns="45700">
+          <a:bodyPr spcFirstLastPara="1" wrap="square" lIns="91425" tIns="45700" rIns="91425" bIns="45700" anchor="ctr" anchorCtr="0">
             <a:noAutofit/>
           </a:bodyPr>
           <a:lstStyle>
@@ -6466,15 +6630,19 @@
               <a:defRPr/>
             </a:lvl9pPr>
           </a:lstStyle>
-          <a:p/>
+          <a:p>
+            <a:endParaRPr/>
+          </a:p>
         </p:txBody>
       </p:sp>
       <p:sp>
         <p:nvSpPr>
           <p:cNvPr id="43" name="Google Shape;43;p9"/>
-          <p:cNvSpPr txBox="1"/>
+          <p:cNvSpPr txBox="1">
+            <a:spLocks noGrp="1"/>
+          </p:cNvSpPr>
           <p:nvPr>
-            <p:ph idx="11" type="ftr"/>
+            <p:ph type="ftr" idx="11"/>
           </p:nvPr>
         </p:nvSpPr>
         <p:spPr>
@@ -6491,7 +6659,7 @@
           </a:ln>
         </p:spPr>
         <p:txBody>
-          <a:bodyPr anchorCtr="0" anchor="ctr" bIns="45700" lIns="91425" spcFirstLastPara="1" rIns="91425" wrap="square" tIns="45700">
+          <a:bodyPr spcFirstLastPara="1" wrap="square" lIns="91425" tIns="45700" rIns="91425" bIns="45700" anchor="ctr" anchorCtr="0">
             <a:noAutofit/>
           </a:bodyPr>
           <a:lstStyle>
@@ -6595,15 +6763,19 @@
               <a:defRPr/>
             </a:lvl9pPr>
           </a:lstStyle>
-          <a:p/>
+          <a:p>
+            <a:endParaRPr/>
+          </a:p>
         </p:txBody>
       </p:sp>
       <p:sp>
         <p:nvSpPr>
           <p:cNvPr id="44" name="Google Shape;44;p9"/>
-          <p:cNvSpPr txBox="1"/>
+          <p:cNvSpPr txBox="1">
+            <a:spLocks noGrp="1"/>
+          </p:cNvSpPr>
           <p:nvPr>
-            <p:ph idx="12" type="sldNum"/>
+            <p:ph type="sldNum" idx="12"/>
           </p:nvPr>
         </p:nvSpPr>
         <p:spPr>
@@ -6620,67 +6792,67 @@
           </a:ln>
         </p:spPr>
         <p:txBody>
-          <a:bodyPr anchorCtr="0" anchor="ctr" bIns="45700" lIns="91425" spcFirstLastPara="1" rIns="91425" wrap="square" tIns="45700">
+          <a:bodyPr spcFirstLastPara="1" wrap="square" lIns="91425" tIns="45700" rIns="91425" bIns="45700" anchor="ctr" anchorCtr="0">
             <a:noAutofit/>
           </a:bodyPr>
           <a:lstStyle>
-            <a:lvl1pPr indent="0" lvl="0" marL="0" algn="r">
+            <a:lvl1pPr marL="0" lvl="0" indent="0" algn="r">
               <a:spcBef>
                 <a:spcPts val="0"/>
               </a:spcBef>
               <a:buNone/>
               <a:defRPr/>
             </a:lvl1pPr>
-            <a:lvl2pPr indent="0" lvl="1" marL="0" algn="r">
+            <a:lvl2pPr marL="0" lvl="1" indent="0" algn="r">
               <a:spcBef>
                 <a:spcPts val="0"/>
               </a:spcBef>
               <a:buNone/>
               <a:defRPr/>
             </a:lvl2pPr>
-            <a:lvl3pPr indent="0" lvl="2" marL="0" algn="r">
+            <a:lvl3pPr marL="0" lvl="2" indent="0" algn="r">
               <a:spcBef>
                 <a:spcPts val="0"/>
               </a:spcBef>
               <a:buNone/>
               <a:defRPr/>
             </a:lvl3pPr>
-            <a:lvl4pPr indent="0" lvl="3" marL="0" algn="r">
+            <a:lvl4pPr marL="0" lvl="3" indent="0" algn="r">
               <a:spcBef>
                 <a:spcPts val="0"/>
               </a:spcBef>
               <a:buNone/>
               <a:defRPr/>
             </a:lvl4pPr>
-            <a:lvl5pPr indent="0" lvl="4" marL="0" algn="r">
+            <a:lvl5pPr marL="0" lvl="4" indent="0" algn="r">
               <a:spcBef>
                 <a:spcPts val="0"/>
               </a:spcBef>
               <a:buNone/>
               <a:defRPr/>
             </a:lvl5pPr>
-            <a:lvl6pPr indent="0" lvl="5" marL="0" algn="r">
+            <a:lvl6pPr marL="0" lvl="5" indent="0" algn="r">
               <a:spcBef>
                 <a:spcPts val="0"/>
               </a:spcBef>
               <a:buNone/>
               <a:defRPr/>
             </a:lvl6pPr>
-            <a:lvl7pPr indent="0" lvl="6" marL="0" algn="r">
+            <a:lvl7pPr marL="0" lvl="6" indent="0" algn="r">
               <a:spcBef>
                 <a:spcPts val="0"/>
               </a:spcBef>
               <a:buNone/>
               <a:defRPr/>
             </a:lvl7pPr>
-            <a:lvl8pPr indent="0" lvl="7" marL="0" algn="r">
+            <a:lvl8pPr marL="0" lvl="7" indent="0" algn="r">
               <a:spcBef>
                 <a:spcPts val="0"/>
               </a:spcBef>
               <a:buNone/>
               <a:defRPr/>
             </a:lvl8pPr>
-            <a:lvl9pPr indent="0" lvl="8" marL="0" algn="r">
+            <a:lvl9pPr marL="0" lvl="8" indent="0" algn="r">
               <a:spcBef>
                 <a:spcPts val="0"/>
               </a:spcBef>
@@ -6689,7 +6861,7 @@
             </a:lvl9pPr>
           </a:lstStyle>
           <a:p>
-            <a:pPr indent="0" lvl="0" marL="0" rtl="0" algn="r">
+            <a:pPr marL="0" lvl="0" indent="0" algn="r" rtl="0">
               <a:spcBef>
                 <a:spcPts val="0"/>
               </a:spcBef>
@@ -6715,11 +6887,11 @@
 </file>
 
 <file path=ppt/slideLayouts/slideLayout6.xml><?xml version="1.0" encoding="utf-8"?>
-<p:sldLayout xmlns:a="http://schemas.openxmlformats.org/drawingml/2006/main" xmlns:r="http://schemas.openxmlformats.org/officeDocument/2006/relationships" xmlns:mc="http://schemas.openxmlformats.org/markup-compatibility/2006" xmlns:mv="urn:schemas-microsoft-com:mac:vml" xmlns:p="http://schemas.openxmlformats.org/presentationml/2006/main" xmlns:c="http://schemas.openxmlformats.org/drawingml/2006/chart" xmlns:dgm="http://schemas.openxmlformats.org/drawingml/2006/diagram" xmlns:o="urn:schemas-microsoft-com:office:office" xmlns:v="urn:schemas-microsoft-com:vml" xmlns:pvml="urn:schemas-microsoft-com:office:powerpoint" xmlns:com="http://schemas.openxmlformats.org/drawingml/2006/compatibility" xmlns:p14="http://schemas.microsoft.com/office/powerpoint/2010/main" xmlns:p15="http://schemas.microsoft.com/office/powerpoint/2012/main" xmlns:ahyp="http://schemas.microsoft.com/office/drawing/2018/hyperlinkcolor" matchingName="Title Only" type="titleOnly">
+<p:sldLayout xmlns:a="http://schemas.openxmlformats.org/drawingml/2006/main" xmlns:r="http://schemas.openxmlformats.org/officeDocument/2006/relationships" xmlns:p="http://schemas.openxmlformats.org/presentationml/2006/main" matchingName="Title Only" type="titleOnly">
   <p:cSld name="TITLE_ONLY">
     <p:spTree>
       <p:nvGrpSpPr>
-        <p:cNvPr id="45" name="Shape 45"/>
+        <p:cNvPr id="1" name="Shape 45"/>
         <p:cNvGrpSpPr/>
         <p:nvPr/>
       </p:nvGrpSpPr>
@@ -6734,7 +6906,9 @@
       <p:sp>
         <p:nvSpPr>
           <p:cNvPr id="46" name="Google Shape;46;p10"/>
-          <p:cNvSpPr txBox="1"/>
+          <p:cNvSpPr txBox="1">
+            <a:spLocks noGrp="1"/>
+          </p:cNvSpPr>
           <p:nvPr>
             <p:ph type="title"/>
           </p:nvPr>
@@ -6753,7 +6927,7 @@
           </a:ln>
         </p:spPr>
         <p:txBody>
-          <a:bodyPr anchorCtr="0" anchor="ctr" bIns="45700" lIns="91425" spcFirstLastPara="1" rIns="91425" wrap="square" tIns="45700">
+          <a:bodyPr spcFirstLastPara="1" wrap="square" lIns="91425" tIns="45700" rIns="91425" bIns="45700" anchor="ctr" anchorCtr="0">
             <a:normAutofit/>
           </a:bodyPr>
           <a:lstStyle>
@@ -6863,15 +7037,19 @@
               <a:defRPr/>
             </a:lvl9pPr>
           </a:lstStyle>
-          <a:p/>
+          <a:p>
+            <a:endParaRPr/>
+          </a:p>
         </p:txBody>
       </p:sp>
       <p:sp>
         <p:nvSpPr>
           <p:cNvPr id="47" name="Google Shape;47;p10"/>
-          <p:cNvSpPr txBox="1"/>
+          <p:cNvSpPr txBox="1">
+            <a:spLocks noGrp="1"/>
+          </p:cNvSpPr>
           <p:nvPr>
-            <p:ph idx="10" type="dt"/>
+            <p:ph type="dt" idx="10"/>
           </p:nvPr>
         </p:nvSpPr>
         <p:spPr>
@@ -6888,7 +7066,7 @@
           </a:ln>
         </p:spPr>
         <p:txBody>
-          <a:bodyPr anchorCtr="0" anchor="ctr" bIns="45700" lIns="91425" spcFirstLastPara="1" rIns="91425" wrap="square" tIns="45700">
+          <a:bodyPr spcFirstLastPara="1" wrap="square" lIns="91425" tIns="45700" rIns="91425" bIns="45700" anchor="ctr" anchorCtr="0">
             <a:noAutofit/>
           </a:bodyPr>
           <a:lstStyle>
@@ -6992,15 +7170,19 @@
               <a:defRPr/>
             </a:lvl9pPr>
           </a:lstStyle>
-          <a:p/>
+          <a:p>
+            <a:endParaRPr/>
+          </a:p>
         </p:txBody>
       </p:sp>
       <p:sp>
         <p:nvSpPr>
           <p:cNvPr id="48" name="Google Shape;48;p10"/>
-          <p:cNvSpPr txBox="1"/>
+          <p:cNvSpPr txBox="1">
+            <a:spLocks noGrp="1"/>
+          </p:cNvSpPr>
           <p:nvPr>
-            <p:ph idx="11" type="ftr"/>
+            <p:ph type="ftr" idx="11"/>
           </p:nvPr>
         </p:nvSpPr>
         <p:spPr>
@@ -7017,7 +7199,7 @@
           </a:ln>
         </p:spPr>
         <p:txBody>
-          <a:bodyPr anchorCtr="0" anchor="ctr" bIns="45700" lIns="91425" spcFirstLastPara="1" rIns="91425" wrap="square" tIns="45700">
+          <a:bodyPr spcFirstLastPara="1" wrap="square" lIns="91425" tIns="45700" rIns="91425" bIns="45700" anchor="ctr" anchorCtr="0">
             <a:noAutofit/>
           </a:bodyPr>
           <a:lstStyle>
@@ -7121,15 +7303,19 @@
               <a:defRPr/>
             </a:lvl9pPr>
           </a:lstStyle>
-          <a:p/>
+          <a:p>
+            <a:endParaRPr/>
+          </a:p>
         </p:txBody>
       </p:sp>
       <p:sp>
         <p:nvSpPr>
           <p:cNvPr id="49" name="Google Shape;49;p10"/>
-          <p:cNvSpPr txBox="1"/>
+          <p:cNvSpPr txBox="1">
+            <a:spLocks noGrp="1"/>
+          </p:cNvSpPr>
           <p:nvPr>
-            <p:ph idx="12" type="sldNum"/>
+            <p:ph type="sldNum" idx="12"/>
           </p:nvPr>
         </p:nvSpPr>
         <p:spPr>
@@ -7146,67 +7332,67 @@
           </a:ln>
         </p:spPr>
         <p:txBody>
-          <a:bodyPr anchorCtr="0" anchor="ctr" bIns="45700" lIns="91425" spcFirstLastPara="1" rIns="91425" wrap="square" tIns="45700">
+          <a:bodyPr spcFirstLastPara="1" wrap="square" lIns="91425" tIns="45700" rIns="91425" bIns="45700" anchor="ctr" anchorCtr="0">
             <a:noAutofit/>
           </a:bodyPr>
           <a:lstStyle>
-            <a:lvl1pPr indent="0" lvl="0" marL="0" algn="r">
+            <a:lvl1pPr marL="0" lvl="0" indent="0" algn="r">
               <a:spcBef>
                 <a:spcPts val="0"/>
               </a:spcBef>
               <a:buNone/>
               <a:defRPr/>
             </a:lvl1pPr>
-            <a:lvl2pPr indent="0" lvl="1" marL="0" algn="r">
+            <a:lvl2pPr marL="0" lvl="1" indent="0" algn="r">
               <a:spcBef>
                 <a:spcPts val="0"/>
               </a:spcBef>
               <a:buNone/>
               <a:defRPr/>
             </a:lvl2pPr>
-            <a:lvl3pPr indent="0" lvl="2" marL="0" algn="r">
+            <a:lvl3pPr marL="0" lvl="2" indent="0" algn="r">
               <a:spcBef>
                 <a:spcPts val="0"/>
               </a:spcBef>
               <a:buNone/>
               <a:defRPr/>
             </a:lvl3pPr>
-            <a:lvl4pPr indent="0" lvl="3" marL="0" algn="r">
+            <a:lvl4pPr marL="0" lvl="3" indent="0" algn="r">
               <a:spcBef>
                 <a:spcPts val="0"/>
               </a:spcBef>
               <a:buNone/>
               <a:defRPr/>
             </a:lvl4pPr>
-            <a:lvl5pPr indent="0" lvl="4" marL="0" algn="r">
+            <a:lvl5pPr marL="0" lvl="4" indent="0" algn="r">
               <a:spcBef>
                 <a:spcPts val="0"/>
               </a:spcBef>
               <a:buNone/>
               <a:defRPr/>
             </a:lvl5pPr>
-            <a:lvl6pPr indent="0" lvl="5" marL="0" algn="r">
+            <a:lvl6pPr marL="0" lvl="5" indent="0" algn="r">
               <a:spcBef>
                 <a:spcPts val="0"/>
               </a:spcBef>
               <a:buNone/>
               <a:defRPr/>
             </a:lvl6pPr>
-            <a:lvl7pPr indent="0" lvl="6" marL="0" algn="r">
+            <a:lvl7pPr marL="0" lvl="6" indent="0" algn="r">
               <a:spcBef>
                 <a:spcPts val="0"/>
               </a:spcBef>
               <a:buNone/>
               <a:defRPr/>
             </a:lvl7pPr>
-            <a:lvl8pPr indent="0" lvl="7" marL="0" algn="r">
+            <a:lvl8pPr marL="0" lvl="7" indent="0" algn="r">
               <a:spcBef>
                 <a:spcPts val="0"/>
               </a:spcBef>
               <a:buNone/>
               <a:defRPr/>
             </a:lvl8pPr>
-            <a:lvl9pPr indent="0" lvl="8" marL="0" algn="r">
+            <a:lvl9pPr marL="0" lvl="8" indent="0" algn="r">
               <a:spcBef>
                 <a:spcPts val="0"/>
               </a:spcBef>
@@ -7215,7 +7401,7 @@
             </a:lvl9pPr>
           </a:lstStyle>
           <a:p>
-            <a:pPr indent="0" lvl="0" marL="0" rtl="0" algn="r">
+            <a:pPr marL="0" lvl="0" indent="0" algn="r" rtl="0">
               <a:spcBef>
                 <a:spcPts val="0"/>
               </a:spcBef>
@@ -7241,11 +7427,11 @@
 </file>
 
 <file path=ppt/slideLayouts/slideLayout7.xml><?xml version="1.0" encoding="utf-8"?>
-<p:sldLayout xmlns:a="http://schemas.openxmlformats.org/drawingml/2006/main" xmlns:r="http://schemas.openxmlformats.org/officeDocument/2006/relationships" xmlns:mc="http://schemas.openxmlformats.org/markup-compatibility/2006" xmlns:mv="urn:schemas-microsoft-com:mac:vml" xmlns:p="http://schemas.openxmlformats.org/presentationml/2006/main" xmlns:c="http://schemas.openxmlformats.org/drawingml/2006/chart" xmlns:dgm="http://schemas.openxmlformats.org/drawingml/2006/diagram" xmlns:o="urn:schemas-microsoft-com:office:office" xmlns:v="urn:schemas-microsoft-com:vml" xmlns:pvml="urn:schemas-microsoft-com:office:powerpoint" xmlns:com="http://schemas.openxmlformats.org/drawingml/2006/compatibility" xmlns:p14="http://schemas.microsoft.com/office/powerpoint/2010/main" xmlns:p15="http://schemas.microsoft.com/office/powerpoint/2012/main" xmlns:ahyp="http://schemas.microsoft.com/office/drawing/2018/hyperlinkcolor" matchingName="Blank" type="blank">
+<p:sldLayout xmlns:a="http://schemas.openxmlformats.org/drawingml/2006/main" xmlns:r="http://schemas.openxmlformats.org/officeDocument/2006/relationships" xmlns:p="http://schemas.openxmlformats.org/presentationml/2006/main" matchingName="Blank" type="blank">
   <p:cSld name="BLANK">
     <p:spTree>
       <p:nvGrpSpPr>
-        <p:cNvPr id="50" name="Shape 50"/>
+        <p:cNvPr id="1" name="Shape 50"/>
         <p:cNvGrpSpPr/>
         <p:nvPr/>
       </p:nvGrpSpPr>
@@ -7260,9 +7446,11 @@
       <p:sp>
         <p:nvSpPr>
           <p:cNvPr id="51" name="Google Shape;51;p11"/>
-          <p:cNvSpPr txBox="1"/>
+          <p:cNvSpPr txBox="1">
+            <a:spLocks noGrp="1"/>
+          </p:cNvSpPr>
           <p:nvPr>
-            <p:ph idx="10" type="dt"/>
+            <p:ph type="dt" idx="10"/>
           </p:nvPr>
         </p:nvSpPr>
         <p:spPr>
@@ -7279,7 +7467,7 @@
           </a:ln>
         </p:spPr>
         <p:txBody>
-          <a:bodyPr anchorCtr="0" anchor="ctr" bIns="45700" lIns="91425" spcFirstLastPara="1" rIns="91425" wrap="square" tIns="45700">
+          <a:bodyPr spcFirstLastPara="1" wrap="square" lIns="91425" tIns="45700" rIns="91425" bIns="45700" anchor="ctr" anchorCtr="0">
             <a:noAutofit/>
           </a:bodyPr>
           <a:lstStyle>
@@ -7383,15 +7571,19 @@
               <a:defRPr/>
             </a:lvl9pPr>
           </a:lstStyle>
-          <a:p/>
+          <a:p>
+            <a:endParaRPr/>
+          </a:p>
         </p:txBody>
       </p:sp>
       <p:sp>
         <p:nvSpPr>
           <p:cNvPr id="52" name="Google Shape;52;p11"/>
-          <p:cNvSpPr txBox="1"/>
+          <p:cNvSpPr txBox="1">
+            <a:spLocks noGrp="1"/>
+          </p:cNvSpPr>
           <p:nvPr>
-            <p:ph idx="11" type="ftr"/>
+            <p:ph type="ftr" idx="11"/>
           </p:nvPr>
         </p:nvSpPr>
         <p:spPr>
@@ -7408,7 +7600,7 @@
           </a:ln>
         </p:spPr>
         <p:txBody>
-          <a:bodyPr anchorCtr="0" anchor="ctr" bIns="45700" lIns="91425" spcFirstLastPara="1" rIns="91425" wrap="square" tIns="45700">
+          <a:bodyPr spcFirstLastPara="1" wrap="square" lIns="91425" tIns="45700" rIns="91425" bIns="45700" anchor="ctr" anchorCtr="0">
             <a:noAutofit/>
           </a:bodyPr>
           <a:lstStyle>
@@ -7512,15 +7704,19 @@
               <a:defRPr/>
             </a:lvl9pPr>
           </a:lstStyle>
-          <a:p/>
+          <a:p>
+            <a:endParaRPr/>
+          </a:p>
         </p:txBody>
       </p:sp>
       <p:sp>
         <p:nvSpPr>
           <p:cNvPr id="53" name="Google Shape;53;p11"/>
-          <p:cNvSpPr txBox="1"/>
+          <p:cNvSpPr txBox="1">
+            <a:spLocks noGrp="1"/>
+          </p:cNvSpPr>
           <p:nvPr>
-            <p:ph idx="12" type="sldNum"/>
+            <p:ph type="sldNum" idx="12"/>
           </p:nvPr>
         </p:nvSpPr>
         <p:spPr>
@@ -7537,67 +7733,67 @@
           </a:ln>
         </p:spPr>
         <p:txBody>
-          <a:bodyPr anchorCtr="0" anchor="ctr" bIns="45700" lIns="91425" spcFirstLastPara="1" rIns="91425" wrap="square" tIns="45700">
+          <a:bodyPr spcFirstLastPara="1" wrap="square" lIns="91425" tIns="45700" rIns="91425" bIns="45700" anchor="ctr" anchorCtr="0">
             <a:noAutofit/>
           </a:bodyPr>
           <a:lstStyle>
-            <a:lvl1pPr indent="0" lvl="0" marL="0" algn="r">
+            <a:lvl1pPr marL="0" lvl="0" indent="0" algn="r">
               <a:spcBef>
                 <a:spcPts val="0"/>
               </a:spcBef>
               <a:buNone/>
               <a:defRPr/>
             </a:lvl1pPr>
-            <a:lvl2pPr indent="0" lvl="1" marL="0" algn="r">
+            <a:lvl2pPr marL="0" lvl="1" indent="0" algn="r">
               <a:spcBef>
                 <a:spcPts val="0"/>
               </a:spcBef>
               <a:buNone/>
               <a:defRPr/>
             </a:lvl2pPr>
-            <a:lvl3pPr indent="0" lvl="2" marL="0" algn="r">
+            <a:lvl3pPr marL="0" lvl="2" indent="0" algn="r">
               <a:spcBef>
                 <a:spcPts val="0"/>
               </a:spcBef>
               <a:buNone/>
               <a:defRPr/>
             </a:lvl3pPr>
-            <a:lvl4pPr indent="0" lvl="3" marL="0" algn="r">
+            <a:lvl4pPr marL="0" lvl="3" indent="0" algn="r">
               <a:spcBef>
                 <a:spcPts val="0"/>
               </a:spcBef>
               <a:buNone/>
               <a:defRPr/>
             </a:lvl4pPr>
-            <a:lvl5pPr indent="0" lvl="4" marL="0" algn="r">
+            <a:lvl5pPr marL="0" lvl="4" indent="0" algn="r">
               <a:spcBef>
                 <a:spcPts val="0"/>
               </a:spcBef>
               <a:buNone/>
               <a:defRPr/>
             </a:lvl5pPr>
-            <a:lvl6pPr indent="0" lvl="5" marL="0" algn="r">
+            <a:lvl6pPr marL="0" lvl="5" indent="0" algn="r">
               <a:spcBef>
                 <a:spcPts val="0"/>
               </a:spcBef>
               <a:buNone/>
               <a:defRPr/>
             </a:lvl6pPr>
-            <a:lvl7pPr indent="0" lvl="6" marL="0" algn="r">
+            <a:lvl7pPr marL="0" lvl="6" indent="0" algn="r">
               <a:spcBef>
                 <a:spcPts val="0"/>
               </a:spcBef>
               <a:buNone/>
               <a:defRPr/>
             </a:lvl7pPr>
-            <a:lvl8pPr indent="0" lvl="7" marL="0" algn="r">
+            <a:lvl8pPr marL="0" lvl="7" indent="0" algn="r">
               <a:spcBef>
                 <a:spcPts val="0"/>
               </a:spcBef>
               <a:buNone/>
               <a:defRPr/>
             </a:lvl8pPr>
-            <a:lvl9pPr indent="0" lvl="8" marL="0" algn="r">
+            <a:lvl9pPr marL="0" lvl="8" indent="0" algn="r">
               <a:spcBef>
                 <a:spcPts val="0"/>
               </a:spcBef>
@@ -7606,7 +7802,7 @@
             </a:lvl9pPr>
           </a:lstStyle>
           <a:p>
-            <a:pPr indent="0" lvl="0" marL="0" rtl="0" algn="r">
+            <a:pPr marL="0" lvl="0" indent="0" algn="r" rtl="0">
               <a:spcBef>
                 <a:spcPts val="0"/>
               </a:spcBef>
@@ -7632,11 +7828,11 @@
 </file>
 
 <file path=ppt/slideLayouts/slideLayout8.xml><?xml version="1.0" encoding="utf-8"?>
-<p:sldLayout xmlns:a="http://schemas.openxmlformats.org/drawingml/2006/main" xmlns:r="http://schemas.openxmlformats.org/officeDocument/2006/relationships" xmlns:mc="http://schemas.openxmlformats.org/markup-compatibility/2006" xmlns:mv="urn:schemas-microsoft-com:mac:vml" xmlns:p="http://schemas.openxmlformats.org/presentationml/2006/main" xmlns:c="http://schemas.openxmlformats.org/drawingml/2006/chart" xmlns:dgm="http://schemas.openxmlformats.org/drawingml/2006/diagram" xmlns:o="urn:schemas-microsoft-com:office:office" xmlns:v="urn:schemas-microsoft-com:vml" xmlns:pvml="urn:schemas-microsoft-com:office:powerpoint" xmlns:com="http://schemas.openxmlformats.org/drawingml/2006/compatibility" xmlns:p14="http://schemas.microsoft.com/office/powerpoint/2010/main" xmlns:p15="http://schemas.microsoft.com/office/powerpoint/2012/main" xmlns:ahyp="http://schemas.microsoft.com/office/drawing/2018/hyperlinkcolor" matchingName="Content with Caption" type="objTx">
+<p:sldLayout xmlns:a="http://schemas.openxmlformats.org/drawingml/2006/main" xmlns:r="http://schemas.openxmlformats.org/officeDocument/2006/relationships" xmlns:p="http://schemas.openxmlformats.org/presentationml/2006/main" matchingName="Content with Caption" type="objTx">
   <p:cSld name="OBJECT_WITH_CAPTION_TEXT">
     <p:spTree>
       <p:nvGrpSpPr>
-        <p:cNvPr id="54" name="Shape 54"/>
+        <p:cNvPr id="1" name="Shape 54"/>
         <p:cNvGrpSpPr/>
         <p:nvPr/>
       </p:nvGrpSpPr>
@@ -7651,7 +7847,9 @@
       <p:sp>
         <p:nvSpPr>
           <p:cNvPr id="55" name="Google Shape;55;p12"/>
-          <p:cNvSpPr txBox="1"/>
+          <p:cNvSpPr txBox="1">
+            <a:spLocks noGrp="1"/>
+          </p:cNvSpPr>
           <p:nvPr>
             <p:ph type="title"/>
           </p:nvPr>
@@ -7670,7 +7868,7 @@
           </a:ln>
         </p:spPr>
         <p:txBody>
-          <a:bodyPr anchorCtr="0" anchor="b" bIns="45700" lIns="91425" spcFirstLastPara="1" rIns="91425" wrap="square" tIns="45700">
+          <a:bodyPr spcFirstLastPara="1" wrap="square" lIns="91425" tIns="45700" rIns="91425" bIns="45700" anchor="b" anchorCtr="0">
             <a:normAutofit/>
           </a:bodyPr>
           <a:lstStyle>
@@ -7781,15 +7979,19 @@
               <a:defRPr/>
             </a:lvl9pPr>
           </a:lstStyle>
-          <a:p/>
+          <a:p>
+            <a:endParaRPr/>
+          </a:p>
         </p:txBody>
       </p:sp>
       <p:sp>
         <p:nvSpPr>
           <p:cNvPr id="56" name="Google Shape;56;p12"/>
-          <p:cNvSpPr txBox="1"/>
+          <p:cNvSpPr txBox="1">
+            <a:spLocks noGrp="1"/>
+          </p:cNvSpPr>
           <p:nvPr>
-            <p:ph idx="1" type="body"/>
+            <p:ph type="body" idx="1"/>
           </p:nvPr>
         </p:nvSpPr>
         <p:spPr>
@@ -7806,11 +8008,11 @@
           </a:ln>
         </p:spPr>
         <p:txBody>
-          <a:bodyPr anchorCtr="0" anchor="t" bIns="45700" lIns="91425" spcFirstLastPara="1" rIns="91425" wrap="square" tIns="45700">
+          <a:bodyPr spcFirstLastPara="1" wrap="square" lIns="91425" tIns="45700" rIns="91425" bIns="45700" anchor="t" anchorCtr="0">
             <a:normAutofit/>
           </a:bodyPr>
           <a:lstStyle>
-            <a:lvl1pPr indent="-431800" lvl="0" marL="457200" algn="l">
+            <a:lvl1pPr marL="457200" lvl="0" indent="-431800" algn="l">
               <a:lnSpc>
                 <a:spcPct val="90000"/>
               </a:lnSpc>
@@ -7827,7 +8029,7 @@
               <a:buChar char="•"/>
               <a:defRPr sz="3200"/>
             </a:lvl1pPr>
-            <a:lvl2pPr indent="-406400" lvl="1" marL="914400" algn="l">
+            <a:lvl2pPr marL="914400" lvl="1" indent="-406400" algn="l">
               <a:lnSpc>
                 <a:spcPct val="90000"/>
               </a:lnSpc>
@@ -7844,7 +8046,7 @@
               <a:buChar char="•"/>
               <a:defRPr sz="2800"/>
             </a:lvl2pPr>
-            <a:lvl3pPr indent="-381000" lvl="2" marL="1371600" algn="l">
+            <a:lvl3pPr marL="1371600" lvl="2" indent="-381000" algn="l">
               <a:lnSpc>
                 <a:spcPct val="90000"/>
               </a:lnSpc>
@@ -7861,7 +8063,7 @@
               <a:buChar char="•"/>
               <a:defRPr sz="2400"/>
             </a:lvl3pPr>
-            <a:lvl4pPr indent="-355600" lvl="3" marL="1828800" algn="l">
+            <a:lvl4pPr marL="1828800" lvl="3" indent="-355600" algn="l">
               <a:lnSpc>
                 <a:spcPct val="90000"/>
               </a:lnSpc>
@@ -7878,7 +8080,7 @@
               <a:buChar char="•"/>
               <a:defRPr sz="2000"/>
             </a:lvl4pPr>
-            <a:lvl5pPr indent="-355600" lvl="4" marL="2286000" algn="l">
+            <a:lvl5pPr marL="2286000" lvl="4" indent="-355600" algn="l">
               <a:lnSpc>
                 <a:spcPct val="90000"/>
               </a:lnSpc>
@@ -7895,7 +8097,7 @@
               <a:buChar char="•"/>
               <a:defRPr sz="2000"/>
             </a:lvl5pPr>
-            <a:lvl6pPr indent="-355600" lvl="5" marL="2743200" algn="l">
+            <a:lvl6pPr marL="2743200" lvl="5" indent="-355600" algn="l">
               <a:lnSpc>
                 <a:spcPct val="90000"/>
               </a:lnSpc>
@@ -7912,7 +8114,7 @@
               <a:buChar char="•"/>
               <a:defRPr sz="2000"/>
             </a:lvl6pPr>
-            <a:lvl7pPr indent="-355600" lvl="6" marL="3200400" algn="l">
+            <a:lvl7pPr marL="3200400" lvl="6" indent="-355600" algn="l">
               <a:lnSpc>
                 <a:spcPct val="90000"/>
               </a:lnSpc>
@@ -7929,7 +8131,7 @@
               <a:buChar char="•"/>
               <a:defRPr sz="2000"/>
             </a:lvl7pPr>
-            <a:lvl8pPr indent="-355600" lvl="7" marL="3657600" algn="l">
+            <a:lvl8pPr marL="3657600" lvl="7" indent="-355600" algn="l">
               <a:lnSpc>
                 <a:spcPct val="90000"/>
               </a:lnSpc>
@@ -7946,7 +8148,7 @@
               <a:buChar char="•"/>
               <a:defRPr sz="2000"/>
             </a:lvl8pPr>
-            <a:lvl9pPr indent="-355600" lvl="8" marL="4114800" algn="l">
+            <a:lvl9pPr marL="4114800" lvl="8" indent="-355600" algn="l">
               <a:lnSpc>
                 <a:spcPct val="90000"/>
               </a:lnSpc>
@@ -7964,15 +8166,19 @@
               <a:defRPr sz="2000"/>
             </a:lvl9pPr>
           </a:lstStyle>
-          <a:p/>
+          <a:p>
+            <a:endParaRPr/>
+          </a:p>
         </p:txBody>
       </p:sp>
       <p:sp>
         <p:nvSpPr>
           <p:cNvPr id="57" name="Google Shape;57;p12"/>
-          <p:cNvSpPr txBox="1"/>
+          <p:cNvSpPr txBox="1">
+            <a:spLocks noGrp="1"/>
+          </p:cNvSpPr>
           <p:nvPr>
-            <p:ph idx="2" type="body"/>
+            <p:ph type="body" idx="2"/>
           </p:nvPr>
         </p:nvSpPr>
         <p:spPr>
@@ -7989,11 +8195,11 @@
           </a:ln>
         </p:spPr>
         <p:txBody>
-          <a:bodyPr anchorCtr="0" anchor="t" bIns="45700" lIns="91425" spcFirstLastPara="1" rIns="91425" wrap="square" tIns="45700">
+          <a:bodyPr spcFirstLastPara="1" wrap="square" lIns="91425" tIns="45700" rIns="91425" bIns="45700" anchor="t" anchorCtr="0">
             <a:normAutofit/>
           </a:bodyPr>
           <a:lstStyle>
-            <a:lvl1pPr indent="-228600" lvl="0" marL="457200" algn="l">
+            <a:lvl1pPr marL="457200" lvl="0" indent="-228600" algn="l">
               <a:lnSpc>
                 <a:spcPct val="90000"/>
               </a:lnSpc>
@@ -8010,7 +8216,7 @@
               <a:buNone/>
               <a:defRPr sz="1600"/>
             </a:lvl1pPr>
-            <a:lvl2pPr indent="-228600" lvl="1" marL="914400" algn="l">
+            <a:lvl2pPr marL="914400" lvl="1" indent="-228600" algn="l">
               <a:lnSpc>
                 <a:spcPct val="90000"/>
               </a:lnSpc>
@@ -8027,7 +8233,7 @@
               <a:buNone/>
               <a:defRPr sz="1400"/>
             </a:lvl2pPr>
-            <a:lvl3pPr indent="-228600" lvl="2" marL="1371600" algn="l">
+            <a:lvl3pPr marL="1371600" lvl="2" indent="-228600" algn="l">
               <a:lnSpc>
                 <a:spcPct val="90000"/>
               </a:lnSpc>
@@ -8044,7 +8250,7 @@
               <a:buNone/>
               <a:defRPr sz="1200"/>
             </a:lvl3pPr>
-            <a:lvl4pPr indent="-228600" lvl="3" marL="1828800" algn="l">
+            <a:lvl4pPr marL="1828800" lvl="3" indent="-228600" algn="l">
               <a:lnSpc>
                 <a:spcPct val="90000"/>
               </a:lnSpc>
@@ -8061,7 +8267,7 @@
               <a:buNone/>
               <a:defRPr sz="1000"/>
             </a:lvl4pPr>
-            <a:lvl5pPr indent="-228600" lvl="4" marL="2286000" algn="l">
+            <a:lvl5pPr marL="2286000" lvl="4" indent="-228600" algn="l">
               <a:lnSpc>
                 <a:spcPct val="90000"/>
               </a:lnSpc>
@@ -8078,7 +8284,7 @@
               <a:buNone/>
               <a:defRPr sz="1000"/>
             </a:lvl5pPr>
-            <a:lvl6pPr indent="-228600" lvl="5" marL="2743200" algn="l">
+            <a:lvl6pPr marL="2743200" lvl="5" indent="-228600" algn="l">
               <a:lnSpc>
                 <a:spcPct val="90000"/>
               </a:lnSpc>
@@ -8095,7 +8301,7 @@
               <a:buNone/>
               <a:defRPr sz="1000"/>
             </a:lvl6pPr>
-            <a:lvl7pPr indent="-228600" lvl="6" marL="3200400" algn="l">
+            <a:lvl7pPr marL="3200400" lvl="6" indent="-228600" algn="l">
               <a:lnSpc>
                 <a:spcPct val="90000"/>
               </a:lnSpc>
@@ -8112,7 +8318,7 @@
               <a:buNone/>
               <a:defRPr sz="1000"/>
             </a:lvl7pPr>
-            <a:lvl8pPr indent="-228600" lvl="7" marL="3657600" algn="l">
+            <a:lvl8pPr marL="3657600" lvl="7" indent="-228600" algn="l">
               <a:lnSpc>
                 <a:spcPct val="90000"/>
               </a:lnSpc>
@@ -8129,7 +8335,7 @@
               <a:buNone/>
               <a:defRPr sz="1000"/>
             </a:lvl8pPr>
-            <a:lvl9pPr indent="-228600" lvl="8" marL="4114800" algn="l">
+            <a:lvl9pPr marL="4114800" lvl="8" indent="-228600" algn="l">
               <a:lnSpc>
                 <a:spcPct val="90000"/>
               </a:lnSpc>
@@ -8147,15 +8353,19 @@
               <a:defRPr sz="1000"/>
             </a:lvl9pPr>
           </a:lstStyle>
-          <a:p/>
+          <a:p>
+            <a:endParaRPr/>
+          </a:p>
         </p:txBody>
       </p:sp>
       <p:sp>
         <p:nvSpPr>
           <p:cNvPr id="58" name="Google Shape;58;p12"/>
-          <p:cNvSpPr txBox="1"/>
+          <p:cNvSpPr txBox="1">
+            <a:spLocks noGrp="1"/>
+          </p:cNvSpPr>
           <p:nvPr>
-            <p:ph idx="10" type="dt"/>
+            <p:ph type="dt" idx="10"/>
           </p:nvPr>
         </p:nvSpPr>
         <p:spPr>
@@ -8172,7 +8382,7 @@
           </a:ln>
         </p:spPr>
         <p:txBody>
-          <a:bodyPr anchorCtr="0" anchor="ctr" bIns="45700" lIns="91425" spcFirstLastPara="1" rIns="91425" wrap="square" tIns="45700">
+          <a:bodyPr spcFirstLastPara="1" wrap="square" lIns="91425" tIns="45700" rIns="91425" bIns="45700" anchor="ctr" anchorCtr="0">
             <a:noAutofit/>
           </a:bodyPr>
           <a:lstStyle>
@@ -8276,15 +8486,19 @@
               <a:defRPr/>
             </a:lvl9pPr>
           </a:lstStyle>
-          <a:p/>
+          <a:p>
+            <a:endParaRPr/>
+          </a:p>
         </p:txBody>
       </p:sp>
       <p:sp>
         <p:nvSpPr>
           <p:cNvPr id="59" name="Google Shape;59;p12"/>
-          <p:cNvSpPr txBox="1"/>
+          <p:cNvSpPr txBox="1">
+            <a:spLocks noGrp="1"/>
+          </p:cNvSpPr>
           <p:nvPr>
-            <p:ph idx="11" type="ftr"/>
+            <p:ph type="ftr" idx="11"/>
           </p:nvPr>
         </p:nvSpPr>
         <p:spPr>
@@ -8301,7 +8515,7 @@
           </a:ln>
         </p:spPr>
         <p:txBody>
-          <a:bodyPr anchorCtr="0" anchor="ctr" bIns="45700" lIns="91425" spcFirstLastPara="1" rIns="91425" wrap="square" tIns="45700">
+          <a:bodyPr spcFirstLastPara="1" wrap="square" lIns="91425" tIns="45700" rIns="91425" bIns="45700" anchor="ctr" anchorCtr="0">
             <a:noAutofit/>
           </a:bodyPr>
           <a:lstStyle>
@@ -8405,15 +8619,19 @@
               <a:defRPr/>
             </a:lvl9pPr>
           </a:lstStyle>
-          <a:p/>
+          <a:p>
+            <a:endParaRPr/>
+          </a:p>
         </p:txBody>
       </p:sp>
       <p:sp>
         <p:nvSpPr>
           <p:cNvPr id="60" name="Google Shape;60;p12"/>
-          <p:cNvSpPr txBox="1"/>
+          <p:cNvSpPr txBox="1">
+            <a:spLocks noGrp="1"/>
+          </p:cNvSpPr>
           <p:nvPr>
-            <p:ph idx="12" type="sldNum"/>
+            <p:ph type="sldNum" idx="12"/>
           </p:nvPr>
         </p:nvSpPr>
         <p:spPr>
@@ -8430,67 +8648,67 @@
           </a:ln>
         </p:spPr>
         <p:txBody>
-          <a:bodyPr anchorCtr="0" anchor="ctr" bIns="45700" lIns="91425" spcFirstLastPara="1" rIns="91425" wrap="square" tIns="45700">
+          <a:bodyPr spcFirstLastPara="1" wrap="square" lIns="91425" tIns="45700" rIns="91425" bIns="45700" anchor="ctr" anchorCtr="0">
             <a:noAutofit/>
           </a:bodyPr>
           <a:lstStyle>
-            <a:lvl1pPr indent="0" lvl="0" marL="0" algn="r">
+            <a:lvl1pPr marL="0" lvl="0" indent="0" algn="r">
               <a:spcBef>
                 <a:spcPts val="0"/>
               </a:spcBef>
               <a:buNone/>
               <a:defRPr/>
             </a:lvl1pPr>
-            <a:lvl2pPr indent="0" lvl="1" marL="0" algn="r">
+            <a:lvl2pPr marL="0" lvl="1" indent="0" algn="r">
               <a:spcBef>
                 <a:spcPts val="0"/>
               </a:spcBef>
               <a:buNone/>
               <a:defRPr/>
             </a:lvl2pPr>
-            <a:lvl3pPr indent="0" lvl="2" marL="0" algn="r">
+            <a:lvl3pPr marL="0" lvl="2" indent="0" algn="r">
               <a:spcBef>
                 <a:spcPts val="0"/>
               </a:spcBef>
               <a:buNone/>
               <a:defRPr/>
             </a:lvl3pPr>
-            <a:lvl4pPr indent="0" lvl="3" marL="0" algn="r">
+            <a:lvl4pPr marL="0" lvl="3" indent="0" algn="r">
               <a:spcBef>
                 <a:spcPts val="0"/>
               </a:spcBef>
               <a:buNone/>
               <a:defRPr/>
             </a:lvl4pPr>
-            <a:lvl5pPr indent="0" lvl="4" marL="0" algn="r">
+            <a:lvl5pPr marL="0" lvl="4" indent="0" algn="r">
               <a:spcBef>
                 <a:spcPts val="0"/>
               </a:spcBef>
               <a:buNone/>
               <a:defRPr/>
             </a:lvl5pPr>
-            <a:lvl6pPr indent="0" lvl="5" marL="0" algn="r">
+            <a:lvl6pPr marL="0" lvl="5" indent="0" algn="r">
               <a:spcBef>
                 <a:spcPts val="0"/>
               </a:spcBef>
               <a:buNone/>
               <a:defRPr/>
             </a:lvl6pPr>
-            <a:lvl7pPr indent="0" lvl="6" marL="0" algn="r">
+            <a:lvl7pPr marL="0" lvl="6" indent="0" algn="r">
               <a:spcBef>
                 <a:spcPts val="0"/>
               </a:spcBef>
               <a:buNone/>
               <a:defRPr/>
             </a:lvl7pPr>
-            <a:lvl8pPr indent="0" lvl="7" marL="0" algn="r">
+            <a:lvl8pPr marL="0" lvl="7" indent="0" algn="r">
               <a:spcBef>
                 <a:spcPts val="0"/>
               </a:spcBef>
               <a:buNone/>
               <a:defRPr/>
             </a:lvl8pPr>
-            <a:lvl9pPr indent="0" lvl="8" marL="0" algn="r">
+            <a:lvl9pPr marL="0" lvl="8" indent="0" algn="r">
               <a:spcBef>
                 <a:spcPts val="0"/>
               </a:spcBef>
@@ -8499,7 +8717,7 @@
             </a:lvl9pPr>
           </a:lstStyle>
           <a:p>
-            <a:pPr indent="0" lvl="0" marL="0" rtl="0" algn="r">
+            <a:pPr marL="0" lvl="0" indent="0" algn="r" rtl="0">
               <a:spcBef>
                 <a:spcPts val="0"/>
               </a:spcBef>
@@ -8525,11 +8743,11 @@
 </file>
 
 <file path=ppt/slideLayouts/slideLayout9.xml><?xml version="1.0" encoding="utf-8"?>
-<p:sldLayout xmlns:a="http://schemas.openxmlformats.org/drawingml/2006/main" xmlns:r="http://schemas.openxmlformats.org/officeDocument/2006/relationships" xmlns:mc="http://schemas.openxmlformats.org/markup-compatibility/2006" xmlns:mv="urn:schemas-microsoft-com:mac:vml" xmlns:p="http://schemas.openxmlformats.org/presentationml/2006/main" xmlns:c="http://schemas.openxmlformats.org/drawingml/2006/chart" xmlns:dgm="http://schemas.openxmlformats.org/drawingml/2006/diagram" xmlns:o="urn:schemas-microsoft-com:office:office" xmlns:v="urn:schemas-microsoft-com:vml" xmlns:pvml="urn:schemas-microsoft-com:office:powerpoint" xmlns:com="http://schemas.openxmlformats.org/drawingml/2006/compatibility" xmlns:p14="http://schemas.microsoft.com/office/powerpoint/2010/main" xmlns:p15="http://schemas.microsoft.com/office/powerpoint/2012/main" xmlns:ahyp="http://schemas.microsoft.com/office/drawing/2018/hyperlinkcolor" matchingName="Picture with Caption" type="picTx">
+<p:sldLayout xmlns:a="http://schemas.openxmlformats.org/drawingml/2006/main" xmlns:r="http://schemas.openxmlformats.org/officeDocument/2006/relationships" xmlns:p="http://schemas.openxmlformats.org/presentationml/2006/main" matchingName="Picture with Caption" type="picTx">
   <p:cSld name="PICTURE_WITH_CAPTION_TEXT">
     <p:spTree>
       <p:nvGrpSpPr>
-        <p:cNvPr id="61" name="Shape 61"/>
+        <p:cNvPr id="1" name="Shape 61"/>
         <p:cNvGrpSpPr/>
         <p:nvPr/>
       </p:nvGrpSpPr>
@@ -8544,7 +8762,9 @@
       <p:sp>
         <p:nvSpPr>
           <p:cNvPr id="62" name="Google Shape;62;p13"/>
-          <p:cNvSpPr txBox="1"/>
+          <p:cNvSpPr txBox="1">
+            <a:spLocks noGrp="1"/>
+          </p:cNvSpPr>
           <p:nvPr>
             <p:ph type="title"/>
           </p:nvPr>
@@ -8563,7 +8783,7 @@
           </a:ln>
         </p:spPr>
         <p:txBody>
-          <a:bodyPr anchorCtr="0" anchor="b" bIns="45700" lIns="91425" spcFirstLastPara="1" rIns="91425" wrap="square" tIns="45700">
+          <a:bodyPr spcFirstLastPara="1" wrap="square" lIns="91425" tIns="45700" rIns="91425" bIns="45700" anchor="b" anchorCtr="0">
             <a:normAutofit/>
           </a:bodyPr>
           <a:lstStyle>
@@ -8674,15 +8894,19 @@
               <a:defRPr/>
             </a:lvl9pPr>
           </a:lstStyle>
-          <a:p/>
+          <a:p>
+            <a:endParaRPr/>
+          </a:p>
         </p:txBody>
       </p:sp>
       <p:sp>
         <p:nvSpPr>
           <p:cNvPr id="63" name="Google Shape;63;p13"/>
-          <p:cNvSpPr/>
+          <p:cNvSpPr>
+            <a:spLocks noGrp="1"/>
+          </p:cNvSpPr>
           <p:nvPr>
-            <p:ph idx="2" type="pic"/>
+            <p:ph type="pic" idx="2"/>
           </p:nvPr>
         </p:nvSpPr>
         <p:spPr>
@@ -8702,9 +8926,11 @@
       <p:sp>
         <p:nvSpPr>
           <p:cNvPr id="64" name="Google Shape;64;p13"/>
-          <p:cNvSpPr txBox="1"/>
+          <p:cNvSpPr txBox="1">
+            <a:spLocks noGrp="1"/>
+          </p:cNvSpPr>
           <p:nvPr>
-            <p:ph idx="1" type="body"/>
+            <p:ph type="body" idx="1"/>
           </p:nvPr>
         </p:nvSpPr>
         <p:spPr>
@@ -8721,11 +8947,11 @@
           </a:ln>
         </p:spPr>
         <p:txBody>
-          <a:bodyPr anchorCtr="0" anchor="t" bIns="45700" lIns="91425" spcFirstLastPara="1" rIns="91425" wrap="square" tIns="45700">
+          <a:bodyPr spcFirstLastPara="1" wrap="square" lIns="91425" tIns="45700" rIns="91425" bIns="45700" anchor="t" anchorCtr="0">
             <a:normAutofit/>
           </a:bodyPr>
           <a:lstStyle>
-            <a:lvl1pPr indent="-228600" lvl="0" marL="457200" algn="l">
+            <a:lvl1pPr marL="457200" lvl="0" indent="-228600" algn="l">
               <a:lnSpc>
                 <a:spcPct val="90000"/>
               </a:lnSpc>
@@ -8742,7 +8968,7 @@
               <a:buNone/>
               <a:defRPr sz="1600"/>
             </a:lvl1pPr>
-            <a:lvl2pPr indent="-228600" lvl="1" marL="914400" algn="l">
+            <a:lvl2pPr marL="914400" lvl="1" indent="-228600" algn="l">
               <a:lnSpc>
                 <a:spcPct val="90000"/>
               </a:lnSpc>
@@ -8759,7 +8985,7 @@
               <a:buNone/>
               <a:defRPr sz="1400"/>
             </a:lvl2pPr>
-            <a:lvl3pPr indent="-228600" lvl="2" marL="1371600" algn="l">
+            <a:lvl3pPr marL="1371600" lvl="2" indent="-228600" algn="l">
               <a:lnSpc>
                 <a:spcPct val="90000"/>
               </a:lnSpc>
@@ -8776,7 +9002,7 @@
               <a:buNone/>
               <a:defRPr sz="1200"/>
             </a:lvl3pPr>
-            <a:lvl4pPr indent="-228600" lvl="3" marL="1828800" algn="l">
+            <a:lvl4pPr marL="1828800" lvl="3" indent="-228600" algn="l">
               <a:lnSpc>
                 <a:spcPct val="90000"/>
               </a:lnSpc>
@@ -8793,7 +9019,7 @@
               <a:buNone/>
               <a:defRPr sz="1000"/>
             </a:lvl4pPr>
-            <a:lvl5pPr indent="-228600" lvl="4" marL="2286000" algn="l">
+            <a:lvl5pPr marL="2286000" lvl="4" indent="-228600" algn="l">
               <a:lnSpc>
                 <a:spcPct val="90000"/>
               </a:lnSpc>
@@ -8810,7 +9036,7 @@
               <a:buNone/>
               <a:defRPr sz="1000"/>
             </a:lvl5pPr>
-            <a:lvl6pPr indent="-228600" lvl="5" marL="2743200" algn="l">
+            <a:lvl6pPr marL="2743200" lvl="5" indent="-228600" algn="l">
               <a:lnSpc>
                 <a:spcPct val="90000"/>
               </a:lnSpc>
@@ -8827,7 +9053,7 @@
               <a:buNone/>
               <a:defRPr sz="1000"/>
             </a:lvl6pPr>
-            <a:lvl7pPr indent="-228600" lvl="6" marL="3200400" algn="l">
+            <a:lvl7pPr marL="3200400" lvl="6" indent="-228600" algn="l">
               <a:lnSpc>
                 <a:spcPct val="90000"/>
               </a:lnSpc>
@@ -8844,7 +9070,7 @@
               <a:buNone/>
               <a:defRPr sz="1000"/>
             </a:lvl7pPr>
-            <a:lvl8pPr indent="-228600" lvl="7" marL="3657600" algn="l">
+            <a:lvl8pPr marL="3657600" lvl="7" indent="-228600" algn="l">
               <a:lnSpc>
                 <a:spcPct val="90000"/>
               </a:lnSpc>
@@ -8861,7 +9087,7 @@
               <a:buNone/>
               <a:defRPr sz="1000"/>
             </a:lvl8pPr>
-            <a:lvl9pPr indent="-228600" lvl="8" marL="4114800" algn="l">
+            <a:lvl9pPr marL="4114800" lvl="8" indent="-228600" algn="l">
               <a:lnSpc>
                 <a:spcPct val="90000"/>
               </a:lnSpc>
@@ -8879,15 +9105,19 @@
               <a:defRPr sz="1000"/>
             </a:lvl9pPr>
           </a:lstStyle>
-          <a:p/>
+          <a:p>
+            <a:endParaRPr/>
+          </a:p>
         </p:txBody>
       </p:sp>
       <p:sp>
         <p:nvSpPr>
           <p:cNvPr id="65" name="Google Shape;65;p13"/>
-          <p:cNvSpPr txBox="1"/>
+          <p:cNvSpPr txBox="1">
+            <a:spLocks noGrp="1"/>
+          </p:cNvSpPr>
           <p:nvPr>
-            <p:ph idx="10" type="dt"/>
+            <p:ph type="dt" idx="10"/>
           </p:nvPr>
         </p:nvSpPr>
         <p:spPr>
@@ -8904,7 +9134,7 @@
           </a:ln>
         </p:spPr>
         <p:txBody>
-          <a:bodyPr anchorCtr="0" anchor="ctr" bIns="45700" lIns="91425" spcFirstLastPara="1" rIns="91425" wrap="square" tIns="45700">
+          <a:bodyPr spcFirstLastPara="1" wrap="square" lIns="91425" tIns="45700" rIns="91425" bIns="45700" anchor="ctr" anchorCtr="0">
             <a:noAutofit/>
           </a:bodyPr>
           <a:lstStyle>
@@ -9008,15 +9238,19 @@
               <a:defRPr/>
             </a:lvl9pPr>
           </a:lstStyle>
-          <a:p/>
+          <a:p>
+            <a:endParaRPr/>
+          </a:p>
         </p:txBody>
       </p:sp>
       <p:sp>
         <p:nvSpPr>
           <p:cNvPr id="66" name="Google Shape;66;p13"/>
-          <p:cNvSpPr txBox="1"/>
+          <p:cNvSpPr txBox="1">
+            <a:spLocks noGrp="1"/>
+          </p:cNvSpPr>
           <p:nvPr>
-            <p:ph idx="11" type="ftr"/>
+            <p:ph type="ftr" idx="11"/>
           </p:nvPr>
         </p:nvSpPr>
         <p:spPr>
@@ -9033,7 +9267,7 @@
           </a:ln>
         </p:spPr>
         <p:txBody>
-          <a:bodyPr anchorCtr="0" anchor="ctr" bIns="45700" lIns="91425" spcFirstLastPara="1" rIns="91425" wrap="square" tIns="45700">
+          <a:bodyPr spcFirstLastPara="1" wrap="square" lIns="91425" tIns="45700" rIns="91425" bIns="45700" anchor="ctr" anchorCtr="0">
             <a:noAutofit/>
           </a:bodyPr>
           <a:lstStyle>
@@ -9137,15 +9371,19 @@
               <a:defRPr/>
             </a:lvl9pPr>
           </a:lstStyle>
-          <a:p/>
+          <a:p>
+            <a:endParaRPr/>
+          </a:p>
         </p:txBody>
       </p:sp>
       <p:sp>
         <p:nvSpPr>
           <p:cNvPr id="67" name="Google Shape;67;p13"/>
-          <p:cNvSpPr txBox="1"/>
+          <p:cNvSpPr txBox="1">
+            <a:spLocks noGrp="1"/>
+          </p:cNvSpPr>
           <p:nvPr>
-            <p:ph idx="12" type="sldNum"/>
+            <p:ph type="sldNum" idx="12"/>
           </p:nvPr>
         </p:nvSpPr>
         <p:spPr>
@@ -9162,67 +9400,67 @@
           </a:ln>
         </p:spPr>
         <p:txBody>
-          <a:bodyPr anchorCtr="0" anchor="ctr" bIns="45700" lIns="91425" spcFirstLastPara="1" rIns="91425" wrap="square" tIns="45700">
+          <a:bodyPr spcFirstLastPara="1" wrap="square" lIns="91425" tIns="45700" rIns="91425" bIns="45700" anchor="ctr" anchorCtr="0">
             <a:noAutofit/>
           </a:bodyPr>
           <a:lstStyle>
-            <a:lvl1pPr indent="0" lvl="0" marL="0" algn="r">
+            <a:lvl1pPr marL="0" lvl="0" indent="0" algn="r">
               <a:spcBef>
                 <a:spcPts val="0"/>
               </a:spcBef>
               <a:buNone/>
               <a:defRPr/>
             </a:lvl1pPr>
-            <a:lvl2pPr indent="0" lvl="1" marL="0" algn="r">
+            <a:lvl2pPr marL="0" lvl="1" indent="0" algn="r">
               <a:spcBef>
                 <a:spcPts val="0"/>
               </a:spcBef>
               <a:buNone/>
               <a:defRPr/>
             </a:lvl2pPr>
-            <a:lvl3pPr indent="0" lvl="2" marL="0" algn="r">
+            <a:lvl3pPr marL="0" lvl="2" indent="0" algn="r">
               <a:spcBef>
                 <a:spcPts val="0"/>
               </a:spcBef>
               <a:buNone/>
               <a:defRPr/>
             </a:lvl3pPr>
-            <a:lvl4pPr indent="0" lvl="3" marL="0" algn="r">
+            <a:lvl4pPr marL="0" lvl="3" indent="0" algn="r">
               <a:spcBef>
                 <a:spcPts val="0"/>
               </a:spcBef>
               <a:buNone/>
               <a:defRPr/>
             </a:lvl4pPr>
-            <a:lvl5pPr indent="0" lvl="4" marL="0" algn="r">
+            <a:lvl5pPr marL="0" lvl="4" indent="0" algn="r">
               <a:spcBef>
                 <a:spcPts val="0"/>
               </a:spcBef>
               <a:buNone/>
               <a:defRPr/>
             </a:lvl5pPr>
-            <a:lvl6pPr indent="0" lvl="5" marL="0" algn="r">
+            <a:lvl6pPr marL="0" lvl="5" indent="0" algn="r">
               <a:spcBef>
                 <a:spcPts val="0"/>
               </a:spcBef>
               <a:buNone/>
               <a:defRPr/>
             </a:lvl6pPr>
-            <a:lvl7pPr indent="0" lvl="6" marL="0" algn="r">
+            <a:lvl7pPr marL="0" lvl="6" indent="0" algn="r">
               <a:spcBef>
                 <a:spcPts val="0"/>
               </a:spcBef>
               <a:buNone/>
               <a:defRPr/>
             </a:lvl7pPr>
-            <a:lvl8pPr indent="0" lvl="7" marL="0" algn="r">
+            <a:lvl8pPr marL="0" lvl="7" indent="0" algn="r">
               <a:spcBef>
                 <a:spcPts val="0"/>
               </a:spcBef>
               <a:buNone/>
               <a:defRPr/>
             </a:lvl8pPr>
-            <a:lvl9pPr indent="0" lvl="8" marL="0" algn="r">
+            <a:lvl9pPr marL="0" lvl="8" indent="0" algn="r">
               <a:spcBef>
                 <a:spcPts val="0"/>
               </a:spcBef>
@@ -9231,7 +9469,7 @@
             </a:lvl9pPr>
           </a:lstStyle>
           <a:p>
-            <a:pPr indent="0" lvl="0" marL="0" rtl="0" algn="r">
+            <a:pPr marL="0" lvl="0" indent="0" algn="r" rtl="0">
               <a:spcBef>
                 <a:spcPts val="0"/>
               </a:spcBef>
@@ -9257,18 +9495,19 @@
 </file>
 
 <file path=ppt/slideMasters/slideMaster1.xml><?xml version="1.0" encoding="utf-8"?>
-<p:sldMaster xmlns:a="http://schemas.openxmlformats.org/drawingml/2006/main" xmlns:r="http://schemas.openxmlformats.org/officeDocument/2006/relationships" xmlns:mc="http://schemas.openxmlformats.org/markup-compatibility/2006" xmlns:mv="urn:schemas-microsoft-com:mac:vml" xmlns:p="http://schemas.openxmlformats.org/presentationml/2006/main" xmlns:c="http://schemas.openxmlformats.org/drawingml/2006/chart" xmlns:dgm="http://schemas.openxmlformats.org/drawingml/2006/diagram" xmlns:o="urn:schemas-microsoft-com:office:office" xmlns:v="urn:schemas-microsoft-com:vml" xmlns:pvml="urn:schemas-microsoft-com:office:powerpoint" xmlns:com="http://schemas.openxmlformats.org/drawingml/2006/compatibility" xmlns:p14="http://schemas.microsoft.com/office/powerpoint/2010/main" xmlns:p15="http://schemas.microsoft.com/office/powerpoint/2012/main" xmlns:ahyp="http://schemas.microsoft.com/office/drawing/2018/hyperlinkcolor">
+<p:sldMaster xmlns:a="http://schemas.openxmlformats.org/drawingml/2006/main" xmlns:r="http://schemas.openxmlformats.org/officeDocument/2006/relationships" xmlns:p="http://schemas.openxmlformats.org/presentationml/2006/main">
   <p:cSld>
     <p:bg>
       <p:bgPr>
         <a:solidFill>
           <a:schemeClr val="lt1"/>
         </a:solidFill>
+        <a:effectLst/>
       </p:bgPr>
     </p:bg>
     <p:spTree>
       <p:nvGrpSpPr>
-        <p:cNvPr id="5" name="Shape 5"/>
+        <p:cNvPr id="1" name="Shape 5"/>
         <p:cNvGrpSpPr/>
         <p:nvPr/>
       </p:nvGrpSpPr>
@@ -9283,7 +9522,9 @@
       <p:sp>
         <p:nvSpPr>
           <p:cNvPr id="6" name="Google Shape;6;p4"/>
-          <p:cNvSpPr txBox="1"/>
+          <p:cNvSpPr txBox="1">
+            <a:spLocks noGrp="1"/>
+          </p:cNvSpPr>
           <p:nvPr>
             <p:ph type="title"/>
           </p:nvPr>
@@ -9302,11 +9543,11 @@
           </a:ln>
         </p:spPr>
         <p:txBody>
-          <a:bodyPr anchorCtr="0" anchor="ctr" bIns="45700" lIns="91425" spcFirstLastPara="1" rIns="91425" wrap="square" tIns="45700">
+          <a:bodyPr spcFirstLastPara="1" wrap="square" lIns="91425" tIns="45700" rIns="91425" bIns="45700" anchor="ctr" anchorCtr="0">
             <a:normAutofit/>
           </a:bodyPr>
           <a:lstStyle>
-            <a:lvl1pPr lvl="0" marR="0" rtl="0" algn="l">
+            <a:lvl1pPr marR="0" lvl="0" algn="l" rtl="0">
               <a:lnSpc>
                 <a:spcPct val="90000"/>
               </a:lnSpc>
@@ -9322,7 +9563,7 @@
               <a:buSzPts val="4400"/>
               <a:buFont typeface="Play"/>
               <a:buNone/>
-              <a:defRPr b="0" i="0" sz="4400" u="none" cap="none" strike="noStrike">
+              <a:defRPr sz="4400" b="0" i="0" u="none" strike="noStrike" cap="none">
                 <a:solidFill>
                   <a:schemeClr val="dk1"/>
                 </a:solidFill>
@@ -9421,15 +9662,19 @@
               <a:defRPr sz="1800"/>
             </a:lvl9pPr>
           </a:lstStyle>
-          <a:p/>
+          <a:p>
+            <a:endParaRPr/>
+          </a:p>
         </p:txBody>
       </p:sp>
       <p:sp>
         <p:nvSpPr>
           <p:cNvPr id="7" name="Google Shape;7;p4"/>
-          <p:cNvSpPr txBox="1"/>
+          <p:cNvSpPr txBox="1">
+            <a:spLocks noGrp="1"/>
+          </p:cNvSpPr>
           <p:nvPr>
-            <p:ph idx="1" type="body"/>
+            <p:ph type="body" idx="1"/>
           </p:nvPr>
         </p:nvSpPr>
         <p:spPr>
@@ -9446,11 +9691,11 @@
           </a:ln>
         </p:spPr>
         <p:txBody>
-          <a:bodyPr anchorCtr="0" anchor="t" bIns="45700" lIns="91425" spcFirstLastPara="1" rIns="91425" wrap="square" tIns="45700">
+          <a:bodyPr spcFirstLastPara="1" wrap="square" lIns="91425" tIns="45700" rIns="91425" bIns="45700" anchor="t" anchorCtr="0">
             <a:normAutofit/>
           </a:bodyPr>
           <a:lstStyle>
-            <a:lvl1pPr indent="-406400" lvl="0" marL="457200" marR="0" rtl="0" algn="l">
+            <a:lvl1pPr marL="457200" marR="0" lvl="0" indent="-406400" algn="l" rtl="0">
               <a:lnSpc>
                 <a:spcPct val="90000"/>
               </a:lnSpc>
@@ -9466,7 +9711,7 @@
               <a:buSzPts val="2800"/>
               <a:buFont typeface="Arial"/>
               <a:buChar char="•"/>
-              <a:defRPr b="0" i="0" sz="2800" u="none" cap="none" strike="noStrike">
+              <a:defRPr sz="2800" b="0" i="0" u="none" strike="noStrike" cap="none">
                 <a:solidFill>
                   <a:schemeClr val="dk1"/>
                 </a:solidFill>
@@ -9476,7 +9721,7 @@
                 <a:sym typeface="Arial"/>
               </a:defRPr>
             </a:lvl1pPr>
-            <a:lvl2pPr indent="-381000" lvl="1" marL="914400" marR="0" rtl="0" algn="l">
+            <a:lvl2pPr marL="914400" marR="0" lvl="1" indent="-381000" algn="l" rtl="0">
               <a:lnSpc>
                 <a:spcPct val="90000"/>
               </a:lnSpc>
@@ -9492,7 +9737,7 @@
               <a:buSzPts val="2400"/>
               <a:buFont typeface="Arial"/>
               <a:buChar char="•"/>
-              <a:defRPr b="0" i="0" sz="2400" u="none" cap="none" strike="noStrike">
+              <a:defRPr sz="2400" b="0" i="0" u="none" strike="noStrike" cap="none">
                 <a:solidFill>
                   <a:schemeClr val="dk1"/>
                 </a:solidFill>
@@ -9502,7 +9747,7 @@
                 <a:sym typeface="Arial"/>
               </a:defRPr>
             </a:lvl2pPr>
-            <a:lvl3pPr indent="-355600" lvl="2" marL="1371600" marR="0" rtl="0" algn="l">
+            <a:lvl3pPr marL="1371600" marR="0" lvl="2" indent="-355600" algn="l" rtl="0">
               <a:lnSpc>
                 <a:spcPct val="90000"/>
               </a:lnSpc>
@@ -9518,7 +9763,7 @@
               <a:buSzPts val="2000"/>
               <a:buFont typeface="Arial"/>
               <a:buChar char="•"/>
-              <a:defRPr b="0" i="0" sz="2000" u="none" cap="none" strike="noStrike">
+              <a:defRPr sz="2000" b="0" i="0" u="none" strike="noStrike" cap="none">
                 <a:solidFill>
                   <a:schemeClr val="dk1"/>
                 </a:solidFill>
@@ -9528,7 +9773,7 @@
                 <a:sym typeface="Arial"/>
               </a:defRPr>
             </a:lvl3pPr>
-            <a:lvl4pPr indent="-342900" lvl="3" marL="1828800" marR="0" rtl="0" algn="l">
+            <a:lvl4pPr marL="1828800" marR="0" lvl="3" indent="-342900" algn="l" rtl="0">
               <a:lnSpc>
                 <a:spcPct val="90000"/>
               </a:lnSpc>
@@ -9544,7 +9789,7 @@
               <a:buSzPts val="1800"/>
               <a:buFont typeface="Arial"/>
               <a:buChar char="•"/>
-              <a:defRPr b="0" i="0" sz="1800" u="none" cap="none" strike="noStrike">
+              <a:defRPr sz="1800" b="0" i="0" u="none" strike="noStrike" cap="none">
                 <a:solidFill>
                   <a:schemeClr val="dk1"/>
                 </a:solidFill>
@@ -9554,7 +9799,7 @@
                 <a:sym typeface="Arial"/>
               </a:defRPr>
             </a:lvl4pPr>
-            <a:lvl5pPr indent="-342900" lvl="4" marL="2286000" marR="0" rtl="0" algn="l">
+            <a:lvl5pPr marL="2286000" marR="0" lvl="4" indent="-342900" algn="l" rtl="0">
               <a:lnSpc>
                 <a:spcPct val="90000"/>
               </a:lnSpc>
@@ -9570,7 +9815,7 @@
               <a:buSzPts val="1800"/>
               <a:buFont typeface="Arial"/>
               <a:buChar char="•"/>
-              <a:defRPr b="0" i="0" sz="1800" u="none" cap="none" strike="noStrike">
+              <a:defRPr sz="1800" b="0" i="0" u="none" strike="noStrike" cap="none">
                 <a:solidFill>
                   <a:schemeClr val="dk1"/>
                 </a:solidFill>
@@ -9580,7 +9825,7 @@
                 <a:sym typeface="Arial"/>
               </a:defRPr>
             </a:lvl5pPr>
-            <a:lvl6pPr indent="-342900" lvl="5" marL="2743200" marR="0" rtl="0" algn="l">
+            <a:lvl6pPr marL="2743200" marR="0" lvl="5" indent="-342900" algn="l" rtl="0">
               <a:lnSpc>
                 <a:spcPct val="90000"/>
               </a:lnSpc>
@@ -9596,7 +9841,7 @@
               <a:buSzPts val="1800"/>
               <a:buFont typeface="Arial"/>
               <a:buChar char="•"/>
-              <a:defRPr b="0" i="0" sz="1800" u="none" cap="none" strike="noStrike">
+              <a:defRPr sz="1800" b="0" i="0" u="none" strike="noStrike" cap="none">
                 <a:solidFill>
                   <a:schemeClr val="dk1"/>
                 </a:solidFill>
@@ -9606,7 +9851,7 @@
                 <a:sym typeface="Arial"/>
               </a:defRPr>
             </a:lvl6pPr>
-            <a:lvl7pPr indent="-342900" lvl="6" marL="3200400" marR="0" rtl="0" algn="l">
+            <a:lvl7pPr marL="3200400" marR="0" lvl="6" indent="-342900" algn="l" rtl="0">
               <a:lnSpc>
                 <a:spcPct val="90000"/>
               </a:lnSpc>
@@ -9622,7 +9867,7 @@
               <a:buSzPts val="1800"/>
               <a:buFont typeface="Arial"/>
               <a:buChar char="•"/>
-              <a:defRPr b="0" i="0" sz="1800" u="none" cap="none" strike="noStrike">
+              <a:defRPr sz="1800" b="0" i="0" u="none" strike="noStrike" cap="none">
                 <a:solidFill>
                   <a:schemeClr val="dk1"/>
                 </a:solidFill>
@@ -9632,7 +9877,7 @@
                 <a:sym typeface="Arial"/>
               </a:defRPr>
             </a:lvl7pPr>
-            <a:lvl8pPr indent="-342900" lvl="7" marL="3657600" marR="0" rtl="0" algn="l">
+            <a:lvl8pPr marL="3657600" marR="0" lvl="7" indent="-342900" algn="l" rtl="0">
               <a:lnSpc>
                 <a:spcPct val="90000"/>
               </a:lnSpc>
@@ -9648,7 +9893,7 @@
               <a:buSzPts val="1800"/>
               <a:buFont typeface="Arial"/>
               <a:buChar char="•"/>
-              <a:defRPr b="0" i="0" sz="1800" u="none" cap="none" strike="noStrike">
+              <a:defRPr sz="1800" b="0" i="0" u="none" strike="noStrike" cap="none">
                 <a:solidFill>
                   <a:schemeClr val="dk1"/>
                 </a:solidFill>
@@ -9658,7 +9903,7 @@
                 <a:sym typeface="Arial"/>
               </a:defRPr>
             </a:lvl8pPr>
-            <a:lvl9pPr indent="-342900" lvl="8" marL="4114800" marR="0" rtl="0" algn="l">
+            <a:lvl9pPr marL="4114800" marR="0" lvl="8" indent="-342900" algn="l" rtl="0">
               <a:lnSpc>
                 <a:spcPct val="90000"/>
               </a:lnSpc>
@@ -9674,7 +9919,7 @@
               <a:buSzPts val="1800"/>
               <a:buFont typeface="Arial"/>
               <a:buChar char="•"/>
-              <a:defRPr b="0" i="0" sz="1800" u="none" cap="none" strike="noStrike">
+              <a:defRPr sz="1800" b="0" i="0" u="none" strike="noStrike" cap="none">
                 <a:solidFill>
                   <a:schemeClr val="dk1"/>
                 </a:solidFill>
@@ -9685,15 +9930,19 @@
               </a:defRPr>
             </a:lvl9pPr>
           </a:lstStyle>
-          <a:p/>
+          <a:p>
+            <a:endParaRPr/>
+          </a:p>
         </p:txBody>
       </p:sp>
       <p:sp>
         <p:nvSpPr>
           <p:cNvPr id="8" name="Google Shape;8;p4"/>
-          <p:cNvSpPr txBox="1"/>
+          <p:cNvSpPr txBox="1">
+            <a:spLocks noGrp="1"/>
+          </p:cNvSpPr>
           <p:nvPr>
-            <p:ph idx="10" type="dt"/>
+            <p:ph type="dt" idx="10"/>
           </p:nvPr>
         </p:nvSpPr>
         <p:spPr>
@@ -9710,20 +9959,20 @@
           </a:ln>
         </p:spPr>
         <p:txBody>
-          <a:bodyPr anchorCtr="0" anchor="ctr" bIns="45700" lIns="91425" spcFirstLastPara="1" rIns="91425" wrap="square" tIns="45700">
+          <a:bodyPr spcFirstLastPara="1" wrap="square" lIns="91425" tIns="45700" rIns="91425" bIns="45700" anchor="ctr" anchorCtr="0">
             <a:noAutofit/>
           </a:bodyPr>
           <a:lstStyle>
-            <a:lvl1pPr lvl="0" marR="0" rtl="0" algn="l">
-              <a:spcBef>
-                <a:spcPts val="0"/>
-              </a:spcBef>
-              <a:spcAft>
-                <a:spcPts val="0"/>
-              </a:spcAft>
-              <a:buSzPts val="1400"/>
-              <a:buNone/>
-              <a:defRPr b="0" i="0" sz="1200" u="none" cap="none" strike="noStrike">
+            <a:lvl1pPr marR="0" lvl="0" algn="l" rtl="0">
+              <a:spcBef>
+                <a:spcPts val="0"/>
+              </a:spcBef>
+              <a:spcAft>
+                <a:spcPts val="0"/>
+              </a:spcAft>
+              <a:buSzPts val="1400"/>
+              <a:buNone/>
+              <a:defRPr sz="1200" b="0" i="0" u="none" strike="noStrike" cap="none">
                 <a:solidFill>
                   <a:srgbClr val="757575"/>
                 </a:solidFill>
@@ -9733,16 +9982,16 @@
                 <a:sym typeface="Arial"/>
               </a:defRPr>
             </a:lvl1pPr>
-            <a:lvl2pPr lvl="1" marR="0" rtl="0" algn="l">
-              <a:spcBef>
-                <a:spcPts val="0"/>
-              </a:spcBef>
-              <a:spcAft>
-                <a:spcPts val="0"/>
-              </a:spcAft>
-              <a:buSzPts val="1400"/>
-              <a:buNone/>
-              <a:defRPr b="0" i="0" sz="1800" u="none" cap="none" strike="noStrike">
+            <a:lvl2pPr marR="0" lvl="1" algn="l" rtl="0">
+              <a:spcBef>
+                <a:spcPts val="0"/>
+              </a:spcBef>
+              <a:spcAft>
+                <a:spcPts val="0"/>
+              </a:spcAft>
+              <a:buSzPts val="1400"/>
+              <a:buNone/>
+              <a:defRPr sz="1800" b="0" i="0" u="none" strike="noStrike" cap="none">
                 <a:solidFill>
                   <a:schemeClr val="dk1"/>
                 </a:solidFill>
@@ -9752,16 +10001,16 @@
                 <a:sym typeface="Arial"/>
               </a:defRPr>
             </a:lvl2pPr>
-            <a:lvl3pPr lvl="2" marR="0" rtl="0" algn="l">
-              <a:spcBef>
-                <a:spcPts val="0"/>
-              </a:spcBef>
-              <a:spcAft>
-                <a:spcPts val="0"/>
-              </a:spcAft>
-              <a:buSzPts val="1400"/>
-              <a:buNone/>
-              <a:defRPr b="0" i="0" sz="1800" u="none" cap="none" strike="noStrike">
+            <a:lvl3pPr marR="0" lvl="2" algn="l" rtl="0">
+              <a:spcBef>
+                <a:spcPts val="0"/>
+              </a:spcBef>
+              <a:spcAft>
+                <a:spcPts val="0"/>
+              </a:spcAft>
+              <a:buSzPts val="1400"/>
+              <a:buNone/>
+              <a:defRPr sz="1800" b="0" i="0" u="none" strike="noStrike" cap="none">
                 <a:solidFill>
                   <a:schemeClr val="dk1"/>
                 </a:solidFill>
@@ -9771,16 +10020,16 @@
                 <a:sym typeface="Arial"/>
               </a:defRPr>
             </a:lvl3pPr>
-            <a:lvl4pPr lvl="3" marR="0" rtl="0" algn="l">
-              <a:spcBef>
-                <a:spcPts val="0"/>
-              </a:spcBef>
-              <a:spcAft>
-                <a:spcPts val="0"/>
-              </a:spcAft>
-              <a:buSzPts val="1400"/>
-              <a:buNone/>
-              <a:defRPr b="0" i="0" sz="1800" u="none" cap="none" strike="noStrike">
+            <a:lvl4pPr marR="0" lvl="3" algn="l" rtl="0">
+              <a:spcBef>
+                <a:spcPts val="0"/>
+              </a:spcBef>
+              <a:spcAft>
+                <a:spcPts val="0"/>
+              </a:spcAft>
+              <a:buSzPts val="1400"/>
+              <a:buNone/>
+              <a:defRPr sz="1800" b="0" i="0" u="none" strike="noStrike" cap="none">
                 <a:solidFill>
                   <a:schemeClr val="dk1"/>
                 </a:solidFill>
@@ -9790,16 +10039,16 @@
                 <a:sym typeface="Arial"/>
               </a:defRPr>
             </a:lvl4pPr>
-            <a:lvl5pPr lvl="4" marR="0" rtl="0" algn="l">
-              <a:spcBef>
-                <a:spcPts val="0"/>
-              </a:spcBef>
-              <a:spcAft>
-                <a:spcPts val="0"/>
-              </a:spcAft>
-              <a:buSzPts val="1400"/>
-              <a:buNone/>
-              <a:defRPr b="0" i="0" sz="1800" u="none" cap="none" strike="noStrike">
+            <a:lvl5pPr marR="0" lvl="4" algn="l" rtl="0">
+              <a:spcBef>
+                <a:spcPts val="0"/>
+              </a:spcBef>
+              <a:spcAft>
+                <a:spcPts val="0"/>
+              </a:spcAft>
+              <a:buSzPts val="1400"/>
+              <a:buNone/>
+              <a:defRPr sz="1800" b="0" i="0" u="none" strike="noStrike" cap="none">
                 <a:solidFill>
                   <a:schemeClr val="dk1"/>
                 </a:solidFill>
@@ -9809,16 +10058,16 @@
                 <a:sym typeface="Arial"/>
               </a:defRPr>
             </a:lvl5pPr>
-            <a:lvl6pPr lvl="5" marR="0" rtl="0" algn="l">
-              <a:spcBef>
-                <a:spcPts val="0"/>
-              </a:spcBef>
-              <a:spcAft>
-                <a:spcPts val="0"/>
-              </a:spcAft>
-              <a:buSzPts val="1400"/>
-              <a:buNone/>
-              <a:defRPr b="0" i="0" sz="1800" u="none" cap="none" strike="noStrike">
+            <a:lvl6pPr marR="0" lvl="5" algn="l" rtl="0">
+              <a:spcBef>
+                <a:spcPts val="0"/>
+              </a:spcBef>
+              <a:spcAft>
+                <a:spcPts val="0"/>
+              </a:spcAft>
+              <a:buSzPts val="1400"/>
+              <a:buNone/>
+              <a:defRPr sz="1800" b="0" i="0" u="none" strike="noStrike" cap="none">
                 <a:solidFill>
                   <a:schemeClr val="dk1"/>
                 </a:solidFill>
@@ -9828,16 +10077,16 @@
                 <a:sym typeface="Arial"/>
               </a:defRPr>
             </a:lvl6pPr>
-            <a:lvl7pPr lvl="6" marR="0" rtl="0" algn="l">
-              <a:spcBef>
-                <a:spcPts val="0"/>
-              </a:spcBef>
-              <a:spcAft>
-                <a:spcPts val="0"/>
-              </a:spcAft>
-              <a:buSzPts val="1400"/>
-              <a:buNone/>
-              <a:defRPr b="0" i="0" sz="1800" u="none" cap="none" strike="noStrike">
+            <a:lvl7pPr marR="0" lvl="6" algn="l" rtl="0">
+              <a:spcBef>
+                <a:spcPts val="0"/>
+              </a:spcBef>
+              <a:spcAft>
+                <a:spcPts val="0"/>
+              </a:spcAft>
+              <a:buSzPts val="1400"/>
+              <a:buNone/>
+              <a:defRPr sz="1800" b="0" i="0" u="none" strike="noStrike" cap="none">
                 <a:solidFill>
                   <a:schemeClr val="dk1"/>
                 </a:solidFill>
@@ -9847,16 +10096,16 @@
                 <a:sym typeface="Arial"/>
               </a:defRPr>
             </a:lvl7pPr>
-            <a:lvl8pPr lvl="7" marR="0" rtl="0" algn="l">
-              <a:spcBef>
-                <a:spcPts val="0"/>
-              </a:spcBef>
-              <a:spcAft>
-                <a:spcPts val="0"/>
-              </a:spcAft>
-              <a:buSzPts val="1400"/>
-              <a:buNone/>
-              <a:defRPr b="0" i="0" sz="1800" u="none" cap="none" strike="noStrike">
+            <a:lvl8pPr marR="0" lvl="7" algn="l" rtl="0">
+              <a:spcBef>
+                <a:spcPts val="0"/>
+              </a:spcBef>
+              <a:spcAft>
+                <a:spcPts val="0"/>
+              </a:spcAft>
+              <a:buSzPts val="1400"/>
+              <a:buNone/>
+              <a:defRPr sz="1800" b="0" i="0" u="none" strike="noStrike" cap="none">
                 <a:solidFill>
                   <a:schemeClr val="dk1"/>
                 </a:solidFill>
@@ -9866,16 +10115,16 @@
                 <a:sym typeface="Arial"/>
               </a:defRPr>
             </a:lvl8pPr>
-            <a:lvl9pPr lvl="8" marR="0" rtl="0" algn="l">
-              <a:spcBef>
-                <a:spcPts val="0"/>
-              </a:spcBef>
-              <a:spcAft>
-                <a:spcPts val="0"/>
-              </a:spcAft>
-              <a:buSzPts val="1400"/>
-              <a:buNone/>
-              <a:defRPr b="0" i="0" sz="1800" u="none" cap="none" strike="noStrike">
+            <a:lvl9pPr marR="0" lvl="8" algn="l" rtl="0">
+              <a:spcBef>
+                <a:spcPts val="0"/>
+              </a:spcBef>
+              <a:spcAft>
+                <a:spcPts val="0"/>
+              </a:spcAft>
+              <a:buSzPts val="1400"/>
+              <a:buNone/>
+              <a:defRPr sz="1800" b="0" i="0" u="none" strike="noStrike" cap="none">
                 <a:solidFill>
                   <a:schemeClr val="dk1"/>
                 </a:solidFill>
@@ -9886,15 +10135,19 @@
               </a:defRPr>
             </a:lvl9pPr>
           </a:lstStyle>
-          <a:p/>
+          <a:p>
+            <a:endParaRPr/>
+          </a:p>
         </p:txBody>
       </p:sp>
       <p:sp>
         <p:nvSpPr>
           <p:cNvPr id="9" name="Google Shape;9;p4"/>
-          <p:cNvSpPr txBox="1"/>
+          <p:cNvSpPr txBox="1">
+            <a:spLocks noGrp="1"/>
+          </p:cNvSpPr>
           <p:nvPr>
-            <p:ph idx="11" type="ftr"/>
+            <p:ph type="ftr" idx="11"/>
           </p:nvPr>
         </p:nvSpPr>
         <p:spPr>
@@ -9911,20 +10164,20 @@
           </a:ln>
         </p:spPr>
         <p:txBody>
-          <a:bodyPr anchorCtr="0" anchor="ctr" bIns="45700" lIns="91425" spcFirstLastPara="1" rIns="91425" wrap="square" tIns="45700">
+          <a:bodyPr spcFirstLastPara="1" wrap="square" lIns="91425" tIns="45700" rIns="91425" bIns="45700" anchor="ctr" anchorCtr="0">
             <a:noAutofit/>
           </a:bodyPr>
           <a:lstStyle>
-            <a:lvl1pPr lvl="0" marR="0" rtl="0" algn="ctr">
-              <a:spcBef>
-                <a:spcPts val="0"/>
-              </a:spcBef>
-              <a:spcAft>
-                <a:spcPts val="0"/>
-              </a:spcAft>
-              <a:buSzPts val="1400"/>
-              <a:buNone/>
-              <a:defRPr b="0" i="0" sz="1200" u="none" cap="none" strike="noStrike">
+            <a:lvl1pPr marR="0" lvl="0" algn="ctr" rtl="0">
+              <a:spcBef>
+                <a:spcPts val="0"/>
+              </a:spcBef>
+              <a:spcAft>
+                <a:spcPts val="0"/>
+              </a:spcAft>
+              <a:buSzPts val="1400"/>
+              <a:buNone/>
+              <a:defRPr sz="1200" b="0" i="0" u="none" strike="noStrike" cap="none">
                 <a:solidFill>
                   <a:srgbClr val="757575"/>
                 </a:solidFill>
@@ -9934,16 +10187,16 @@
                 <a:sym typeface="Arial"/>
               </a:defRPr>
             </a:lvl1pPr>
-            <a:lvl2pPr lvl="1" marR="0" rtl="0" algn="l">
-              <a:spcBef>
-                <a:spcPts val="0"/>
-              </a:spcBef>
-              <a:spcAft>
-                <a:spcPts val="0"/>
-              </a:spcAft>
-              <a:buSzPts val="1400"/>
-              <a:buNone/>
-              <a:defRPr b="0" i="0" sz="1800" u="none" cap="none" strike="noStrike">
+            <a:lvl2pPr marR="0" lvl="1" algn="l" rtl="0">
+              <a:spcBef>
+                <a:spcPts val="0"/>
+              </a:spcBef>
+              <a:spcAft>
+                <a:spcPts val="0"/>
+              </a:spcAft>
+              <a:buSzPts val="1400"/>
+              <a:buNone/>
+              <a:defRPr sz="1800" b="0" i="0" u="none" strike="noStrike" cap="none">
                 <a:solidFill>
                   <a:schemeClr val="dk1"/>
                 </a:solidFill>
@@ -9953,16 +10206,16 @@
                 <a:sym typeface="Arial"/>
               </a:defRPr>
             </a:lvl2pPr>
-            <a:lvl3pPr lvl="2" marR="0" rtl="0" algn="l">
-              <a:spcBef>
-                <a:spcPts val="0"/>
-              </a:spcBef>
-              <a:spcAft>
-                <a:spcPts val="0"/>
-              </a:spcAft>
-              <a:buSzPts val="1400"/>
-              <a:buNone/>
-              <a:defRPr b="0" i="0" sz="1800" u="none" cap="none" strike="noStrike">
+            <a:lvl3pPr marR="0" lvl="2" algn="l" rtl="0">
+              <a:spcBef>
+                <a:spcPts val="0"/>
+              </a:spcBef>
+              <a:spcAft>
+                <a:spcPts val="0"/>
+              </a:spcAft>
+              <a:buSzPts val="1400"/>
+              <a:buNone/>
+              <a:defRPr sz="1800" b="0" i="0" u="none" strike="noStrike" cap="none">
                 <a:solidFill>
                   <a:schemeClr val="dk1"/>
                 </a:solidFill>
@@ -9972,16 +10225,16 @@
                 <a:sym typeface="Arial"/>
               </a:defRPr>
             </a:lvl3pPr>
-            <a:lvl4pPr lvl="3" marR="0" rtl="0" algn="l">
-              <a:spcBef>
-                <a:spcPts val="0"/>
-              </a:spcBef>
-              <a:spcAft>
-                <a:spcPts val="0"/>
-              </a:spcAft>
-              <a:buSzPts val="1400"/>
-              <a:buNone/>
-              <a:defRPr b="0" i="0" sz="1800" u="none" cap="none" strike="noStrike">
+            <a:lvl4pPr marR="0" lvl="3" algn="l" rtl="0">
+              <a:spcBef>
+                <a:spcPts val="0"/>
+              </a:spcBef>
+              <a:spcAft>
+                <a:spcPts val="0"/>
+              </a:spcAft>
+              <a:buSzPts val="1400"/>
+              <a:buNone/>
+              <a:defRPr sz="1800" b="0" i="0" u="none" strike="noStrike" cap="none">
                 <a:solidFill>
                   <a:schemeClr val="dk1"/>
                 </a:solidFill>
@@ -9991,16 +10244,16 @@
                 <a:sym typeface="Arial"/>
               </a:defRPr>
             </a:lvl4pPr>
-            <a:lvl5pPr lvl="4" marR="0" rtl="0" algn="l">
-              <a:spcBef>
-                <a:spcPts val="0"/>
-              </a:spcBef>
-              <a:spcAft>
-                <a:spcPts val="0"/>
-              </a:spcAft>
-              <a:buSzPts val="1400"/>
-              <a:buNone/>
-              <a:defRPr b="0" i="0" sz="1800" u="none" cap="none" strike="noStrike">
+            <a:lvl5pPr marR="0" lvl="4" algn="l" rtl="0">
+              <a:spcBef>
+                <a:spcPts val="0"/>
+              </a:spcBef>
+              <a:spcAft>
+                <a:spcPts val="0"/>
+              </a:spcAft>
+              <a:buSzPts val="1400"/>
+              <a:buNone/>
+              <a:defRPr sz="1800" b="0" i="0" u="none" strike="noStrike" cap="none">
                 <a:solidFill>
                   <a:schemeClr val="dk1"/>
                 </a:solidFill>
@@ -10010,16 +10263,16 @@
                 <a:sym typeface="Arial"/>
               </a:defRPr>
             </a:lvl5pPr>
-            <a:lvl6pPr lvl="5" marR="0" rtl="0" algn="l">
-              <a:spcBef>
-                <a:spcPts val="0"/>
-              </a:spcBef>
-              <a:spcAft>
-                <a:spcPts val="0"/>
-              </a:spcAft>
-              <a:buSzPts val="1400"/>
-              <a:buNone/>
-              <a:defRPr b="0" i="0" sz="1800" u="none" cap="none" strike="noStrike">
+            <a:lvl6pPr marR="0" lvl="5" algn="l" rtl="0">
+              <a:spcBef>
+                <a:spcPts val="0"/>
+              </a:spcBef>
+              <a:spcAft>
+                <a:spcPts val="0"/>
+              </a:spcAft>
+              <a:buSzPts val="1400"/>
+              <a:buNone/>
+              <a:defRPr sz="1800" b="0" i="0" u="none" strike="noStrike" cap="none">
                 <a:solidFill>
                   <a:schemeClr val="dk1"/>
                 </a:solidFill>
@@ -10029,16 +10282,16 @@
                 <a:sym typeface="Arial"/>
               </a:defRPr>
             </a:lvl6pPr>
-            <a:lvl7pPr lvl="6" marR="0" rtl="0" algn="l">
-              <a:spcBef>
-                <a:spcPts val="0"/>
-              </a:spcBef>
-              <a:spcAft>
-                <a:spcPts val="0"/>
-              </a:spcAft>
-              <a:buSzPts val="1400"/>
-              <a:buNone/>
-              <a:defRPr b="0" i="0" sz="1800" u="none" cap="none" strike="noStrike">
+            <a:lvl7pPr marR="0" lvl="6" algn="l" rtl="0">
+              <a:spcBef>
+                <a:spcPts val="0"/>
+              </a:spcBef>
+              <a:spcAft>
+                <a:spcPts val="0"/>
+              </a:spcAft>
+              <a:buSzPts val="1400"/>
+              <a:buNone/>
+              <a:defRPr sz="1800" b="0" i="0" u="none" strike="noStrike" cap="none">
                 <a:solidFill>
                   <a:schemeClr val="dk1"/>
                 </a:solidFill>
@@ -10048,16 +10301,16 @@
                 <a:sym typeface="Arial"/>
               </a:defRPr>
             </a:lvl7pPr>
-            <a:lvl8pPr lvl="7" marR="0" rtl="0" algn="l">
-              <a:spcBef>
-                <a:spcPts val="0"/>
-              </a:spcBef>
-              <a:spcAft>
-                <a:spcPts val="0"/>
-              </a:spcAft>
-              <a:buSzPts val="1400"/>
-              <a:buNone/>
-              <a:defRPr b="0" i="0" sz="1800" u="none" cap="none" strike="noStrike">
+            <a:lvl8pPr marR="0" lvl="7" algn="l" rtl="0">
+              <a:spcBef>
+                <a:spcPts val="0"/>
+              </a:spcBef>
+              <a:spcAft>
+                <a:spcPts val="0"/>
+              </a:spcAft>
+              <a:buSzPts val="1400"/>
+              <a:buNone/>
+              <a:defRPr sz="1800" b="0" i="0" u="none" strike="noStrike" cap="none">
                 <a:solidFill>
                   <a:schemeClr val="dk1"/>
                 </a:solidFill>
@@ -10067,16 +10320,16 @@
                 <a:sym typeface="Arial"/>
               </a:defRPr>
             </a:lvl8pPr>
-            <a:lvl9pPr lvl="8" marR="0" rtl="0" algn="l">
-              <a:spcBef>
-                <a:spcPts val="0"/>
-              </a:spcBef>
-              <a:spcAft>
-                <a:spcPts val="0"/>
-              </a:spcAft>
-              <a:buSzPts val="1400"/>
-              <a:buNone/>
-              <a:defRPr b="0" i="0" sz="1800" u="none" cap="none" strike="noStrike">
+            <a:lvl9pPr marR="0" lvl="8" algn="l" rtl="0">
+              <a:spcBef>
+                <a:spcPts val="0"/>
+              </a:spcBef>
+              <a:spcAft>
+                <a:spcPts val="0"/>
+              </a:spcAft>
+              <a:buSzPts val="1400"/>
+              <a:buNone/>
+              <a:defRPr sz="1800" b="0" i="0" u="none" strike="noStrike" cap="none">
                 <a:solidFill>
                   <a:schemeClr val="dk1"/>
                 </a:solidFill>
@@ -10087,15 +10340,19 @@
               </a:defRPr>
             </a:lvl9pPr>
           </a:lstStyle>
-          <a:p/>
+          <a:p>
+            <a:endParaRPr/>
+          </a:p>
         </p:txBody>
       </p:sp>
       <p:sp>
         <p:nvSpPr>
           <p:cNvPr id="10" name="Google Shape;10;p4"/>
-          <p:cNvSpPr txBox="1"/>
+          <p:cNvSpPr txBox="1">
+            <a:spLocks noGrp="1"/>
+          </p:cNvSpPr>
           <p:nvPr>
-            <p:ph idx="12" type="sldNum"/>
+            <p:ph type="sldNum" idx="12"/>
           </p:nvPr>
         </p:nvSpPr>
         <p:spPr>
@@ -10112,16 +10369,16 @@
           </a:ln>
         </p:spPr>
         <p:txBody>
-          <a:bodyPr anchorCtr="0" anchor="ctr" bIns="45700" lIns="91425" spcFirstLastPara="1" rIns="91425" wrap="square" tIns="45700">
+          <a:bodyPr spcFirstLastPara="1" wrap="square" lIns="91425" tIns="45700" rIns="91425" bIns="45700" anchor="ctr" anchorCtr="0">
             <a:noAutofit/>
           </a:bodyPr>
           <a:lstStyle>
-            <a:lvl1pPr indent="0" lvl="0" marL="0" marR="0" rtl="0" algn="r">
-              <a:spcBef>
-                <a:spcPts val="0"/>
-              </a:spcBef>
-              <a:buNone/>
-              <a:defRPr b="0" i="0" sz="1200" u="none" cap="none" strike="noStrike">
+            <a:lvl1pPr marL="0" marR="0" lvl="0" indent="0" algn="r" rtl="0">
+              <a:spcBef>
+                <a:spcPts val="0"/>
+              </a:spcBef>
+              <a:buNone/>
+              <a:defRPr sz="1200" b="0" i="0" u="none" strike="noStrike" cap="none">
                 <a:solidFill>
                   <a:srgbClr val="757575"/>
                 </a:solidFill>
@@ -10131,12 +10388,12 @@
                 <a:sym typeface="Arial"/>
               </a:defRPr>
             </a:lvl1pPr>
-            <a:lvl2pPr indent="0" lvl="1" marL="0" marR="0" rtl="0" algn="r">
-              <a:spcBef>
-                <a:spcPts val="0"/>
-              </a:spcBef>
-              <a:buNone/>
-              <a:defRPr b="0" i="0" sz="1200" u="none" cap="none" strike="noStrike">
+            <a:lvl2pPr marL="0" marR="0" lvl="1" indent="0" algn="r" rtl="0">
+              <a:spcBef>
+                <a:spcPts val="0"/>
+              </a:spcBef>
+              <a:buNone/>
+              <a:defRPr sz="1200" b="0" i="0" u="none" strike="noStrike" cap="none">
                 <a:solidFill>
                   <a:srgbClr val="757575"/>
                 </a:solidFill>
@@ -10146,12 +10403,12 @@
                 <a:sym typeface="Arial"/>
               </a:defRPr>
             </a:lvl2pPr>
-            <a:lvl3pPr indent="0" lvl="2" marL="0" marR="0" rtl="0" algn="r">
-              <a:spcBef>
-                <a:spcPts val="0"/>
-              </a:spcBef>
-              <a:buNone/>
-              <a:defRPr b="0" i="0" sz="1200" u="none" cap="none" strike="noStrike">
+            <a:lvl3pPr marL="0" marR="0" lvl="2" indent="0" algn="r" rtl="0">
+              <a:spcBef>
+                <a:spcPts val="0"/>
+              </a:spcBef>
+              <a:buNone/>
+              <a:defRPr sz="1200" b="0" i="0" u="none" strike="noStrike" cap="none">
                 <a:solidFill>
                   <a:srgbClr val="757575"/>
                 </a:solidFill>
@@ -10161,12 +10418,12 @@
                 <a:sym typeface="Arial"/>
               </a:defRPr>
             </a:lvl3pPr>
-            <a:lvl4pPr indent="0" lvl="3" marL="0" marR="0" rtl="0" algn="r">
-              <a:spcBef>
-                <a:spcPts val="0"/>
-              </a:spcBef>
-              <a:buNone/>
-              <a:defRPr b="0" i="0" sz="1200" u="none" cap="none" strike="noStrike">
+            <a:lvl4pPr marL="0" marR="0" lvl="3" indent="0" algn="r" rtl="0">
+              <a:spcBef>
+                <a:spcPts val="0"/>
+              </a:spcBef>
+              <a:buNone/>
+              <a:defRPr sz="1200" b="0" i="0" u="none" strike="noStrike" cap="none">
                 <a:solidFill>
                   <a:srgbClr val="757575"/>
                 </a:solidFill>
@@ -10176,12 +10433,12 @@
                 <a:sym typeface="Arial"/>
               </a:defRPr>
             </a:lvl4pPr>
-            <a:lvl5pPr indent="0" lvl="4" marL="0" marR="0" rtl="0" algn="r">
-              <a:spcBef>
-                <a:spcPts val="0"/>
-              </a:spcBef>
-              <a:buNone/>
-              <a:defRPr b="0" i="0" sz="1200" u="none" cap="none" strike="noStrike">
+            <a:lvl5pPr marL="0" marR="0" lvl="4" indent="0" algn="r" rtl="0">
+              <a:spcBef>
+                <a:spcPts val="0"/>
+              </a:spcBef>
+              <a:buNone/>
+              <a:defRPr sz="1200" b="0" i="0" u="none" strike="noStrike" cap="none">
                 <a:solidFill>
                   <a:srgbClr val="757575"/>
                 </a:solidFill>
@@ -10191,12 +10448,12 @@
                 <a:sym typeface="Arial"/>
               </a:defRPr>
             </a:lvl5pPr>
-            <a:lvl6pPr indent="0" lvl="5" marL="0" marR="0" rtl="0" algn="r">
-              <a:spcBef>
-                <a:spcPts val="0"/>
-              </a:spcBef>
-              <a:buNone/>
-              <a:defRPr b="0" i="0" sz="1200" u="none" cap="none" strike="noStrike">
+            <a:lvl6pPr marL="0" marR="0" lvl="5" indent="0" algn="r" rtl="0">
+              <a:spcBef>
+                <a:spcPts val="0"/>
+              </a:spcBef>
+              <a:buNone/>
+              <a:defRPr sz="1200" b="0" i="0" u="none" strike="noStrike" cap="none">
                 <a:solidFill>
                   <a:srgbClr val="757575"/>
                 </a:solidFill>
@@ -10206,12 +10463,12 @@
                 <a:sym typeface="Arial"/>
               </a:defRPr>
             </a:lvl6pPr>
-            <a:lvl7pPr indent="0" lvl="6" marL="0" marR="0" rtl="0" algn="r">
-              <a:spcBef>
-                <a:spcPts val="0"/>
-              </a:spcBef>
-              <a:buNone/>
-              <a:defRPr b="0" i="0" sz="1200" u="none" cap="none" strike="noStrike">
+            <a:lvl7pPr marL="0" marR="0" lvl="6" indent="0" algn="r" rtl="0">
+              <a:spcBef>
+                <a:spcPts val="0"/>
+              </a:spcBef>
+              <a:buNone/>
+              <a:defRPr sz="1200" b="0" i="0" u="none" strike="noStrike" cap="none">
                 <a:solidFill>
                   <a:srgbClr val="757575"/>
                 </a:solidFill>
@@ -10221,12 +10478,12 @@
                 <a:sym typeface="Arial"/>
               </a:defRPr>
             </a:lvl7pPr>
-            <a:lvl8pPr indent="0" lvl="7" marL="0" marR="0" rtl="0" algn="r">
-              <a:spcBef>
-                <a:spcPts val="0"/>
-              </a:spcBef>
-              <a:buNone/>
-              <a:defRPr b="0" i="0" sz="1200" u="none" cap="none" strike="noStrike">
+            <a:lvl8pPr marL="0" marR="0" lvl="7" indent="0" algn="r" rtl="0">
+              <a:spcBef>
+                <a:spcPts val="0"/>
+              </a:spcBef>
+              <a:buNone/>
+              <a:defRPr sz="1200" b="0" i="0" u="none" strike="noStrike" cap="none">
                 <a:solidFill>
                   <a:srgbClr val="757575"/>
                 </a:solidFill>
@@ -10236,12 +10493,12 @@
                 <a:sym typeface="Arial"/>
               </a:defRPr>
             </a:lvl8pPr>
-            <a:lvl9pPr indent="0" lvl="8" marL="0" marR="0" rtl="0" algn="r">
-              <a:spcBef>
-                <a:spcPts val="0"/>
-              </a:spcBef>
-              <a:buNone/>
-              <a:defRPr b="0" i="0" sz="1200" u="none" cap="none" strike="noStrike">
+            <a:lvl9pPr marL="0" marR="0" lvl="8" indent="0" algn="r" rtl="0">
+              <a:spcBef>
+                <a:spcPts val="0"/>
+              </a:spcBef>
+              <a:buNone/>
+              <a:defRPr sz="1200" b="0" i="0" u="none" strike="noStrike" cap="none">
                 <a:solidFill>
                   <a:srgbClr val="757575"/>
                 </a:solidFill>
@@ -10253,7 +10510,7 @@
             </a:lvl9pPr>
           </a:lstStyle>
           <a:p>
-            <a:pPr indent="0" lvl="0" marL="0" rtl="0" algn="r">
+            <a:pPr marL="0" lvl="0" indent="0" algn="r" rtl="0">
               <a:spcBef>
                 <a:spcPts val="0"/>
               </a:spcBef>
@@ -10272,7 +10529,7 @@
       </p:sp>
     </p:spTree>
   </p:cSld>
-  <p:clrMap accent1="accent1" accent2="accent2" accent3="accent3" accent4="accent4" accent5="accent5" accent6="accent6" bg1="lt1" bg2="dk2" tx1="dk1" tx2="lt2" folHlink="folHlink" hlink="hlink"/>
+  <p:clrMap bg1="lt1" tx1="dk1" bg2="dk2" tx2="lt2" accent1="accent1" accent2="accent2" accent3="accent3" accent4="accent4" accent5="accent5" accent6="accent6" hlink="hlink" folHlink="folHlink"/>
   <p:sldLayoutIdLst>
     <p:sldLayoutId id="2147483649" r:id="rId1"/>
     <p:sldLayoutId id="2147483650" r:id="rId2"/>
@@ -10286,10 +10543,10 @@
     <p:sldLayoutId id="2147483658" r:id="rId10"/>
     <p:sldLayoutId id="2147483659" r:id="rId11"/>
   </p:sldLayoutIdLst>
-  <p:hf dt="0" ftr="0" hdr="0" sldNum="0"/>
+  <p:hf sldNum="0" hdr="0" ftr="0" dt="0"/>
   <p:txStyles>
     <p:titleStyle>
-      <a:defPPr lvl="0" marR="0" rtl="0" algn="l">
+      <a:defPPr marR="0" lvl="0" algn="l" rtl="0">
         <a:lnSpc>
           <a:spcPct val="100000"/>
         </a:lnSpc>
@@ -10300,7 +10557,7 @@
           <a:spcPts val="0"/>
         </a:spcAft>
       </a:defPPr>
-      <a:lvl1pPr lvl="0" marR="0" rtl="0" algn="l">
+      <a:lvl1pPr marR="0" lvl="0" algn="l" rtl="0">
         <a:lnSpc>
           <a:spcPct val="100000"/>
         </a:lnSpc>
@@ -10314,7 +10571,7 @@
           <a:srgbClr val="000000"/>
         </a:buClr>
         <a:buFont typeface="Arial"/>
-        <a:defRPr b="0" i="0" sz="1400" u="none" cap="none" strike="noStrike">
+        <a:defRPr sz="1400" b="0" i="0" u="none" strike="noStrike" cap="none">
           <a:solidFill>
             <a:srgbClr val="000000"/>
           </a:solidFill>
@@ -10324,7 +10581,7 @@
           <a:sym typeface="Arial"/>
         </a:defRPr>
       </a:lvl1pPr>
-      <a:lvl2pPr lvl="1" marR="0" rtl="0" algn="l">
+      <a:lvl2pPr marR="0" lvl="1" algn="l" rtl="0">
         <a:lnSpc>
           <a:spcPct val="100000"/>
         </a:lnSpc>
@@ -10338,7 +10595,7 @@
           <a:srgbClr val="000000"/>
         </a:buClr>
         <a:buFont typeface="Arial"/>
-        <a:defRPr b="0" i="0" sz="1400" u="none" cap="none" strike="noStrike">
+        <a:defRPr sz="1400" b="0" i="0" u="none" strike="noStrike" cap="none">
           <a:solidFill>
             <a:srgbClr val="000000"/>
           </a:solidFill>
@@ -10348,7 +10605,7 @@
           <a:sym typeface="Arial"/>
         </a:defRPr>
       </a:lvl2pPr>
-      <a:lvl3pPr lvl="2" marR="0" rtl="0" algn="l">
+      <a:lvl3pPr marR="0" lvl="2" algn="l" rtl="0">
         <a:lnSpc>
           <a:spcPct val="100000"/>
         </a:lnSpc>
@@ -10362,7 +10619,7 @@
           <a:srgbClr val="000000"/>
         </a:buClr>
         <a:buFont typeface="Arial"/>
-        <a:defRPr b="0" i="0" sz="1400" u="none" cap="none" strike="noStrike">
+        <a:defRPr sz="1400" b="0" i="0" u="none" strike="noStrike" cap="none">
           <a:solidFill>
             <a:srgbClr val="000000"/>
           </a:solidFill>
@@ -10372,7 +10629,7 @@
           <a:sym typeface="Arial"/>
         </a:defRPr>
       </a:lvl3pPr>
-      <a:lvl4pPr lvl="3" marR="0" rtl="0" algn="l">
+      <a:lvl4pPr marR="0" lvl="3" algn="l" rtl="0">
         <a:lnSpc>
           <a:spcPct val="100000"/>
         </a:lnSpc>
@@ -10386,7 +10643,7 @@
           <a:srgbClr val="000000"/>
         </a:buClr>
         <a:buFont typeface="Arial"/>
-        <a:defRPr b="0" i="0" sz="1400" u="none" cap="none" strike="noStrike">
+        <a:defRPr sz="1400" b="0" i="0" u="none" strike="noStrike" cap="none">
           <a:solidFill>
             <a:srgbClr val="000000"/>
           </a:solidFill>
@@ -10396,7 +10653,7 @@
           <a:sym typeface="Arial"/>
         </a:defRPr>
       </a:lvl4pPr>
-      <a:lvl5pPr lvl="4" marR="0" rtl="0" algn="l">
+      <a:lvl5pPr marR="0" lvl="4" algn="l" rtl="0">
         <a:lnSpc>
           <a:spcPct val="100000"/>
         </a:lnSpc>
@@ -10410,7 +10667,7 @@
           <a:srgbClr val="000000"/>
         </a:buClr>
         <a:buFont typeface="Arial"/>
-        <a:defRPr b="0" i="0" sz="1400" u="none" cap="none" strike="noStrike">
+        <a:defRPr sz="1400" b="0" i="0" u="none" strike="noStrike" cap="none">
           <a:solidFill>
             <a:srgbClr val="000000"/>
           </a:solidFill>
@@ -10420,7 +10677,7 @@
           <a:sym typeface="Arial"/>
         </a:defRPr>
       </a:lvl5pPr>
-      <a:lvl6pPr lvl="5" marR="0" rtl="0" algn="l">
+      <a:lvl6pPr marR="0" lvl="5" algn="l" rtl="0">
         <a:lnSpc>
           <a:spcPct val="100000"/>
         </a:lnSpc>
@@ -10434,7 +10691,7 @@
           <a:srgbClr val="000000"/>
         </a:buClr>
         <a:buFont typeface="Arial"/>
-        <a:defRPr b="0" i="0" sz="1400" u="none" cap="none" strike="noStrike">
+        <a:defRPr sz="1400" b="0" i="0" u="none" strike="noStrike" cap="none">
           <a:solidFill>
             <a:srgbClr val="000000"/>
           </a:solidFill>
@@ -10444,7 +10701,7 @@
           <a:sym typeface="Arial"/>
         </a:defRPr>
       </a:lvl6pPr>
-      <a:lvl7pPr lvl="6" marR="0" rtl="0" algn="l">
+      <a:lvl7pPr marR="0" lvl="6" algn="l" rtl="0">
         <a:lnSpc>
           <a:spcPct val="100000"/>
         </a:lnSpc>
@@ -10458,7 +10715,7 @@
           <a:srgbClr val="000000"/>
         </a:buClr>
         <a:buFont typeface="Arial"/>
-        <a:defRPr b="0" i="0" sz="1400" u="none" cap="none" strike="noStrike">
+        <a:defRPr sz="1400" b="0" i="0" u="none" strike="noStrike" cap="none">
           <a:solidFill>
             <a:srgbClr val="000000"/>
           </a:solidFill>
@@ -10468,7 +10725,7 @@
           <a:sym typeface="Arial"/>
         </a:defRPr>
       </a:lvl7pPr>
-      <a:lvl8pPr lvl="7" marR="0" rtl="0" algn="l">
+      <a:lvl8pPr marR="0" lvl="7" algn="l" rtl="0">
         <a:lnSpc>
           <a:spcPct val="100000"/>
         </a:lnSpc>
@@ -10482,7 +10739,7 @@
           <a:srgbClr val="000000"/>
         </a:buClr>
         <a:buFont typeface="Arial"/>
-        <a:defRPr b="0" i="0" sz="1400" u="none" cap="none" strike="noStrike">
+        <a:defRPr sz="1400" b="0" i="0" u="none" strike="noStrike" cap="none">
           <a:solidFill>
             <a:srgbClr val="000000"/>
           </a:solidFill>
@@ -10492,7 +10749,7 @@
           <a:sym typeface="Arial"/>
         </a:defRPr>
       </a:lvl8pPr>
-      <a:lvl9pPr lvl="8" marR="0" rtl="0" algn="l">
+      <a:lvl9pPr marR="0" lvl="8" algn="l" rtl="0">
         <a:lnSpc>
           <a:spcPct val="100000"/>
         </a:lnSpc>
@@ -10506,7 +10763,7 @@
           <a:srgbClr val="000000"/>
         </a:buClr>
         <a:buFont typeface="Arial"/>
-        <a:defRPr b="0" i="0" sz="1400" u="none" cap="none" strike="noStrike">
+        <a:defRPr sz="1400" b="0" i="0" u="none" strike="noStrike" cap="none">
           <a:solidFill>
             <a:srgbClr val="000000"/>
           </a:solidFill>
@@ -10518,7 +10775,7 @@
       </a:lvl9pPr>
     </p:titleStyle>
     <p:bodyStyle>
-      <a:defPPr lvl="0" marR="0" rtl="0" algn="l">
+      <a:defPPr marR="0" lvl="0" algn="l" rtl="0">
         <a:lnSpc>
           <a:spcPct val="100000"/>
         </a:lnSpc>
@@ -10529,7 +10786,7 @@
           <a:spcPts val="0"/>
         </a:spcAft>
       </a:defPPr>
-      <a:lvl1pPr lvl="0" marR="0" rtl="0" algn="l">
+      <a:lvl1pPr marR="0" lvl="0" algn="l" rtl="0">
         <a:lnSpc>
           <a:spcPct val="100000"/>
         </a:lnSpc>
@@ -10543,7 +10800,7 @@
           <a:srgbClr val="000000"/>
         </a:buClr>
         <a:buFont typeface="Arial"/>
-        <a:defRPr b="0" i="0" sz="1400" u="none" cap="none" strike="noStrike">
+        <a:defRPr sz="1400" b="0" i="0" u="none" strike="noStrike" cap="none">
           <a:solidFill>
             <a:srgbClr val="000000"/>
           </a:solidFill>
@@ -10553,7 +10810,7 @@
           <a:sym typeface="Arial"/>
         </a:defRPr>
       </a:lvl1pPr>
-      <a:lvl2pPr lvl="1" marR="0" rtl="0" algn="l">
+      <a:lvl2pPr marR="0" lvl="1" algn="l" rtl="0">
         <a:lnSpc>
           <a:spcPct val="100000"/>
         </a:lnSpc>
@@ -10567,7 +10824,7 @@
           <a:srgbClr val="000000"/>
         </a:buClr>
         <a:buFont typeface="Arial"/>
-        <a:defRPr b="0" i="0" sz="1400" u="none" cap="none" strike="noStrike">
+        <a:defRPr sz="1400" b="0" i="0" u="none" strike="noStrike" cap="none">
           <a:solidFill>
             <a:srgbClr val="000000"/>
           </a:solidFill>
@@ -10577,7 +10834,7 @@
           <a:sym typeface="Arial"/>
         </a:defRPr>
       </a:lvl2pPr>
-      <a:lvl3pPr lvl="2" marR="0" rtl="0" algn="l">
+      <a:lvl3pPr marR="0" lvl="2" algn="l" rtl="0">
         <a:lnSpc>
           <a:spcPct val="100000"/>
         </a:lnSpc>
@@ -10591,7 +10848,7 @@
           <a:srgbClr val="000000"/>
         </a:buClr>
         <a:buFont typeface="Arial"/>
-        <a:defRPr b="0" i="0" sz="1400" u="none" cap="none" strike="noStrike">
+        <a:defRPr sz="1400" b="0" i="0" u="none" strike="noStrike" cap="none">
           <a:solidFill>
             <a:srgbClr val="000000"/>
           </a:solidFill>
@@ -10601,7 +10858,7 @@
           <a:sym typeface="Arial"/>
         </a:defRPr>
       </a:lvl3pPr>
-      <a:lvl4pPr lvl="3" marR="0" rtl="0" algn="l">
+      <a:lvl4pPr marR="0" lvl="3" algn="l" rtl="0">
         <a:lnSpc>
           <a:spcPct val="100000"/>
         </a:lnSpc>
@@ -10615,7 +10872,7 @@
           <a:srgbClr val="000000"/>
         </a:buClr>
         <a:buFont typeface="Arial"/>
-        <a:defRPr b="0" i="0" sz="1400" u="none" cap="none" strike="noStrike">
+        <a:defRPr sz="1400" b="0" i="0" u="none" strike="noStrike" cap="none">
           <a:solidFill>
             <a:srgbClr val="000000"/>
           </a:solidFill>
@@ -10625,7 +10882,7 @@
           <a:sym typeface="Arial"/>
         </a:defRPr>
       </a:lvl4pPr>
-      <a:lvl5pPr lvl="4" marR="0" rtl="0" algn="l">
+      <a:lvl5pPr marR="0" lvl="4" algn="l" rtl="0">
         <a:lnSpc>
           <a:spcPct val="100000"/>
         </a:lnSpc>
@@ -10639,7 +10896,7 @@
           <a:srgbClr val="000000"/>
         </a:buClr>
         <a:buFont typeface="Arial"/>
-        <a:defRPr b="0" i="0" sz="1400" u="none" cap="none" strike="noStrike">
+        <a:defRPr sz="1400" b="0" i="0" u="none" strike="noStrike" cap="none">
           <a:solidFill>
             <a:srgbClr val="000000"/>
           </a:solidFill>
@@ -10649,7 +10906,7 @@
           <a:sym typeface="Arial"/>
         </a:defRPr>
       </a:lvl5pPr>
-      <a:lvl6pPr lvl="5" marR="0" rtl="0" algn="l">
+      <a:lvl6pPr marR="0" lvl="5" algn="l" rtl="0">
         <a:lnSpc>
           <a:spcPct val="100000"/>
         </a:lnSpc>
@@ -10663,7 +10920,7 @@
           <a:srgbClr val="000000"/>
         </a:buClr>
         <a:buFont typeface="Arial"/>
-        <a:defRPr b="0" i="0" sz="1400" u="none" cap="none" strike="noStrike">
+        <a:defRPr sz="1400" b="0" i="0" u="none" strike="noStrike" cap="none">
           <a:solidFill>
             <a:srgbClr val="000000"/>
           </a:solidFill>
@@ -10673,7 +10930,7 @@
           <a:sym typeface="Arial"/>
         </a:defRPr>
       </a:lvl6pPr>
-      <a:lvl7pPr lvl="6" marR="0" rtl="0" algn="l">
+      <a:lvl7pPr marR="0" lvl="6" algn="l" rtl="0">
         <a:lnSpc>
           <a:spcPct val="100000"/>
         </a:lnSpc>
@@ -10687,7 +10944,7 @@
           <a:srgbClr val="000000"/>
         </a:buClr>
         <a:buFont typeface="Arial"/>
-        <a:defRPr b="0" i="0" sz="1400" u="none" cap="none" strike="noStrike">
+        <a:defRPr sz="1400" b="0" i="0" u="none" strike="noStrike" cap="none">
           <a:solidFill>
             <a:srgbClr val="000000"/>
           </a:solidFill>
@@ -10697,7 +10954,7 @@
           <a:sym typeface="Arial"/>
         </a:defRPr>
       </a:lvl7pPr>
-      <a:lvl8pPr lvl="7" marR="0" rtl="0" algn="l">
+      <a:lvl8pPr marR="0" lvl="7" algn="l" rtl="0">
         <a:lnSpc>
           <a:spcPct val="100000"/>
         </a:lnSpc>
@@ -10711,7 +10968,7 @@
           <a:srgbClr val="000000"/>
         </a:buClr>
         <a:buFont typeface="Arial"/>
-        <a:defRPr b="0" i="0" sz="1400" u="none" cap="none" strike="noStrike">
+        <a:defRPr sz="1400" b="0" i="0" u="none" strike="noStrike" cap="none">
           <a:solidFill>
             <a:srgbClr val="000000"/>
           </a:solidFill>
@@ -10721,7 +10978,7 @@
           <a:sym typeface="Arial"/>
         </a:defRPr>
       </a:lvl8pPr>
-      <a:lvl9pPr lvl="8" marR="0" rtl="0" algn="l">
+      <a:lvl9pPr marR="0" lvl="8" algn="l" rtl="0">
         <a:lnSpc>
           <a:spcPct val="100000"/>
         </a:lnSpc>
@@ -10735,7 +10992,7 @@
           <a:srgbClr val="000000"/>
         </a:buClr>
         <a:buFont typeface="Arial"/>
-        <a:defRPr b="0" i="0" sz="1400" u="none" cap="none" strike="noStrike">
+        <a:defRPr sz="1400" b="0" i="0" u="none" strike="noStrike" cap="none">
           <a:solidFill>
             <a:srgbClr val="000000"/>
           </a:solidFill>
@@ -10747,7 +11004,7 @@
       </a:lvl9pPr>
     </p:bodyStyle>
     <p:otherStyle>
-      <a:defPPr lvl="0" marR="0" rtl="0" algn="l">
+      <a:defPPr marR="0" lvl="0" algn="l" rtl="0">
         <a:lnSpc>
           <a:spcPct val="100000"/>
         </a:lnSpc>
@@ -10758,7 +11015,7 @@
           <a:spcPts val="0"/>
         </a:spcAft>
       </a:defPPr>
-      <a:lvl1pPr lvl="0" marR="0" rtl="0" algn="l">
+      <a:lvl1pPr marR="0" lvl="0" algn="l" rtl="0">
         <a:lnSpc>
           <a:spcPct val="100000"/>
         </a:lnSpc>
@@ -10772,7 +11029,7 @@
           <a:srgbClr val="000000"/>
         </a:buClr>
         <a:buFont typeface="Arial"/>
-        <a:defRPr b="0" i="0" sz="1400" u="none" cap="none" strike="noStrike">
+        <a:defRPr sz="1400" b="0" i="0" u="none" strike="noStrike" cap="none">
           <a:solidFill>
             <a:srgbClr val="000000"/>
           </a:solidFill>
@@ -10782,7 +11039,7 @@
           <a:sym typeface="Arial"/>
         </a:defRPr>
       </a:lvl1pPr>
-      <a:lvl2pPr lvl="1" marR="0" rtl="0" algn="l">
+      <a:lvl2pPr marR="0" lvl="1" algn="l" rtl="0">
         <a:lnSpc>
           <a:spcPct val="100000"/>
         </a:lnSpc>
@@ -10796,7 +11053,7 @@
           <a:srgbClr val="000000"/>
         </a:buClr>
         <a:buFont typeface="Arial"/>
-        <a:defRPr b="0" i="0" sz="1400" u="none" cap="none" strike="noStrike">
+        <a:defRPr sz="1400" b="0" i="0" u="none" strike="noStrike" cap="none">
           <a:solidFill>
             <a:srgbClr val="000000"/>
           </a:solidFill>
@@ -10806,7 +11063,7 @@
           <a:sym typeface="Arial"/>
         </a:defRPr>
       </a:lvl2pPr>
-      <a:lvl3pPr lvl="2" marR="0" rtl="0" algn="l">
+      <a:lvl3pPr marR="0" lvl="2" algn="l" rtl="0">
         <a:lnSpc>
           <a:spcPct val="100000"/>
         </a:lnSpc>
@@ -10820,7 +11077,7 @@
           <a:srgbClr val="000000"/>
         </a:buClr>
         <a:buFont typeface="Arial"/>
-        <a:defRPr b="0" i="0" sz="1400" u="none" cap="none" strike="noStrike">
+        <a:defRPr sz="1400" b="0" i="0" u="none" strike="noStrike" cap="none">
           <a:solidFill>
             <a:srgbClr val="000000"/>
           </a:solidFill>
@@ -10830,7 +11087,7 @@
           <a:sym typeface="Arial"/>
         </a:defRPr>
       </a:lvl3pPr>
-      <a:lvl4pPr lvl="3" marR="0" rtl="0" algn="l">
+      <a:lvl4pPr marR="0" lvl="3" algn="l" rtl="0">
         <a:lnSpc>
           <a:spcPct val="100000"/>
         </a:lnSpc>
@@ -10844,7 +11101,7 @@
           <a:srgbClr val="000000"/>
         </a:buClr>
         <a:buFont typeface="Arial"/>
-        <a:defRPr b="0" i="0" sz="1400" u="none" cap="none" strike="noStrike">
+        <a:defRPr sz="1400" b="0" i="0" u="none" strike="noStrike" cap="none">
           <a:solidFill>
             <a:srgbClr val="000000"/>
           </a:solidFill>
@@ -10854,7 +11111,7 @@
           <a:sym typeface="Arial"/>
         </a:defRPr>
       </a:lvl4pPr>
-      <a:lvl5pPr lvl="4" marR="0" rtl="0" algn="l">
+      <a:lvl5pPr marR="0" lvl="4" algn="l" rtl="0">
         <a:lnSpc>
           <a:spcPct val="100000"/>
         </a:lnSpc>
@@ -10868,7 +11125,7 @@
           <a:srgbClr val="000000"/>
         </a:buClr>
         <a:buFont typeface="Arial"/>
-        <a:defRPr b="0" i="0" sz="1400" u="none" cap="none" strike="noStrike">
+        <a:defRPr sz="1400" b="0" i="0" u="none" strike="noStrike" cap="none">
           <a:solidFill>
             <a:srgbClr val="000000"/>
           </a:solidFill>
@@ -10878,7 +11135,7 @@
           <a:sym typeface="Arial"/>
         </a:defRPr>
       </a:lvl5pPr>
-      <a:lvl6pPr lvl="5" marR="0" rtl="0" algn="l">
+      <a:lvl6pPr marR="0" lvl="5" algn="l" rtl="0">
         <a:lnSpc>
           <a:spcPct val="100000"/>
         </a:lnSpc>
@@ -10892,7 +11149,7 @@
           <a:srgbClr val="000000"/>
         </a:buClr>
         <a:buFont typeface="Arial"/>
-        <a:defRPr b="0" i="0" sz="1400" u="none" cap="none" strike="noStrike">
+        <a:defRPr sz="1400" b="0" i="0" u="none" strike="noStrike" cap="none">
           <a:solidFill>
             <a:srgbClr val="000000"/>
           </a:solidFill>
@@ -10902,7 +11159,7 @@
           <a:sym typeface="Arial"/>
         </a:defRPr>
       </a:lvl6pPr>
-      <a:lvl7pPr lvl="6" marR="0" rtl="0" algn="l">
+      <a:lvl7pPr marR="0" lvl="6" algn="l" rtl="0">
         <a:lnSpc>
           <a:spcPct val="100000"/>
         </a:lnSpc>
@@ -10916,7 +11173,7 @@
           <a:srgbClr val="000000"/>
         </a:buClr>
         <a:buFont typeface="Arial"/>
-        <a:defRPr b="0" i="0" sz="1400" u="none" cap="none" strike="noStrike">
+        <a:defRPr sz="1400" b="0" i="0" u="none" strike="noStrike" cap="none">
           <a:solidFill>
             <a:srgbClr val="000000"/>
           </a:solidFill>
@@ -10926,7 +11183,7 @@
           <a:sym typeface="Arial"/>
         </a:defRPr>
       </a:lvl7pPr>
-      <a:lvl8pPr lvl="7" marR="0" rtl="0" algn="l">
+      <a:lvl8pPr marR="0" lvl="7" algn="l" rtl="0">
         <a:lnSpc>
           <a:spcPct val="100000"/>
         </a:lnSpc>
@@ -10940,7 +11197,7 @@
           <a:srgbClr val="000000"/>
         </a:buClr>
         <a:buFont typeface="Arial"/>
-        <a:defRPr b="0" i="0" sz="1400" u="none" cap="none" strike="noStrike">
+        <a:defRPr sz="1400" b="0" i="0" u="none" strike="noStrike" cap="none">
           <a:solidFill>
             <a:srgbClr val="000000"/>
           </a:solidFill>
@@ -10950,7 +11207,7 @@
           <a:sym typeface="Arial"/>
         </a:defRPr>
       </a:lvl8pPr>
-      <a:lvl9pPr lvl="8" marR="0" rtl="0" algn="l">
+      <a:lvl9pPr marR="0" lvl="8" algn="l" rtl="0">
         <a:lnSpc>
           <a:spcPct val="100000"/>
         </a:lnSpc>
@@ -10964,7 +11221,7 @@
           <a:srgbClr val="000000"/>
         </a:buClr>
         <a:buFont typeface="Arial"/>
-        <a:defRPr b="0" i="0" sz="1400" u="none" cap="none" strike="noStrike">
+        <a:defRPr sz="1400" b="0" i="0" u="none" strike="noStrike" cap="none">
           <a:solidFill>
             <a:srgbClr val="000000"/>
           </a:solidFill>
@@ -10980,11 +11237,11 @@
 </file>
 
 <file path=ppt/slides/slide1.xml><?xml version="1.0" encoding="utf-8"?>
-<p:sld xmlns:a="http://schemas.openxmlformats.org/drawingml/2006/main" xmlns:r="http://schemas.openxmlformats.org/officeDocument/2006/relationships" xmlns:mc="http://schemas.openxmlformats.org/markup-compatibility/2006" xmlns:mv="urn:schemas-microsoft-com:mac:vml" xmlns:p="http://schemas.openxmlformats.org/presentationml/2006/main" xmlns:c="http://schemas.openxmlformats.org/drawingml/2006/chart" xmlns:dgm="http://schemas.openxmlformats.org/drawingml/2006/diagram" xmlns:o="urn:schemas-microsoft-com:office:office" xmlns:v="urn:schemas-microsoft-com:vml" xmlns:pvml="urn:schemas-microsoft-com:office:powerpoint" xmlns:com="http://schemas.openxmlformats.org/drawingml/2006/compatibility" xmlns:p14="http://schemas.microsoft.com/office/powerpoint/2010/main" xmlns:p15="http://schemas.microsoft.com/office/powerpoint/2012/main" xmlns:ahyp="http://schemas.microsoft.com/office/drawing/2018/hyperlinkcolor">
+<p:sld xmlns:a="http://schemas.openxmlformats.org/drawingml/2006/main" xmlns:r="http://schemas.openxmlformats.org/officeDocument/2006/relationships" xmlns:p="http://schemas.openxmlformats.org/presentationml/2006/main">
   <p:cSld>
     <p:spTree>
       <p:nvGrpSpPr>
-        <p:cNvPr id="83" name="Shape 83"/>
+        <p:cNvPr id="1" name="Shape 83"/>
         <p:cNvGrpSpPr/>
         <p:nvPr/>
       </p:nvGrpSpPr>
@@ -10996,70 +11253,21 @@
           <a:chExt cx="0" cy="0"/>
         </a:xfrm>
       </p:grpSpPr>
-      <p:sp>
-        <p:nvSpPr>
-          <p:cNvPr id="84" name="Google Shape;84;p1"/>
-          <p:cNvSpPr txBox="1"/>
-          <p:nvPr>
-            <p:ph type="title"/>
-          </p:nvPr>
-        </p:nvSpPr>
-        <p:spPr>
-          <a:xfrm>
-            <a:off x="838200" y="365125"/>
-            <a:ext cx="10515600" cy="1325563"/>
-          </a:xfrm>
-          <a:prstGeom prst="rect">
-            <a:avLst/>
-          </a:prstGeom>
-          <a:noFill/>
-          <a:ln>
-            <a:noFill/>
-          </a:ln>
-        </p:spPr>
-        <p:txBody>
-          <a:bodyPr anchorCtr="0" anchor="ctr" bIns="45700" lIns="91425" spcFirstLastPara="1" rIns="91425" wrap="square" tIns="45700">
-            <a:normAutofit/>
-          </a:bodyPr>
-          <a:lstStyle/>
-          <a:p>
-            <a:pPr indent="0" lvl="0" marL="0" rtl="0" algn="l">
-              <a:lnSpc>
-                <a:spcPct val="90000"/>
-              </a:lnSpc>
-              <a:spcBef>
-                <a:spcPts val="0"/>
-              </a:spcBef>
-              <a:spcAft>
-                <a:spcPts val="0"/>
-              </a:spcAft>
-              <a:buClr>
-                <a:schemeClr val="dk1"/>
-              </a:buClr>
-              <a:buSzPts val="4400"/>
-              <a:buFont typeface="Play"/>
-              <a:buNone/>
-            </a:pPr>
-            <a:r>
-              <a:t/>
-            </a:r>
-            <a:endParaRPr/>
-          </a:p>
-        </p:txBody>
-      </p:sp>
       <p:pic>
         <p:nvPicPr>
           <p:cNvPr id="85" name="Google Shape;85;p1"/>
-          <p:cNvPicPr preferRelativeResize="0"/>
+          <p:cNvPicPr preferRelativeResize="0">
+            <a:picLocks noGrp="1"/>
+          </p:cNvPicPr>
           <p:nvPr>
-            <p:ph idx="1" type="body"/>
+            <p:ph type="body" idx="1"/>
           </p:nvPr>
         </p:nvPicPr>
         <p:blipFill rotWithShape="1">
           <a:blip r:embed="rId3">
             <a:alphaModFix/>
           </a:blip>
-          <a:srcRect b="0" l="0" r="0" t="0"/>
+          <a:srcRect/>
           <a:stretch/>
         </p:blipFill>
         <p:spPr>
@@ -11085,11 +11293,11 @@
 </file>
 
 <file path=ppt/slides/slide2.xml><?xml version="1.0" encoding="utf-8"?>
-<p:sld xmlns:a="http://schemas.openxmlformats.org/drawingml/2006/main" xmlns:r="http://schemas.openxmlformats.org/officeDocument/2006/relationships" xmlns:mc="http://schemas.openxmlformats.org/markup-compatibility/2006" xmlns:mv="urn:schemas-microsoft-com:mac:vml" xmlns:p="http://schemas.openxmlformats.org/presentationml/2006/main" xmlns:c="http://schemas.openxmlformats.org/drawingml/2006/chart" xmlns:dgm="http://schemas.openxmlformats.org/drawingml/2006/diagram" xmlns:o="urn:schemas-microsoft-com:office:office" xmlns:v="urn:schemas-microsoft-com:vml" xmlns:pvml="urn:schemas-microsoft-com:office:powerpoint" xmlns:com="http://schemas.openxmlformats.org/drawingml/2006/compatibility" xmlns:p14="http://schemas.microsoft.com/office/powerpoint/2010/main" xmlns:p15="http://schemas.microsoft.com/office/powerpoint/2012/main" xmlns:ahyp="http://schemas.microsoft.com/office/drawing/2018/hyperlinkcolor">
+<p:sld xmlns:a="http://schemas.openxmlformats.org/drawingml/2006/main" xmlns:r="http://schemas.openxmlformats.org/officeDocument/2006/relationships" xmlns:p="http://schemas.openxmlformats.org/presentationml/2006/main">
   <p:cSld>
     <p:spTree>
       <p:nvGrpSpPr>
-        <p:cNvPr id="89" name="Shape 89"/>
+        <p:cNvPr id="1" name="Shape 89"/>
         <p:cNvGrpSpPr/>
         <p:nvPr/>
       </p:nvGrpSpPr>
@@ -11101,70 +11309,21 @@
           <a:chExt cx="0" cy="0"/>
         </a:xfrm>
       </p:grpSpPr>
-      <p:sp>
-        <p:nvSpPr>
-          <p:cNvPr id="90" name="Google Shape;90;p2"/>
-          <p:cNvSpPr txBox="1"/>
-          <p:nvPr>
-            <p:ph type="title"/>
-          </p:nvPr>
-        </p:nvSpPr>
-        <p:spPr>
-          <a:xfrm>
-            <a:off x="838200" y="365125"/>
-            <a:ext cx="10515600" cy="1325563"/>
-          </a:xfrm>
-          <a:prstGeom prst="rect">
-            <a:avLst/>
-          </a:prstGeom>
-          <a:noFill/>
-          <a:ln>
-            <a:noFill/>
-          </a:ln>
-        </p:spPr>
-        <p:txBody>
-          <a:bodyPr anchorCtr="0" anchor="ctr" bIns="45700" lIns="91425" spcFirstLastPara="1" rIns="91425" wrap="square" tIns="45700">
-            <a:normAutofit/>
-          </a:bodyPr>
-          <a:lstStyle/>
-          <a:p>
-            <a:pPr indent="0" lvl="0" marL="0" rtl="0" algn="l">
-              <a:lnSpc>
-                <a:spcPct val="90000"/>
-              </a:lnSpc>
-              <a:spcBef>
-                <a:spcPts val="0"/>
-              </a:spcBef>
-              <a:spcAft>
-                <a:spcPts val="0"/>
-              </a:spcAft>
-              <a:buClr>
-                <a:schemeClr val="dk1"/>
-              </a:buClr>
-              <a:buSzPts val="4400"/>
-              <a:buFont typeface="Play"/>
-              <a:buNone/>
-            </a:pPr>
-            <a:r>
-              <a:t/>
-            </a:r>
-            <a:endParaRPr/>
-          </a:p>
-        </p:txBody>
-      </p:sp>
       <p:pic>
         <p:nvPicPr>
           <p:cNvPr id="91" name="Google Shape;91;p2"/>
-          <p:cNvPicPr preferRelativeResize="0"/>
+          <p:cNvPicPr preferRelativeResize="0">
+            <a:picLocks noGrp="1"/>
+          </p:cNvPicPr>
           <p:nvPr>
-            <p:ph idx="1" type="body"/>
+            <p:ph type="body" idx="1"/>
           </p:nvPr>
         </p:nvPicPr>
         <p:blipFill rotWithShape="1">
           <a:blip r:embed="rId3">
             <a:alphaModFix/>
           </a:blip>
-          <a:srcRect b="0" l="0" r="0" t="0"/>
+          <a:srcRect/>
           <a:stretch/>
         </p:blipFill>
         <p:spPr>
@@ -11190,11 +11349,11 @@
 </file>
 
 <file path=ppt/slides/slide3.xml><?xml version="1.0" encoding="utf-8"?>
-<p:sld xmlns:a="http://schemas.openxmlformats.org/drawingml/2006/main" xmlns:r="http://schemas.openxmlformats.org/officeDocument/2006/relationships" xmlns:mc="http://schemas.openxmlformats.org/markup-compatibility/2006" xmlns:mv="urn:schemas-microsoft-com:mac:vml" xmlns:p="http://schemas.openxmlformats.org/presentationml/2006/main" xmlns:c="http://schemas.openxmlformats.org/drawingml/2006/chart" xmlns:dgm="http://schemas.openxmlformats.org/drawingml/2006/diagram" xmlns:o="urn:schemas-microsoft-com:office:office" xmlns:v="urn:schemas-microsoft-com:vml" xmlns:pvml="urn:schemas-microsoft-com:office:powerpoint" xmlns:com="http://schemas.openxmlformats.org/drawingml/2006/compatibility" xmlns:p14="http://schemas.microsoft.com/office/powerpoint/2010/main" xmlns:p15="http://schemas.microsoft.com/office/powerpoint/2012/main" xmlns:ahyp="http://schemas.microsoft.com/office/drawing/2018/hyperlinkcolor">
+<p:sld xmlns:a="http://schemas.openxmlformats.org/drawingml/2006/main" xmlns:r="http://schemas.openxmlformats.org/officeDocument/2006/relationships" xmlns:p="http://schemas.openxmlformats.org/presentationml/2006/main">
   <p:cSld>
     <p:spTree>
       <p:nvGrpSpPr>
-        <p:cNvPr id="95" name="Shape 95"/>
+        <p:cNvPr id="1" name="Shape 95"/>
         <p:cNvGrpSpPr/>
         <p:nvPr/>
       </p:nvGrpSpPr>
@@ -11206,70 +11365,21 @@
           <a:chExt cx="0" cy="0"/>
         </a:xfrm>
       </p:grpSpPr>
-      <p:sp>
-        <p:nvSpPr>
-          <p:cNvPr id="96" name="Google Shape;96;p3"/>
-          <p:cNvSpPr txBox="1"/>
-          <p:nvPr>
-            <p:ph type="title"/>
-          </p:nvPr>
-        </p:nvSpPr>
-        <p:spPr>
-          <a:xfrm>
-            <a:off x="838200" y="365125"/>
-            <a:ext cx="10515600" cy="1325563"/>
-          </a:xfrm>
-          <a:prstGeom prst="rect">
-            <a:avLst/>
-          </a:prstGeom>
-          <a:noFill/>
-          <a:ln>
-            <a:noFill/>
-          </a:ln>
-        </p:spPr>
-        <p:txBody>
-          <a:bodyPr anchorCtr="0" anchor="ctr" bIns="45700" lIns="91425" spcFirstLastPara="1" rIns="91425" wrap="square" tIns="45700">
-            <a:normAutofit/>
-          </a:bodyPr>
-          <a:lstStyle/>
-          <a:p>
-            <a:pPr indent="0" lvl="0" marL="0" rtl="0" algn="l">
-              <a:lnSpc>
-                <a:spcPct val="90000"/>
-              </a:lnSpc>
-              <a:spcBef>
-                <a:spcPts val="0"/>
-              </a:spcBef>
-              <a:spcAft>
-                <a:spcPts val="0"/>
-              </a:spcAft>
-              <a:buClr>
-                <a:schemeClr val="dk1"/>
-              </a:buClr>
-              <a:buSzPts val="4400"/>
-              <a:buFont typeface="Play"/>
-              <a:buNone/>
-            </a:pPr>
-            <a:r>
-              <a:t/>
-            </a:r>
-            <a:endParaRPr/>
-          </a:p>
-        </p:txBody>
-      </p:sp>
       <p:pic>
         <p:nvPicPr>
           <p:cNvPr id="97" name="Google Shape;97;p3"/>
-          <p:cNvPicPr preferRelativeResize="0"/>
+          <p:cNvPicPr preferRelativeResize="0">
+            <a:picLocks noGrp="1"/>
+          </p:cNvPicPr>
           <p:nvPr>
-            <p:ph idx="1" type="body"/>
+            <p:ph type="body" idx="1"/>
           </p:nvPr>
         </p:nvPicPr>
         <p:blipFill rotWithShape="1">
           <a:blip r:embed="rId3">
             <a:alphaModFix/>
           </a:blip>
-          <a:srcRect b="0" l="0" r="0" t="0"/>
+          <a:srcRect/>
           <a:stretch/>
         </p:blipFill>
         <p:spPr>
@@ -11295,7 +11405,288 @@
 </file>
 
 <file path=ppt/theme/theme1.xml><?xml version="1.0" encoding="utf-8"?>
-<a:theme xmlns:a="http://schemas.openxmlformats.org/drawingml/2006/main" xmlns:r="http://schemas.openxmlformats.org/officeDocument/2006/relationships">
+<a:theme xmlns:a="http://schemas.openxmlformats.org/drawingml/2006/main" name="Office Theme">
+  <a:themeElements>
+    <a:clrScheme name="Office">
+      <a:dk1>
+        <a:srgbClr val="000000"/>
+      </a:dk1>
+      <a:lt1>
+        <a:srgbClr val="FFFFFF"/>
+      </a:lt1>
+      <a:dk2>
+        <a:srgbClr val="0E2841"/>
+      </a:dk2>
+      <a:lt2>
+        <a:srgbClr val="E8E8E8"/>
+      </a:lt2>
+      <a:accent1>
+        <a:srgbClr val="156082"/>
+      </a:accent1>
+      <a:accent2>
+        <a:srgbClr val="E97132"/>
+      </a:accent2>
+      <a:accent3>
+        <a:srgbClr val="196B24"/>
+      </a:accent3>
+      <a:accent4>
+        <a:srgbClr val="0F9ED5"/>
+      </a:accent4>
+      <a:accent5>
+        <a:srgbClr val="A02B93"/>
+      </a:accent5>
+      <a:accent6>
+        <a:srgbClr val="4EA72E"/>
+      </a:accent6>
+      <a:hlink>
+        <a:srgbClr val="467886"/>
+      </a:hlink>
+      <a:folHlink>
+        <a:srgbClr val="96607D"/>
+      </a:folHlink>
+    </a:clrScheme>
+    <a:fontScheme name="Office">
+      <a:majorFont>
+        <a:latin typeface="Arial"/>
+        <a:ea typeface=""/>
+        <a:cs typeface=""/>
+        <a:font script="Jpan" typeface="ＭＳ Ｐゴシック"/>
+        <a:font script="Hang" typeface="맑은 고딕"/>
+        <a:font script="Hans" typeface="宋体"/>
+        <a:font script="Hant" typeface="新細明體"/>
+        <a:font script="Arab" typeface="Times New Roman"/>
+        <a:font script="Hebr" typeface="Times New Roman"/>
+        <a:font script="Thai" typeface="Angsana New"/>
+        <a:font script="Ethi" typeface="Nyala"/>
+        <a:font script="Beng" typeface="Vrinda"/>
+        <a:font script="Gujr" typeface="Shruti"/>
+        <a:font script="Khmr" typeface="MoolBoran"/>
+        <a:font script="Knda" typeface="Tunga"/>
+        <a:font script="Guru" typeface="Raavi"/>
+        <a:font script="Cans" typeface="Euphemia"/>
+        <a:font script="Cher" typeface="Plantagenet Cherokee"/>
+        <a:font script="Yiii" typeface="Microsoft Yi Baiti"/>
+        <a:font script="Tibt" typeface="Microsoft Himalaya"/>
+        <a:font script="Thaa" typeface="MV Boli"/>
+        <a:font script="Deva" typeface="Mangal"/>
+        <a:font script="Telu" typeface="Gautami"/>
+        <a:font script="Taml" typeface="Latha"/>
+        <a:font script="Syrc" typeface="Estrangelo Edessa"/>
+        <a:font script="Orya" typeface="Kalinga"/>
+        <a:font script="Mlym" typeface="Kartika"/>
+        <a:font script="Laoo" typeface="DokChampa"/>
+        <a:font script="Sinh" typeface="Iskoola Pota"/>
+        <a:font script="Mong" typeface="Mongolian Baiti"/>
+        <a:font script="Viet" typeface="Times New Roman"/>
+        <a:font script="Uigh" typeface="Microsoft Uighur"/>
+        <a:font script="Geor" typeface="Sylfaen"/>
+      </a:majorFont>
+      <a:minorFont>
+        <a:latin typeface="Arial"/>
+        <a:ea typeface=""/>
+        <a:cs typeface=""/>
+        <a:font script="Jpan" typeface="ＭＳ Ｐゴシック"/>
+        <a:font script="Hang" typeface="맑은 고딕"/>
+        <a:font script="Hans" typeface="宋体"/>
+        <a:font script="Hant" typeface="新細明體"/>
+        <a:font script="Arab" typeface="Arial"/>
+        <a:font script="Hebr" typeface="Arial"/>
+        <a:font script="Thai" typeface="Cordia New"/>
+        <a:font script="Ethi" typeface="Nyala"/>
+        <a:font script="Beng" typeface="Vrinda"/>
+        <a:font script="Gujr" typeface="Shruti"/>
+        <a:font script="Khmr" typeface="DaunPenh"/>
+        <a:font script="Knda" typeface="Tunga"/>
+        <a:font script="Guru" typeface="Raavi"/>
+        <a:font script="Cans" typeface="Euphemia"/>
+        <a:font script="Cher" typeface="Plantagenet Cherokee"/>
+        <a:font script="Yiii" typeface="Microsoft Yi Baiti"/>
+        <a:font script="Tibt" typeface="Microsoft Himalaya"/>
+        <a:font script="Thaa" typeface="MV Boli"/>
+        <a:font script="Deva" typeface="Mangal"/>
+        <a:font script="Telu" typeface="Gautami"/>
+        <a:font script="Taml" typeface="Latha"/>
+        <a:font script="Syrc" typeface="Estrangelo Edessa"/>
+        <a:font script="Orya" typeface="Kalinga"/>
+        <a:font script="Mlym" typeface="Kartika"/>
+        <a:font script="Laoo" typeface="DokChampa"/>
+        <a:font script="Sinh" typeface="Iskoola Pota"/>
+        <a:font script="Mong" typeface="Mongolian Baiti"/>
+        <a:font script="Viet" typeface="Arial"/>
+        <a:font script="Uigh" typeface="Microsoft Uighur"/>
+        <a:font script="Geor" typeface="Sylfaen"/>
+      </a:minorFont>
+    </a:fontScheme>
+    <a:fmtScheme name="Office">
+      <a:fillStyleLst>
+        <a:solidFill>
+          <a:schemeClr val="phClr"/>
+        </a:solidFill>
+        <a:gradFill rotWithShape="1">
+          <a:gsLst>
+            <a:gs pos="0">
+              <a:schemeClr val="phClr">
+                <a:tint val="50000"/>
+                <a:satMod val="300000"/>
+              </a:schemeClr>
+            </a:gs>
+            <a:gs pos="35000">
+              <a:schemeClr val="phClr">
+                <a:tint val="37000"/>
+                <a:satMod val="300000"/>
+              </a:schemeClr>
+            </a:gs>
+            <a:gs pos="100000">
+              <a:schemeClr val="phClr">
+                <a:tint val="15000"/>
+                <a:satMod val="350000"/>
+              </a:schemeClr>
+            </a:gs>
+          </a:gsLst>
+          <a:lin ang="16200000" scaled="1"/>
+        </a:gradFill>
+        <a:gradFill rotWithShape="1">
+          <a:gsLst>
+            <a:gs pos="0">
+              <a:schemeClr val="phClr">
+                <a:tint val="100000"/>
+                <a:shade val="100000"/>
+                <a:satMod val="130000"/>
+              </a:schemeClr>
+            </a:gs>
+            <a:gs pos="100000">
+              <a:schemeClr val="phClr">
+                <a:tint val="50000"/>
+                <a:shade val="100000"/>
+                <a:satMod val="350000"/>
+              </a:schemeClr>
+            </a:gs>
+          </a:gsLst>
+          <a:lin ang="16200000" scaled="0"/>
+        </a:gradFill>
+      </a:fillStyleLst>
+      <a:lnStyleLst>
+        <a:ln w="9525" cap="flat" cmpd="sng" algn="ctr">
+          <a:solidFill>
+            <a:schemeClr val="phClr">
+              <a:shade val="95000"/>
+              <a:satMod val="105000"/>
+            </a:schemeClr>
+          </a:solidFill>
+          <a:prstDash val="solid"/>
+        </a:ln>
+        <a:ln w="25400" cap="flat" cmpd="sng" algn="ctr">
+          <a:solidFill>
+            <a:schemeClr val="phClr"/>
+          </a:solidFill>
+          <a:prstDash val="solid"/>
+        </a:ln>
+        <a:ln w="38100" cap="flat" cmpd="sng" algn="ctr">
+          <a:solidFill>
+            <a:schemeClr val="phClr"/>
+          </a:solidFill>
+          <a:prstDash val="solid"/>
+        </a:ln>
+      </a:lnStyleLst>
+      <a:effectStyleLst>
+        <a:effectStyle>
+          <a:effectLst>
+            <a:outerShdw blurRad="40000" dist="20000" dir="5400000" rotWithShape="0">
+              <a:srgbClr val="000000">
+                <a:alpha val="38000"/>
+              </a:srgbClr>
+            </a:outerShdw>
+          </a:effectLst>
+        </a:effectStyle>
+        <a:effectStyle>
+          <a:effectLst>
+            <a:outerShdw blurRad="40000" dist="23000" dir="5400000" rotWithShape="0">
+              <a:srgbClr val="000000">
+                <a:alpha val="35000"/>
+              </a:srgbClr>
+            </a:outerShdw>
+          </a:effectLst>
+        </a:effectStyle>
+        <a:effectStyle>
+          <a:effectLst>
+            <a:outerShdw blurRad="40000" dist="23000" dir="5400000" rotWithShape="0">
+              <a:srgbClr val="000000">
+                <a:alpha val="35000"/>
+              </a:srgbClr>
+            </a:outerShdw>
+          </a:effectLst>
+          <a:scene3d>
+            <a:camera prst="orthographicFront">
+              <a:rot lat="0" lon="0" rev="0"/>
+            </a:camera>
+            <a:lightRig rig="threePt" dir="t">
+              <a:rot lat="0" lon="0" rev="1200000"/>
+            </a:lightRig>
+          </a:scene3d>
+          <a:sp3d>
+            <a:bevelT w="63500" h="25400"/>
+          </a:sp3d>
+        </a:effectStyle>
+      </a:effectStyleLst>
+      <a:bgFillStyleLst>
+        <a:solidFill>
+          <a:schemeClr val="phClr"/>
+        </a:solidFill>
+        <a:gradFill rotWithShape="1">
+          <a:gsLst>
+            <a:gs pos="0">
+              <a:schemeClr val="phClr">
+                <a:tint val="40000"/>
+                <a:satMod val="350000"/>
+              </a:schemeClr>
+            </a:gs>
+            <a:gs pos="40000">
+              <a:schemeClr val="phClr">
+                <a:tint val="45000"/>
+                <a:shade val="99000"/>
+                <a:satMod val="350000"/>
+              </a:schemeClr>
+            </a:gs>
+            <a:gs pos="100000">
+              <a:schemeClr val="phClr">
+                <a:shade val="20000"/>
+                <a:satMod val="255000"/>
+              </a:schemeClr>
+            </a:gs>
+          </a:gsLst>
+          <a:path path="circle">
+            <a:fillToRect l="50000" t="-80000" r="50000" b="180000"/>
+          </a:path>
+        </a:gradFill>
+        <a:gradFill rotWithShape="1">
+          <a:gsLst>
+            <a:gs pos="0">
+              <a:schemeClr val="phClr">
+                <a:tint val="80000"/>
+                <a:satMod val="300000"/>
+              </a:schemeClr>
+            </a:gs>
+            <a:gs pos="100000">
+              <a:schemeClr val="phClr">
+                <a:shade val="30000"/>
+                <a:satMod val="200000"/>
+              </a:schemeClr>
+            </a:gs>
+          </a:gsLst>
+          <a:path path="circle">
+            <a:fillToRect l="50000" t="50000" r="50000" b="50000"/>
+          </a:path>
+        </a:gradFill>
+      </a:bgFillStyleLst>
+    </a:fmtScheme>
+  </a:themeElements>
+  <a:objectDefaults/>
+  <a:extraClrSchemeLst/>
+</a:theme>
+</file>
+
+<file path=ppt/theme/theme2.xml><?xml version="1.0" encoding="utf-8"?>
+<a:theme xmlns:a="http://schemas.openxmlformats.org/drawingml/2006/main">
   <a:themeElements>
     <a:clrScheme name="Default">
       <a:dk1>
@@ -11570,284 +11961,7 @@
       </a:bgFillStyleLst>
     </a:fmtScheme>
   </a:themeElements>
-</a:theme>
-</file>
-
-<file path=ppt/theme/theme2.xml><?xml version="1.0" encoding="utf-8"?>
-<a:theme xmlns:a="http://schemas.openxmlformats.org/drawingml/2006/main" xmlns:r="http://schemas.openxmlformats.org/officeDocument/2006/relationships" name="Office Theme">
-  <a:themeElements>
-    <a:clrScheme name="Office">
-      <a:dk1>
-        <a:srgbClr val="000000"/>
-      </a:dk1>
-      <a:lt1>
-        <a:srgbClr val="FFFFFF"/>
-      </a:lt1>
-      <a:dk2>
-        <a:srgbClr val="0E2841"/>
-      </a:dk2>
-      <a:lt2>
-        <a:srgbClr val="E8E8E8"/>
-      </a:lt2>
-      <a:accent1>
-        <a:srgbClr val="156082"/>
-      </a:accent1>
-      <a:accent2>
-        <a:srgbClr val="E97132"/>
-      </a:accent2>
-      <a:accent3>
-        <a:srgbClr val="196B24"/>
-      </a:accent3>
-      <a:accent4>
-        <a:srgbClr val="0F9ED5"/>
-      </a:accent4>
-      <a:accent5>
-        <a:srgbClr val="A02B93"/>
-      </a:accent5>
-      <a:accent6>
-        <a:srgbClr val="4EA72E"/>
-      </a:accent6>
-      <a:hlink>
-        <a:srgbClr val="467886"/>
-      </a:hlink>
-      <a:folHlink>
-        <a:srgbClr val="96607D"/>
-      </a:folHlink>
-    </a:clrScheme>
-    <a:fontScheme name="Office">
-      <a:majorFont>
-        <a:latin typeface="Arial"/>
-        <a:ea typeface=""/>
-        <a:cs typeface=""/>
-        <a:font script="Jpan" typeface="ＭＳ Ｐゴシック"/>
-        <a:font script="Hang" typeface="맑은 고딕"/>
-        <a:font script="Hans" typeface="宋体"/>
-        <a:font script="Hant" typeface="新細明體"/>
-        <a:font script="Arab" typeface="Times New Roman"/>
-        <a:font script="Hebr" typeface="Times New Roman"/>
-        <a:font script="Thai" typeface="Angsana New"/>
-        <a:font script="Ethi" typeface="Nyala"/>
-        <a:font script="Beng" typeface="Vrinda"/>
-        <a:font script="Gujr" typeface="Shruti"/>
-        <a:font script="Khmr" typeface="MoolBoran"/>
-        <a:font script="Knda" typeface="Tunga"/>
-        <a:font script="Guru" typeface="Raavi"/>
-        <a:font script="Cans" typeface="Euphemia"/>
-        <a:font script="Cher" typeface="Plantagenet Cherokee"/>
-        <a:font script="Yiii" typeface="Microsoft Yi Baiti"/>
-        <a:font script="Tibt" typeface="Microsoft Himalaya"/>
-        <a:font script="Thaa" typeface="MV Boli"/>
-        <a:font script="Deva" typeface="Mangal"/>
-        <a:font script="Telu" typeface="Gautami"/>
-        <a:font script="Taml" typeface="Latha"/>
-        <a:font script="Syrc" typeface="Estrangelo Edessa"/>
-        <a:font script="Orya" typeface="Kalinga"/>
-        <a:font script="Mlym" typeface="Kartika"/>
-        <a:font script="Laoo" typeface="DokChampa"/>
-        <a:font script="Sinh" typeface="Iskoola Pota"/>
-        <a:font script="Mong" typeface="Mongolian Baiti"/>
-        <a:font script="Viet" typeface="Times New Roman"/>
-        <a:font script="Uigh" typeface="Microsoft Uighur"/>
-        <a:font script="Geor" typeface="Sylfaen"/>
-      </a:majorFont>
-      <a:minorFont>
-        <a:latin typeface="Arial"/>
-        <a:ea typeface=""/>
-        <a:cs typeface=""/>
-        <a:font script="Jpan" typeface="ＭＳ Ｐゴシック"/>
-        <a:font script="Hang" typeface="맑은 고딕"/>
-        <a:font script="Hans" typeface="宋体"/>
-        <a:font script="Hant" typeface="新細明體"/>
-        <a:font script="Arab" typeface="Arial"/>
-        <a:font script="Hebr" typeface="Arial"/>
-        <a:font script="Thai" typeface="Cordia New"/>
-        <a:font script="Ethi" typeface="Nyala"/>
-        <a:font script="Beng" typeface="Vrinda"/>
-        <a:font script="Gujr" typeface="Shruti"/>
-        <a:font script="Khmr" typeface="DaunPenh"/>
-        <a:font script="Knda" typeface="Tunga"/>
-        <a:font script="Guru" typeface="Raavi"/>
-        <a:font script="Cans" typeface="Euphemia"/>
-        <a:font script="Cher" typeface="Plantagenet Cherokee"/>
-        <a:font script="Yiii" typeface="Microsoft Yi Baiti"/>
-        <a:font script="Tibt" typeface="Microsoft Himalaya"/>
-        <a:font script="Thaa" typeface="MV Boli"/>
-        <a:font script="Deva" typeface="Mangal"/>
-        <a:font script="Telu" typeface="Gautami"/>
-        <a:font script="Taml" typeface="Latha"/>
-        <a:font script="Syrc" typeface="Estrangelo Edessa"/>
-        <a:font script="Orya" typeface="Kalinga"/>
-        <a:font script="Mlym" typeface="Kartika"/>
-        <a:font script="Laoo" typeface="DokChampa"/>
-        <a:font script="Sinh" typeface="Iskoola Pota"/>
-        <a:font script="Mong" typeface="Mongolian Baiti"/>
-        <a:font script="Viet" typeface="Arial"/>
-        <a:font script="Uigh" typeface="Microsoft Uighur"/>
-        <a:font script="Geor" typeface="Sylfaen"/>
-      </a:minorFont>
-    </a:fontScheme>
-    <a:fmtScheme name="Office">
-      <a:fillStyleLst>
-        <a:solidFill>
-          <a:schemeClr val="phClr"/>
-        </a:solidFill>
-        <a:gradFill rotWithShape="1">
-          <a:gsLst>
-            <a:gs pos="0">
-              <a:schemeClr val="phClr">
-                <a:tint val="50000"/>
-                <a:satMod val="300000"/>
-              </a:schemeClr>
-            </a:gs>
-            <a:gs pos="35000">
-              <a:schemeClr val="phClr">
-                <a:tint val="37000"/>
-                <a:satMod val="300000"/>
-              </a:schemeClr>
-            </a:gs>
-            <a:gs pos="100000">
-              <a:schemeClr val="phClr">
-                <a:tint val="15000"/>
-                <a:satMod val="350000"/>
-              </a:schemeClr>
-            </a:gs>
-          </a:gsLst>
-          <a:lin ang="16200000" scaled="1"/>
-        </a:gradFill>
-        <a:gradFill rotWithShape="1">
-          <a:gsLst>
-            <a:gs pos="0">
-              <a:schemeClr val="phClr">
-                <a:tint val="100000"/>
-                <a:shade val="100000"/>
-                <a:satMod val="130000"/>
-              </a:schemeClr>
-            </a:gs>
-            <a:gs pos="100000">
-              <a:schemeClr val="phClr">
-                <a:tint val="50000"/>
-                <a:shade val="100000"/>
-                <a:satMod val="350000"/>
-              </a:schemeClr>
-            </a:gs>
-          </a:gsLst>
-          <a:lin ang="16200000" scaled="0"/>
-        </a:gradFill>
-      </a:fillStyleLst>
-      <a:lnStyleLst>
-        <a:ln w="9525" cap="flat" cmpd="sng" algn="ctr">
-          <a:solidFill>
-            <a:schemeClr val="phClr">
-              <a:shade val="95000"/>
-              <a:satMod val="105000"/>
-            </a:schemeClr>
-          </a:solidFill>
-          <a:prstDash val="solid"/>
-        </a:ln>
-        <a:ln w="25400" cap="flat" cmpd="sng" algn="ctr">
-          <a:solidFill>
-            <a:schemeClr val="phClr"/>
-          </a:solidFill>
-          <a:prstDash val="solid"/>
-        </a:ln>
-        <a:ln w="38100" cap="flat" cmpd="sng" algn="ctr">
-          <a:solidFill>
-            <a:schemeClr val="phClr"/>
-          </a:solidFill>
-          <a:prstDash val="solid"/>
-        </a:ln>
-      </a:lnStyleLst>
-      <a:effectStyleLst>
-        <a:effectStyle>
-          <a:effectLst>
-            <a:outerShdw blurRad="40000" dist="20000" dir="5400000" rotWithShape="0">
-              <a:srgbClr val="000000">
-                <a:alpha val="38000"/>
-              </a:srgbClr>
-            </a:outerShdw>
-          </a:effectLst>
-        </a:effectStyle>
-        <a:effectStyle>
-          <a:effectLst>
-            <a:outerShdw blurRad="40000" dist="23000" dir="5400000" rotWithShape="0">
-              <a:srgbClr val="000000">
-                <a:alpha val="35000"/>
-              </a:srgbClr>
-            </a:outerShdw>
-          </a:effectLst>
-        </a:effectStyle>
-        <a:effectStyle>
-          <a:effectLst>
-            <a:outerShdw blurRad="40000" dist="23000" dir="5400000" rotWithShape="0">
-              <a:srgbClr val="000000">
-                <a:alpha val="35000"/>
-              </a:srgbClr>
-            </a:outerShdw>
-          </a:effectLst>
-          <a:scene3d>
-            <a:camera prst="orthographicFront">
-              <a:rot lat="0" lon="0" rev="0"/>
-            </a:camera>
-            <a:lightRig rig="threePt" dir="t">
-              <a:rot lat="0" lon="0" rev="1200000"/>
-            </a:lightRig>
-          </a:scene3d>
-          <a:sp3d>
-            <a:bevelT w="63500" h="25400"/>
-          </a:sp3d>
-        </a:effectStyle>
-      </a:effectStyleLst>
-      <a:bgFillStyleLst>
-        <a:solidFill>
-          <a:schemeClr val="phClr"/>
-        </a:solidFill>
-        <a:gradFill rotWithShape="1">
-          <a:gsLst>
-            <a:gs pos="0">
-              <a:schemeClr val="phClr">
-                <a:tint val="40000"/>
-                <a:satMod val="350000"/>
-              </a:schemeClr>
-            </a:gs>
-            <a:gs pos="40000">
-              <a:schemeClr val="phClr">
-                <a:tint val="45000"/>
-                <a:shade val="99000"/>
-                <a:satMod val="350000"/>
-              </a:schemeClr>
-            </a:gs>
-            <a:gs pos="100000">
-              <a:schemeClr val="phClr">
-                <a:shade val="20000"/>
-                <a:satMod val="255000"/>
-              </a:schemeClr>
-            </a:gs>
-          </a:gsLst>
-          <a:path path="circle">
-            <a:fillToRect l="50000" t="-80000" r="50000" b="180000"/>
-          </a:path>
-        </a:gradFill>
-        <a:gradFill rotWithShape="1">
-          <a:gsLst>
-            <a:gs pos="0">
-              <a:schemeClr val="phClr">
-                <a:tint val="80000"/>
-                <a:satMod val="300000"/>
-              </a:schemeClr>
-            </a:gs>
-            <a:gs pos="100000">
-              <a:schemeClr val="phClr">
-                <a:shade val="30000"/>
-                <a:satMod val="200000"/>
-              </a:schemeClr>
-            </a:gs>
-          </a:gsLst>
-          <a:path path="circle">
-            <a:fillToRect l="50000" t="50000" r="50000" b="50000"/>
-          </a:path>
-        </a:gradFill>
-      </a:bgFillStyleLst>
-    </a:fmtScheme>
-  </a:themeElements>
+  <a:objectDefaults/>
+  <a:extraClrSchemeLst/>
 </a:theme>
 </file>